--- a/PPT/20231204_spring_di.pptx
+++ b/PPT/20231204_spring_di.pptx
@@ -8,6 +8,11 @@
     <p:sldId id="256" r:id="rId2"/>
     <p:sldId id="257" r:id="rId3"/>
     <p:sldId id="258" r:id="rId4"/>
+    <p:sldId id="259" r:id="rId5"/>
+    <p:sldId id="260" r:id="rId6"/>
+    <p:sldId id="261" r:id="rId7"/>
+    <p:sldId id="262" r:id="rId8"/>
+    <p:sldId id="263" r:id="rId9"/>
   </p:sldIdLst>
   <p:sldSz cx="9144000" cy="6858000" type="screen4x3"/>
   <p:notesSz cx="6858000" cy="9144000"/>
@@ -290,7 +295,8 @@
           <a:p>
             <a:fld id="{FFBFCE49-CBC6-493C-9F7A-1766A0F5897A}" type="datetimeFigureOut">
               <a:rPr lang="ko-KR" altLang="en-US" smtClean="0"/>
-              <a:t>2023-12-05</a:t>
+              <a:pPr/>
+              <a:t>2023-12-06</a:t>
             </a:fld>
             <a:endParaRPr lang="ko-KR" altLang="en-US"/>
           </a:p>
@@ -332,6 +338,7 @@
           <a:p>
             <a:fld id="{DC448ED5-5762-40DF-A184-BB2B2706016A}" type="slidenum">
               <a:rPr lang="ko-KR" altLang="en-US" smtClean="0"/>
+              <a:pPr/>
               <a:t>‹#›</a:t>
             </a:fld>
             <a:endParaRPr lang="ko-KR" altLang="en-US"/>
@@ -455,7 +462,8 @@
           <a:p>
             <a:fld id="{FFBFCE49-CBC6-493C-9F7A-1766A0F5897A}" type="datetimeFigureOut">
               <a:rPr lang="ko-KR" altLang="en-US" smtClean="0"/>
-              <a:t>2023-12-05</a:t>
+              <a:pPr/>
+              <a:t>2023-12-06</a:t>
             </a:fld>
             <a:endParaRPr lang="ko-KR" altLang="en-US"/>
           </a:p>
@@ -497,6 +505,7 @@
           <a:p>
             <a:fld id="{DC448ED5-5762-40DF-A184-BB2B2706016A}" type="slidenum">
               <a:rPr lang="ko-KR" altLang="en-US" smtClean="0"/>
+              <a:pPr/>
               <a:t>‹#›</a:t>
             </a:fld>
             <a:endParaRPr lang="ko-KR" altLang="en-US"/>
@@ -630,7 +639,8 @@
           <a:p>
             <a:fld id="{FFBFCE49-CBC6-493C-9F7A-1766A0F5897A}" type="datetimeFigureOut">
               <a:rPr lang="ko-KR" altLang="en-US" smtClean="0"/>
-              <a:t>2023-12-05</a:t>
+              <a:pPr/>
+              <a:t>2023-12-06</a:t>
             </a:fld>
             <a:endParaRPr lang="ko-KR" altLang="en-US"/>
           </a:p>
@@ -672,6 +682,7 @@
           <a:p>
             <a:fld id="{DC448ED5-5762-40DF-A184-BB2B2706016A}" type="slidenum">
               <a:rPr lang="ko-KR" altLang="en-US" smtClean="0"/>
+              <a:pPr/>
               <a:t>‹#›</a:t>
             </a:fld>
             <a:endParaRPr lang="ko-KR" altLang="en-US"/>
@@ -795,7 +806,8 @@
           <a:p>
             <a:fld id="{FFBFCE49-CBC6-493C-9F7A-1766A0F5897A}" type="datetimeFigureOut">
               <a:rPr lang="ko-KR" altLang="en-US" smtClean="0"/>
-              <a:t>2023-12-05</a:t>
+              <a:pPr/>
+              <a:t>2023-12-06</a:t>
             </a:fld>
             <a:endParaRPr lang="ko-KR" altLang="en-US"/>
           </a:p>
@@ -837,6 +849,7 @@
           <a:p>
             <a:fld id="{DC448ED5-5762-40DF-A184-BB2B2706016A}" type="slidenum">
               <a:rPr lang="ko-KR" altLang="en-US" smtClean="0"/>
+              <a:pPr/>
               <a:t>‹#›</a:t>
             </a:fld>
             <a:endParaRPr lang="ko-KR" altLang="en-US"/>
@@ -1036,7 +1049,8 @@
           <a:p>
             <a:fld id="{FFBFCE49-CBC6-493C-9F7A-1766A0F5897A}" type="datetimeFigureOut">
               <a:rPr lang="ko-KR" altLang="en-US" smtClean="0"/>
-              <a:t>2023-12-05</a:t>
+              <a:pPr/>
+              <a:t>2023-12-06</a:t>
             </a:fld>
             <a:endParaRPr lang="ko-KR" altLang="en-US"/>
           </a:p>
@@ -1078,6 +1092,7 @@
           <a:p>
             <a:fld id="{DC448ED5-5762-40DF-A184-BB2B2706016A}" type="slidenum">
               <a:rPr lang="ko-KR" altLang="en-US" smtClean="0"/>
+              <a:pPr/>
               <a:t>‹#›</a:t>
             </a:fld>
             <a:endParaRPr lang="ko-KR" altLang="en-US"/>
@@ -1319,7 +1334,8 @@
           <a:p>
             <a:fld id="{FFBFCE49-CBC6-493C-9F7A-1766A0F5897A}" type="datetimeFigureOut">
               <a:rPr lang="ko-KR" altLang="en-US" smtClean="0"/>
-              <a:t>2023-12-05</a:t>
+              <a:pPr/>
+              <a:t>2023-12-06</a:t>
             </a:fld>
             <a:endParaRPr lang="ko-KR" altLang="en-US"/>
           </a:p>
@@ -1361,6 +1377,7 @@
           <a:p>
             <a:fld id="{DC448ED5-5762-40DF-A184-BB2B2706016A}" type="slidenum">
               <a:rPr lang="ko-KR" altLang="en-US" smtClean="0"/>
+              <a:pPr/>
               <a:t>‹#›</a:t>
             </a:fld>
             <a:endParaRPr lang="ko-KR" altLang="en-US"/>
@@ -1736,7 +1753,8 @@
           <a:p>
             <a:fld id="{FFBFCE49-CBC6-493C-9F7A-1766A0F5897A}" type="datetimeFigureOut">
               <a:rPr lang="ko-KR" altLang="en-US" smtClean="0"/>
-              <a:t>2023-12-05</a:t>
+              <a:pPr/>
+              <a:t>2023-12-06</a:t>
             </a:fld>
             <a:endParaRPr lang="ko-KR" altLang="en-US"/>
           </a:p>
@@ -1778,6 +1796,7 @@
           <a:p>
             <a:fld id="{DC448ED5-5762-40DF-A184-BB2B2706016A}" type="slidenum">
               <a:rPr lang="ko-KR" altLang="en-US" smtClean="0"/>
+              <a:pPr/>
               <a:t>‹#›</a:t>
             </a:fld>
             <a:endParaRPr lang="ko-KR" altLang="en-US"/>
@@ -1849,7 +1868,8 @@
           <a:p>
             <a:fld id="{FFBFCE49-CBC6-493C-9F7A-1766A0F5897A}" type="datetimeFigureOut">
               <a:rPr lang="ko-KR" altLang="en-US" smtClean="0"/>
-              <a:t>2023-12-05</a:t>
+              <a:pPr/>
+              <a:t>2023-12-06</a:t>
             </a:fld>
             <a:endParaRPr lang="ko-KR" altLang="en-US"/>
           </a:p>
@@ -1891,6 +1911,7 @@
           <a:p>
             <a:fld id="{DC448ED5-5762-40DF-A184-BB2B2706016A}" type="slidenum">
               <a:rPr lang="ko-KR" altLang="en-US" smtClean="0"/>
+              <a:pPr/>
               <a:t>‹#›</a:t>
             </a:fld>
             <a:endParaRPr lang="ko-KR" altLang="en-US"/>
@@ -1939,7 +1960,8 @@
           <a:p>
             <a:fld id="{FFBFCE49-CBC6-493C-9F7A-1766A0F5897A}" type="datetimeFigureOut">
               <a:rPr lang="ko-KR" altLang="en-US" smtClean="0"/>
-              <a:t>2023-12-05</a:t>
+              <a:pPr/>
+              <a:t>2023-12-06</a:t>
             </a:fld>
             <a:endParaRPr lang="ko-KR" altLang="en-US"/>
           </a:p>
@@ -1981,6 +2003,7 @@
           <a:p>
             <a:fld id="{DC448ED5-5762-40DF-A184-BB2B2706016A}" type="slidenum">
               <a:rPr lang="ko-KR" altLang="en-US" smtClean="0"/>
+              <a:pPr/>
               <a:t>‹#›</a:t>
             </a:fld>
             <a:endParaRPr lang="ko-KR" altLang="en-US"/>
@@ -2211,7 +2234,8 @@
           <a:p>
             <a:fld id="{FFBFCE49-CBC6-493C-9F7A-1766A0F5897A}" type="datetimeFigureOut">
               <a:rPr lang="ko-KR" altLang="en-US" smtClean="0"/>
-              <a:t>2023-12-05</a:t>
+              <a:pPr/>
+              <a:t>2023-12-06</a:t>
             </a:fld>
             <a:endParaRPr lang="ko-KR" altLang="en-US"/>
           </a:p>
@@ -2253,6 +2277,7 @@
           <a:p>
             <a:fld id="{DC448ED5-5762-40DF-A184-BB2B2706016A}" type="slidenum">
               <a:rPr lang="ko-KR" altLang="en-US" smtClean="0"/>
+              <a:pPr/>
               <a:t>‹#›</a:t>
             </a:fld>
             <a:endParaRPr lang="ko-KR" altLang="en-US"/>
@@ -2459,7 +2484,8 @@
           <a:p>
             <a:fld id="{FFBFCE49-CBC6-493C-9F7A-1766A0F5897A}" type="datetimeFigureOut">
               <a:rPr lang="ko-KR" altLang="en-US" smtClean="0"/>
-              <a:t>2023-12-05</a:t>
+              <a:pPr/>
+              <a:t>2023-12-06</a:t>
             </a:fld>
             <a:endParaRPr lang="ko-KR" altLang="en-US"/>
           </a:p>
@@ -2501,6 +2527,7 @@
           <a:p>
             <a:fld id="{DC448ED5-5762-40DF-A184-BB2B2706016A}" type="slidenum">
               <a:rPr lang="ko-KR" altLang="en-US" smtClean="0"/>
+              <a:pPr/>
               <a:t>‹#›</a:t>
             </a:fld>
             <a:endParaRPr lang="ko-KR" altLang="en-US"/>
@@ -2667,7 +2694,8 @@
           <a:p>
             <a:fld id="{FFBFCE49-CBC6-493C-9F7A-1766A0F5897A}" type="datetimeFigureOut">
               <a:rPr lang="ko-KR" altLang="en-US" smtClean="0"/>
-              <a:t>2023-12-05</a:t>
+              <a:pPr/>
+              <a:t>2023-12-06</a:t>
             </a:fld>
             <a:endParaRPr lang="ko-KR" altLang="en-US"/>
           </a:p>
@@ -2745,6 +2773,7 @@
           <a:p>
             <a:fld id="{DC448ED5-5762-40DF-A184-BB2B2706016A}" type="slidenum">
               <a:rPr lang="ko-KR" altLang="en-US" smtClean="0"/>
+              <a:pPr/>
               <a:t>‹#›</a:t>
             </a:fld>
             <a:endParaRPr lang="ko-KR" altLang="en-US"/>
@@ -3149,7 +3178,7 @@
           </a:p>
           <a:p>
             <a:r>
-              <a:rPr lang="en-US" altLang="ko-KR" sz="1600" dirty="0" smtClean="0"/>
+              <a:rPr lang="en-US" altLang="ko-KR" sz="1600" b="1" dirty="0" smtClean="0"/>
               <a:t> *Spring Container</a:t>
             </a:r>
           </a:p>
@@ -3208,11 +3237,15 @@
             </a:r>
             <a:r>
               <a:rPr lang="en-US" altLang="ko-KR" sz="1600" dirty="0" smtClean="0"/>
-              <a:t>,</a:t>
+              <a:t>, </a:t>
             </a:r>
             <a:r>
               <a:rPr lang="ko-KR" altLang="en-US" sz="1600" dirty="0" smtClean="0"/>
-              <a:t>의존성 주입</a:t>
+              <a:t>의존성 </a:t>
+            </a:r>
+            <a:r>
+              <a:rPr lang="ko-KR" altLang="en-US" sz="1600" dirty="0" smtClean="0"/>
+              <a:t>주입</a:t>
             </a:r>
             <a:r>
               <a:rPr lang="en-US" altLang="ko-KR" sz="1600" dirty="0" smtClean="0"/>
@@ -3896,7 +3929,7 @@
         <p:spPr>
           <a:xfrm>
             <a:off x="357158" y="4929198"/>
-            <a:ext cx="8007320" cy="1815882"/>
+            <a:ext cx="8007320" cy="1323439"/>
           </a:xfrm>
           <a:prstGeom prst="rect">
             <a:avLst/>
@@ -4003,12 +4036,12 @@
               <a:t>요청 </a:t>
             </a:r>
             <a:r>
-              <a:rPr lang="ko-KR" altLang="en-US" sz="1600" dirty="0" err="1" smtClean="0"/>
-              <a:t>될때마다</a:t>
-            </a:r>
-            <a:r>
               <a:rPr lang="ko-KR" altLang="en-US" sz="1600" dirty="0" smtClean="0"/>
-              <a:t> 생성하고 싶다면 </a:t>
+              <a:t>될 때 마다 </a:t>
+            </a:r>
+            <a:r>
+              <a:rPr lang="ko-KR" altLang="en-US" sz="1600" dirty="0" smtClean="0"/>
+              <a:t>생성하고 싶다면 </a:t>
             </a:r>
             <a:r>
               <a:rPr lang="en-US" altLang="ko-KR" sz="1600" dirty="0" smtClean="0"/>
@@ -4020,17 +4053,7 @@
             </a:r>
             <a:r>
               <a:rPr lang="en-US" altLang="ko-KR" sz="1600" dirty="0" smtClean="0"/>
-              <a:t>.</a:t>
-            </a:r>
-            <a:endParaRPr lang="en-US" altLang="ko-KR" sz="1600" dirty="0"/>
-          </a:p>
-          <a:p>
-            <a:endParaRPr lang="en-US" altLang="ko-KR" sz="1600" dirty="0"/>
-          </a:p>
-          <a:p>
-            <a:r>
-              <a:rPr lang="en-US" altLang="ko-KR" sz="1600" dirty="0" smtClean="0"/>
-              <a:t>  </a:t>
+              <a:t>.  </a:t>
             </a:r>
             <a:endParaRPr lang="ko-KR" altLang="en-US" sz="1600" dirty="0"/>
           </a:p>
@@ -4286,12 +4309,17 @@
             </a:r>
             <a:r>
               <a:rPr lang="ko-KR" altLang="en-US" sz="1400" dirty="0" smtClean="0"/>
-              <a:t> 클래스를 등록</a:t>
+              <a:t> 클래스를 </a:t>
+            </a:r>
+            <a:r>
+              <a:rPr lang="ko-KR" altLang="en-US" sz="1400" dirty="0" smtClean="0"/>
+              <a:t>설정하고 의존성 객체를 입력한다</a:t>
             </a:r>
             <a:r>
               <a:rPr lang="en-US" altLang="ko-KR" sz="1400" dirty="0" smtClean="0"/>
               <a:t>.</a:t>
             </a:r>
+            <a:endParaRPr lang="en-US" altLang="ko-KR" sz="1400" dirty="0" smtClean="0"/>
           </a:p>
           <a:p>
             <a:pPr marL="342900" indent="-342900"/>
@@ -4336,15 +4364,23 @@
             </a:r>
             <a:r>
               <a:rPr lang="en-US" altLang="ko-KR" sz="1400" dirty="0" smtClean="0"/>
-              <a:t>   &lt;constructor-</a:t>
+              <a:t>   &lt;</a:t>
+            </a:r>
+            <a:r>
+              <a:rPr lang="en-US" altLang="ko-KR" sz="1400" dirty="0" smtClean="0"/>
+              <a:t>constructor-</a:t>
             </a:r>
             <a:r>
               <a:rPr lang="en-US" altLang="ko-KR" sz="1400" dirty="0" err="1" smtClean="0"/>
-              <a:t>args</a:t>
+              <a:t>arg</a:t>
             </a:r>
             <a:r>
               <a:rPr lang="en-US" altLang="ko-KR" sz="1400" dirty="0" smtClean="0"/>
-              <a:t> ref=“</a:t>
+              <a:t> </a:t>
+            </a:r>
+            <a:r>
+              <a:rPr lang="en-US" altLang="ko-KR" sz="1400" dirty="0" smtClean="0"/>
+              <a:t>ref=“</a:t>
             </a:r>
             <a:r>
               <a:rPr lang="ko-KR" altLang="en-US" sz="1400" dirty="0" smtClean="0"/>
@@ -4389,15 +4425,23 @@
             <a:pPr marL="342900" indent="-342900"/>
             <a:r>
               <a:rPr lang="en-US" altLang="ko-KR" sz="1400" dirty="0" smtClean="0"/>
-              <a:t>    &lt;constructor-</a:t>
+              <a:t>    &lt;</a:t>
+            </a:r>
+            <a:r>
+              <a:rPr lang="en-US" altLang="ko-KR" sz="1400" dirty="0" smtClean="0"/>
+              <a:t>constructor-</a:t>
             </a:r>
             <a:r>
               <a:rPr lang="en-US" altLang="ko-KR" sz="1400" dirty="0" err="1" smtClean="0"/>
-              <a:t>args</a:t>
+              <a:t>arg</a:t>
             </a:r>
             <a:r>
               <a:rPr lang="en-US" altLang="ko-KR" sz="1400" dirty="0" smtClean="0"/>
-              <a:t> ref=“</a:t>
+              <a:t> </a:t>
+            </a:r>
+            <a:r>
+              <a:rPr lang="en-US" altLang="ko-KR" sz="1400" dirty="0" smtClean="0"/>
+              <a:t>ref=“</a:t>
             </a:r>
             <a:r>
               <a:rPr lang="en-US" altLang="ko-KR" sz="1400" b="1" dirty="0" err="1" smtClean="0"/>
@@ -8485,7 +8529,7 @@
         <p:spPr>
           <a:xfrm>
             <a:off x="357158" y="71414"/>
-            <a:ext cx="6730369" cy="5755422"/>
+            <a:ext cx="6898812" cy="5755422"/>
           </a:xfrm>
           <a:prstGeom prst="rect">
             <a:avLst/>
@@ -8562,8 +8606,8 @@
               <a:t>속성은 객체가 사용될 때마다 생성하는 </a:t>
             </a:r>
             <a:r>
-              <a:rPr lang="en-US" altLang="ko-KR" sz="1400" dirty="0" err="1" smtClean="0"/>
-              <a:t>protype</a:t>
+              <a:rPr lang="en-US" altLang="ko-KR" sz="1400" dirty="0" smtClean="0"/>
+              <a:t>prototype</a:t>
             </a:r>
             <a:r>
               <a:rPr lang="ko-KR" altLang="en-US" sz="1400" dirty="0" smtClean="0"/>
@@ -8836,11 +8880,7 @@
             </a:r>
             <a:r>
               <a:rPr lang="en-US" altLang="ko-KR" sz="1400" dirty="0" smtClean="0"/>
-              <a:t>  </a:t>
-            </a:r>
-            <a:r>
-              <a:rPr lang="en-US" altLang="ko-KR" sz="1400" dirty="0" smtClean="0"/>
-              <a:t>&lt;bean id=“</a:t>
+              <a:t>  &lt;bean id=“</a:t>
             </a:r>
             <a:r>
               <a:rPr lang="en-US" altLang="ko-KR" sz="1400" b="1" dirty="0" err="1" smtClean="0"/>
@@ -10141,6 +10181,7941 @@
                   <a:pt x="2631" y="4052"/>
                   <a:pt x="8312" y="8314"/>
                   <a:pt x="0" y="0"/>
+                </a:cubicBezTo>
+              </a:path>
+            </a:pathLst>
+          </a:custGeom>
+          <a:ln>
+            <a:tailEnd type="triangle"/>
+          </a:ln>
+        </p:spPr>
+        <p:style>
+          <a:lnRef idx="1">
+            <a:schemeClr val="accent1"/>
+          </a:lnRef>
+          <a:fillRef idx="0">
+            <a:schemeClr val="accent1"/>
+          </a:fillRef>
+          <a:effectRef idx="0">
+            <a:schemeClr val="accent1"/>
+          </a:effectRef>
+          <a:fontRef idx="minor">
+            <a:schemeClr val="tx1"/>
+          </a:fontRef>
+        </p:style>
+        <p:txBody>
+          <a:bodyPr rtlCol="0" anchor="ctr"/>
+          <a:lstStyle/>
+          <a:p>
+            <a:pPr algn="ctr"/>
+            <a:endParaRPr lang="ko-KR" altLang="en-US"/>
+          </a:p>
+        </p:txBody>
+      </p:sp>
+    </p:spTree>
+  </p:cSld>
+  <p:clrMapOvr>
+    <a:masterClrMapping/>
+  </p:clrMapOvr>
+</p:sld>
+</file>
+
+<file path=ppt/slides/slide4.xml><?xml version="1.0" encoding="utf-8"?>
+<p:sld xmlns:a="http://schemas.openxmlformats.org/drawingml/2006/main" xmlns:r="http://schemas.openxmlformats.org/officeDocument/2006/relationships" xmlns:p="http://schemas.openxmlformats.org/presentationml/2006/main">
+  <p:cSld>
+    <p:spTree>
+      <p:nvGrpSpPr>
+        <p:cNvPr id="1" name=""/>
+        <p:cNvGrpSpPr/>
+        <p:nvPr/>
+      </p:nvGrpSpPr>
+      <p:grpSpPr>
+        <a:xfrm>
+          <a:off x="0" y="0"/>
+          <a:ext cx="0" cy="0"/>
+          <a:chOff x="0" y="0"/>
+          <a:chExt cx="0" cy="0"/>
+        </a:xfrm>
+      </p:grpSpPr>
+      <p:sp>
+        <p:nvSpPr>
+          <p:cNvPr id="4" name="TextBox 3"/>
+          <p:cNvSpPr txBox="1"/>
+          <p:nvPr/>
+        </p:nvSpPr>
+        <p:spPr>
+          <a:xfrm>
+            <a:off x="357158" y="214290"/>
+            <a:ext cx="4964244" cy="1354217"/>
+          </a:xfrm>
+          <a:prstGeom prst="rect">
+            <a:avLst/>
+          </a:prstGeom>
+          <a:noFill/>
+        </p:spPr>
+        <p:txBody>
+          <a:bodyPr wrap="none" rtlCol="0">
+            <a:spAutoFit/>
+          </a:bodyPr>
+          <a:lstStyle/>
+          <a:p>
+            <a:r>
+              <a:rPr lang="en-US" altLang="ko-KR" dirty="0" smtClean="0"/>
+              <a:t>*</a:t>
+            </a:r>
+            <a:r>
+              <a:rPr lang="ko-KR" altLang="en-US" dirty="0" smtClean="0"/>
+              <a:t>의존성주입</a:t>
+            </a:r>
+            <a:endParaRPr lang="en-US" altLang="ko-KR" dirty="0" smtClean="0"/>
+          </a:p>
+          <a:p>
+            <a:r>
+              <a:rPr lang="en-US" altLang="ko-KR" sz="1600" dirty="0" smtClean="0"/>
+              <a:t>-</a:t>
+            </a:r>
+            <a:r>
+              <a:rPr lang="ko-KR" altLang="en-US" sz="1600" dirty="0" err="1" smtClean="0"/>
+              <a:t>생성자</a:t>
+            </a:r>
+            <a:r>
+              <a:rPr lang="ko-KR" altLang="en-US" sz="1600" dirty="0" smtClean="0"/>
+              <a:t> 의존성 주입 </a:t>
+            </a:r>
+            <a:r>
+              <a:rPr lang="en-US" altLang="ko-KR" sz="1600" dirty="0"/>
+              <a:t> </a:t>
+            </a:r>
+            <a:endParaRPr lang="en-US" altLang="ko-KR" sz="1600" dirty="0" smtClean="0"/>
+          </a:p>
+          <a:p>
+            <a:r>
+              <a:rPr lang="en-US" altLang="ko-KR" sz="1600" dirty="0"/>
+              <a:t> </a:t>
+            </a:r>
+            <a:r>
+              <a:rPr lang="en-US" altLang="ko-KR" sz="1600" dirty="0" smtClean="0"/>
+              <a:t> &lt;bean id=“” class=“” scope=“”&gt;</a:t>
+            </a:r>
+          </a:p>
+          <a:p>
+            <a:r>
+              <a:rPr lang="en-US" altLang="ko-KR" sz="1600" dirty="0"/>
+              <a:t> </a:t>
+            </a:r>
+            <a:r>
+              <a:rPr lang="en-US" altLang="ko-KR" sz="1600" dirty="0" smtClean="0"/>
+              <a:t>   &lt;</a:t>
+            </a:r>
+            <a:r>
+              <a:rPr lang="en-US" altLang="ko-KR" sz="1600" dirty="0" smtClean="0"/>
+              <a:t>constructor-</a:t>
+            </a:r>
+            <a:r>
+              <a:rPr lang="en-US" altLang="ko-KR" sz="1600" dirty="0" err="1" smtClean="0"/>
+              <a:t>arg</a:t>
+            </a:r>
+            <a:r>
+              <a:rPr lang="en-US" altLang="ko-KR" sz="1600" dirty="0" smtClean="0"/>
+              <a:t> </a:t>
+            </a:r>
+            <a:r>
+              <a:rPr lang="en-US" altLang="ko-KR" sz="1600" dirty="0" smtClean="0"/>
+              <a:t>ref=“</a:t>
+            </a:r>
+            <a:r>
+              <a:rPr lang="ko-KR" altLang="en-US" sz="1600" dirty="0" smtClean="0"/>
+              <a:t>의존성 주입할 아이디</a:t>
+            </a:r>
+            <a:r>
+              <a:rPr lang="en-US" altLang="ko-KR" sz="1600" dirty="0" smtClean="0"/>
+              <a:t>”/&gt;</a:t>
+            </a:r>
+          </a:p>
+          <a:p>
+            <a:r>
+              <a:rPr lang="en-US" altLang="ko-KR" sz="1600" dirty="0"/>
+              <a:t> </a:t>
+            </a:r>
+            <a:r>
+              <a:rPr lang="en-US" altLang="ko-KR" sz="1600" dirty="0" smtClean="0"/>
+              <a:t> &lt;/bean&gt;</a:t>
+            </a:r>
+          </a:p>
+        </p:txBody>
+      </p:sp>
+      <p:pic>
+        <p:nvPicPr>
+          <p:cNvPr id="1026" name="Picture 2"/>
+          <p:cNvPicPr>
+            <a:picLocks noChangeAspect="1" noChangeArrowheads="1"/>
+          </p:cNvPicPr>
+          <p:nvPr/>
+        </p:nvPicPr>
+        <p:blipFill>
+          <a:blip r:embed="rId2"/>
+          <a:srcRect/>
+          <a:stretch>
+            <a:fillRect/>
+          </a:stretch>
+        </p:blipFill>
+        <p:spPr bwMode="auto">
+          <a:xfrm>
+            <a:off x="428596" y="2214554"/>
+            <a:ext cx="2428892" cy="771516"/>
+          </a:xfrm>
+          <a:prstGeom prst="rect">
+            <a:avLst/>
+          </a:prstGeom>
+          <a:noFill/>
+          <a:ln w="9525">
+            <a:noFill/>
+            <a:miter lim="800000"/>
+            <a:headEnd/>
+            <a:tailEnd/>
+          </a:ln>
+          <a:effectLst/>
+        </p:spPr>
+      </p:pic>
+      <p:sp>
+        <p:nvSpPr>
+          <p:cNvPr id="6" name="TextBox 5"/>
+          <p:cNvSpPr txBox="1"/>
+          <p:nvPr/>
+        </p:nvSpPr>
+        <p:spPr>
+          <a:xfrm>
+            <a:off x="428596" y="1928802"/>
+            <a:ext cx="1678665" cy="276999"/>
+          </a:xfrm>
+          <a:prstGeom prst="rect">
+            <a:avLst/>
+          </a:prstGeom>
+          <a:noFill/>
+        </p:spPr>
+        <p:txBody>
+          <a:bodyPr wrap="none" rtlCol="0">
+            <a:spAutoFit/>
+          </a:bodyPr>
+          <a:lstStyle/>
+          <a:p>
+            <a:r>
+              <a:rPr lang="ko-KR" altLang="en-US" sz="1200" dirty="0" smtClean="0"/>
+              <a:t>의존성 주입할 클래스</a:t>
+            </a:r>
+            <a:endParaRPr lang="ko-KR" altLang="en-US" sz="1200" dirty="0"/>
+          </a:p>
+        </p:txBody>
+      </p:sp>
+      <p:pic>
+        <p:nvPicPr>
+          <p:cNvPr id="1027" name="Picture 3"/>
+          <p:cNvPicPr>
+            <a:picLocks noChangeAspect="1" noChangeArrowheads="1"/>
+          </p:cNvPicPr>
+          <p:nvPr/>
+        </p:nvPicPr>
+        <p:blipFill>
+          <a:blip r:embed="rId3"/>
+          <a:srcRect/>
+          <a:stretch>
+            <a:fillRect/>
+          </a:stretch>
+        </p:blipFill>
+        <p:spPr bwMode="auto">
+          <a:xfrm>
+            <a:off x="3500430" y="2143116"/>
+            <a:ext cx="3152760" cy="1214446"/>
+          </a:xfrm>
+          <a:prstGeom prst="rect">
+            <a:avLst/>
+          </a:prstGeom>
+          <a:noFill/>
+          <a:ln w="9525">
+            <a:noFill/>
+            <a:miter lim="800000"/>
+            <a:headEnd/>
+            <a:tailEnd/>
+          </a:ln>
+          <a:effectLst/>
+        </p:spPr>
+      </p:pic>
+      <p:sp>
+        <p:nvSpPr>
+          <p:cNvPr id="8" name="TextBox 7"/>
+          <p:cNvSpPr txBox="1"/>
+          <p:nvPr/>
+        </p:nvSpPr>
+        <p:spPr>
+          <a:xfrm>
+            <a:off x="3393401" y="1928802"/>
+            <a:ext cx="1832553" cy="276999"/>
+          </a:xfrm>
+          <a:prstGeom prst="rect">
+            <a:avLst/>
+          </a:prstGeom>
+          <a:noFill/>
+        </p:spPr>
+        <p:txBody>
+          <a:bodyPr wrap="none" rtlCol="0">
+            <a:spAutoFit/>
+          </a:bodyPr>
+          <a:lstStyle/>
+          <a:p>
+            <a:r>
+              <a:rPr lang="ko-KR" altLang="en-US" sz="1200" dirty="0" smtClean="0"/>
+              <a:t>의존성 </a:t>
+            </a:r>
+            <a:r>
+              <a:rPr lang="ko-KR" altLang="en-US" sz="1200" dirty="0" err="1" smtClean="0"/>
+              <a:t>주입받</a:t>
+            </a:r>
+            <a:r>
+              <a:rPr lang="ko-KR" altLang="en-US" sz="1200" dirty="0" err="1"/>
+              <a:t>을</a:t>
+            </a:r>
+            <a:r>
+              <a:rPr lang="ko-KR" altLang="en-US" sz="1200" dirty="0" smtClean="0"/>
+              <a:t> 클래스</a:t>
+            </a:r>
+            <a:endParaRPr lang="ko-KR" altLang="en-US" sz="1200" dirty="0"/>
+          </a:p>
+        </p:txBody>
+      </p:sp>
+      <p:sp>
+        <p:nvSpPr>
+          <p:cNvPr id="9" name="TextBox 8"/>
+          <p:cNvSpPr txBox="1"/>
+          <p:nvPr/>
+        </p:nvSpPr>
+        <p:spPr>
+          <a:xfrm>
+            <a:off x="428596" y="3643314"/>
+            <a:ext cx="3567708" cy="307777"/>
+          </a:xfrm>
+          <a:prstGeom prst="rect">
+            <a:avLst/>
+          </a:prstGeom>
+          <a:noFill/>
+        </p:spPr>
+        <p:txBody>
+          <a:bodyPr wrap="none" rtlCol="0">
+            <a:spAutoFit/>
+          </a:bodyPr>
+          <a:lstStyle/>
+          <a:p>
+            <a:r>
+              <a:rPr lang="en-US" altLang="ko-KR" sz="1400" dirty="0" smtClean="0"/>
+              <a:t>&lt;bean id=“</a:t>
+            </a:r>
+            <a:r>
+              <a:rPr lang="en-US" altLang="ko-KR" sz="1400" b="1" dirty="0" err="1" smtClean="0"/>
+              <a:t>od</a:t>
+            </a:r>
+            <a:r>
+              <a:rPr lang="en-US" altLang="ko-KR" sz="1400" dirty="0" smtClean="0"/>
+              <a:t>” class=“</a:t>
+            </a:r>
+            <a:r>
+              <a:rPr lang="en-US" altLang="ko-KR" sz="1400" dirty="0" err="1" smtClean="0"/>
+              <a:t>OracleDAOImpl</a:t>
+            </a:r>
+            <a:r>
+              <a:rPr lang="en-US" altLang="ko-KR" sz="1400" dirty="0" smtClean="0"/>
+              <a:t>”/&gt;</a:t>
+            </a:r>
+            <a:endParaRPr lang="ko-KR" altLang="en-US" sz="1400" dirty="0"/>
+          </a:p>
+        </p:txBody>
+      </p:sp>
+      <p:cxnSp>
+        <p:nvCxnSpPr>
+          <p:cNvPr id="11" name="직선 화살표 연결선 10"/>
+          <p:cNvCxnSpPr/>
+          <p:nvPr/>
+        </p:nvCxnSpPr>
+        <p:spPr>
+          <a:xfrm rot="16200000" flipV="1">
+            <a:off x="1393009" y="2393149"/>
+            <a:ext cx="1357322" cy="1285884"/>
+          </a:xfrm>
+          <a:prstGeom prst="straightConnector1">
+            <a:avLst/>
+          </a:prstGeom>
+          <a:ln>
+            <a:tailEnd type="arrow"/>
+          </a:ln>
+        </p:spPr>
+        <p:style>
+          <a:lnRef idx="1">
+            <a:schemeClr val="accent1"/>
+          </a:lnRef>
+          <a:fillRef idx="0">
+            <a:schemeClr val="accent1"/>
+          </a:fillRef>
+          <a:effectRef idx="0">
+            <a:schemeClr val="accent1"/>
+          </a:effectRef>
+          <a:fontRef idx="minor">
+            <a:schemeClr val="tx1"/>
+          </a:fontRef>
+        </p:style>
+      </p:cxnSp>
+      <p:sp>
+        <p:nvSpPr>
+          <p:cNvPr id="12" name="TextBox 11"/>
+          <p:cNvSpPr txBox="1"/>
+          <p:nvPr/>
+        </p:nvSpPr>
+        <p:spPr>
+          <a:xfrm>
+            <a:off x="500034" y="4121355"/>
+            <a:ext cx="3067315" cy="738664"/>
+          </a:xfrm>
+          <a:prstGeom prst="rect">
+            <a:avLst/>
+          </a:prstGeom>
+          <a:noFill/>
+        </p:spPr>
+        <p:txBody>
+          <a:bodyPr wrap="none" rtlCol="0">
+            <a:spAutoFit/>
+          </a:bodyPr>
+          <a:lstStyle/>
+          <a:p>
+            <a:r>
+              <a:rPr lang="en-US" altLang="ko-KR" sz="1400" dirty="0" smtClean="0"/>
+              <a:t>&lt;bean id=“</a:t>
+            </a:r>
+            <a:r>
+              <a:rPr lang="en-US" altLang="ko-KR" sz="1400" dirty="0" err="1" smtClean="0"/>
+              <a:t>si</a:t>
+            </a:r>
+            <a:r>
+              <a:rPr lang="en-US" altLang="ko-KR" sz="1400" dirty="0" smtClean="0"/>
+              <a:t>” class=“</a:t>
+            </a:r>
+            <a:r>
+              <a:rPr lang="en-US" altLang="ko-KR" sz="1400" dirty="0" err="1" smtClean="0"/>
+              <a:t>ServiceImp</a:t>
+            </a:r>
+            <a:r>
+              <a:rPr lang="en-US" altLang="ko-KR" sz="1400" dirty="0" err="1"/>
+              <a:t>l</a:t>
+            </a:r>
+            <a:r>
+              <a:rPr lang="en-US" altLang="ko-KR" sz="1400" dirty="0" smtClean="0"/>
+              <a:t>”&gt;</a:t>
+            </a:r>
+          </a:p>
+          <a:p>
+            <a:r>
+              <a:rPr lang="en-US" altLang="ko-KR" sz="1400" dirty="0"/>
+              <a:t> </a:t>
+            </a:r>
+            <a:r>
+              <a:rPr lang="en-US" altLang="ko-KR" sz="1400" dirty="0" smtClean="0"/>
+              <a:t> &lt;</a:t>
+            </a:r>
+            <a:r>
+              <a:rPr lang="en-US" altLang="ko-KR" sz="1400" dirty="0" smtClean="0"/>
+              <a:t>constructor-</a:t>
+            </a:r>
+            <a:r>
+              <a:rPr lang="en-US" altLang="ko-KR" sz="1400" dirty="0" err="1" smtClean="0"/>
+              <a:t>arg</a:t>
+            </a:r>
+            <a:r>
+              <a:rPr lang="en-US" altLang="ko-KR" sz="1400" dirty="0" smtClean="0"/>
+              <a:t> </a:t>
+            </a:r>
+            <a:r>
+              <a:rPr lang="en-US" altLang="ko-KR" sz="1400" dirty="0" smtClean="0"/>
+              <a:t>ref=“</a:t>
+            </a:r>
+            <a:r>
+              <a:rPr lang="en-US" altLang="ko-KR" sz="1400" b="1" dirty="0" err="1" smtClean="0"/>
+              <a:t>od</a:t>
+            </a:r>
+            <a:r>
+              <a:rPr lang="en-US" altLang="ko-KR" sz="1400" dirty="0" smtClean="0"/>
+              <a:t>”/&gt;</a:t>
+            </a:r>
+          </a:p>
+          <a:p>
+            <a:r>
+              <a:rPr lang="en-US" altLang="ko-KR" sz="1400" dirty="0" smtClean="0"/>
+              <a:t>&lt;/bean&gt;</a:t>
+            </a:r>
+            <a:endParaRPr lang="ko-KR" altLang="en-US" sz="1400" dirty="0"/>
+          </a:p>
+        </p:txBody>
+      </p:sp>
+      <p:cxnSp>
+        <p:nvCxnSpPr>
+          <p:cNvPr id="14" name="직선 화살표 연결선 13"/>
+          <p:cNvCxnSpPr/>
+          <p:nvPr/>
+        </p:nvCxnSpPr>
+        <p:spPr>
+          <a:xfrm rot="5400000" flipH="1" flipV="1">
+            <a:off x="2571736" y="2500306"/>
+            <a:ext cx="2000264" cy="1428760"/>
+          </a:xfrm>
+          <a:prstGeom prst="straightConnector1">
+            <a:avLst/>
+          </a:prstGeom>
+          <a:ln>
+            <a:tailEnd type="arrow"/>
+          </a:ln>
+        </p:spPr>
+        <p:style>
+          <a:lnRef idx="1">
+            <a:schemeClr val="accent1"/>
+          </a:lnRef>
+          <a:fillRef idx="0">
+            <a:schemeClr val="accent1"/>
+          </a:fillRef>
+          <a:effectRef idx="0">
+            <a:schemeClr val="accent1"/>
+          </a:effectRef>
+          <a:fontRef idx="minor">
+            <a:schemeClr val="tx1"/>
+          </a:fontRef>
+        </p:style>
+      </p:cxnSp>
+      <p:cxnSp>
+        <p:nvCxnSpPr>
+          <p:cNvPr id="16" name="직선 화살표 연결선 15"/>
+          <p:cNvCxnSpPr/>
+          <p:nvPr/>
+        </p:nvCxnSpPr>
+        <p:spPr>
+          <a:xfrm rot="10800000">
+            <a:off x="1643042" y="3929066"/>
+            <a:ext cx="1071570" cy="571504"/>
+          </a:xfrm>
+          <a:prstGeom prst="straightConnector1">
+            <a:avLst/>
+          </a:prstGeom>
+          <a:ln>
+            <a:tailEnd type="arrow"/>
+          </a:ln>
+        </p:spPr>
+        <p:style>
+          <a:lnRef idx="1">
+            <a:schemeClr val="accent1"/>
+          </a:lnRef>
+          <a:fillRef idx="0">
+            <a:schemeClr val="accent1"/>
+          </a:fillRef>
+          <a:effectRef idx="0">
+            <a:schemeClr val="accent1"/>
+          </a:effectRef>
+          <a:fontRef idx="minor">
+            <a:schemeClr val="tx1"/>
+          </a:fontRef>
+        </p:style>
+      </p:cxnSp>
+      <p:cxnSp>
+        <p:nvCxnSpPr>
+          <p:cNvPr id="18" name="직선 화살표 연결선 17"/>
+          <p:cNvCxnSpPr/>
+          <p:nvPr/>
+        </p:nvCxnSpPr>
+        <p:spPr>
+          <a:xfrm flipV="1">
+            <a:off x="2786050" y="3000372"/>
+            <a:ext cx="1571636" cy="1428760"/>
+          </a:xfrm>
+          <a:prstGeom prst="straightConnector1">
+            <a:avLst/>
+          </a:prstGeom>
+          <a:ln>
+            <a:tailEnd type="arrow"/>
+          </a:ln>
+        </p:spPr>
+        <p:style>
+          <a:lnRef idx="1">
+            <a:schemeClr val="accent1"/>
+          </a:lnRef>
+          <a:fillRef idx="0">
+            <a:schemeClr val="accent1"/>
+          </a:fillRef>
+          <a:effectRef idx="0">
+            <a:schemeClr val="accent1"/>
+          </a:effectRef>
+          <a:fontRef idx="minor">
+            <a:schemeClr val="tx1"/>
+          </a:fontRef>
+        </p:style>
+      </p:cxnSp>
+    </p:spTree>
+  </p:cSld>
+  <p:clrMapOvr>
+    <a:masterClrMapping/>
+  </p:clrMapOvr>
+</p:sld>
+</file>
+
+<file path=ppt/slides/slide5.xml><?xml version="1.0" encoding="utf-8"?>
+<p:sld xmlns:a="http://schemas.openxmlformats.org/drawingml/2006/main" xmlns:r="http://schemas.openxmlformats.org/officeDocument/2006/relationships" xmlns:p="http://schemas.openxmlformats.org/presentationml/2006/main">
+  <p:cSld>
+    <p:spTree>
+      <p:nvGrpSpPr>
+        <p:cNvPr id="1" name=""/>
+        <p:cNvGrpSpPr/>
+        <p:nvPr/>
+      </p:nvGrpSpPr>
+      <p:grpSpPr>
+        <a:xfrm>
+          <a:off x="0" y="0"/>
+          <a:ext cx="0" cy="0"/>
+          <a:chOff x="0" y="0"/>
+          <a:chExt cx="0" cy="0"/>
+        </a:xfrm>
+      </p:grpSpPr>
+      <p:sp>
+        <p:nvSpPr>
+          <p:cNvPr id="5" name="TextBox 4"/>
+          <p:cNvSpPr txBox="1"/>
+          <p:nvPr/>
+        </p:nvSpPr>
+        <p:spPr>
+          <a:xfrm>
+            <a:off x="285720" y="273586"/>
+            <a:ext cx="7311617" cy="5786199"/>
+          </a:xfrm>
+          <a:prstGeom prst="rect">
+            <a:avLst/>
+          </a:prstGeom>
+          <a:noFill/>
+        </p:spPr>
+        <p:txBody>
+          <a:bodyPr wrap="none" rtlCol="0">
+            <a:spAutoFit/>
+          </a:bodyPr>
+          <a:lstStyle/>
+          <a:p>
+            <a:r>
+              <a:rPr lang="en-US" altLang="ko-KR" dirty="0" smtClean="0"/>
+              <a:t>*method</a:t>
+            </a:r>
+            <a:r>
+              <a:rPr lang="ko-KR" altLang="en-US" dirty="0" smtClean="0"/>
+              <a:t>의존성 주입</a:t>
+            </a:r>
+            <a:endParaRPr lang="en-US" altLang="ko-KR" dirty="0" smtClean="0"/>
+          </a:p>
+          <a:p>
+            <a:r>
+              <a:rPr lang="en-US" altLang="ko-KR" sz="1600" dirty="0" smtClean="0"/>
+              <a:t> - </a:t>
+            </a:r>
+            <a:r>
+              <a:rPr lang="ko-KR" altLang="en-US" sz="1600" dirty="0" smtClean="0"/>
+              <a:t>의존성 </a:t>
+            </a:r>
+            <a:r>
+              <a:rPr lang="ko-KR" altLang="en-US" sz="1600" dirty="0" err="1" smtClean="0"/>
+              <a:t>주입받을</a:t>
+            </a:r>
+            <a:r>
+              <a:rPr lang="ko-KR" altLang="en-US" sz="1600" dirty="0" smtClean="0"/>
+              <a:t> 클래스는 </a:t>
+            </a:r>
+            <a:r>
+              <a:rPr lang="ko-KR" altLang="en-US" sz="1600" dirty="0" err="1" smtClean="0"/>
+              <a:t>기본생성자와</a:t>
+            </a:r>
+            <a:r>
+              <a:rPr lang="ko-KR" altLang="en-US" sz="1600" dirty="0" smtClean="0"/>
+              <a:t> </a:t>
+            </a:r>
+            <a:r>
+              <a:rPr lang="en-US" altLang="ko-KR" sz="1600" dirty="0" smtClean="0"/>
+              <a:t>setter method</a:t>
+            </a:r>
+            <a:r>
+              <a:rPr lang="ko-KR" altLang="en-US" sz="1600" dirty="0" smtClean="0"/>
+              <a:t>를 가진다</a:t>
+            </a:r>
+            <a:r>
+              <a:rPr lang="en-US" altLang="ko-KR" sz="1600" dirty="0" smtClean="0"/>
+              <a:t>.</a:t>
+            </a:r>
+          </a:p>
+          <a:p>
+            <a:r>
+              <a:rPr lang="en-US" altLang="ko-KR" sz="1600" dirty="0"/>
+              <a:t> </a:t>
+            </a:r>
+            <a:endParaRPr lang="en-US" altLang="ko-KR" sz="1600" dirty="0" smtClean="0"/>
+          </a:p>
+          <a:p>
+            <a:r>
+              <a:rPr lang="en-US" altLang="ko-KR" sz="1600" dirty="0"/>
+              <a:t> </a:t>
+            </a:r>
+            <a:r>
+              <a:rPr lang="en-US" altLang="ko-KR" sz="1600" dirty="0" smtClean="0"/>
+              <a:t>-</a:t>
+            </a:r>
+            <a:r>
+              <a:rPr lang="ko-KR" altLang="en-US" sz="1600" dirty="0" smtClean="0"/>
+              <a:t>의존성 </a:t>
+            </a:r>
+            <a:r>
+              <a:rPr lang="ko-KR" altLang="en-US" sz="1600" dirty="0" err="1" smtClean="0"/>
+              <a:t>주입받을</a:t>
+            </a:r>
+            <a:r>
+              <a:rPr lang="ko-KR" altLang="en-US" sz="1600" dirty="0" smtClean="0"/>
+              <a:t> 객체 생성</a:t>
+            </a:r>
+            <a:endParaRPr lang="en-US" altLang="ko-KR" sz="1600" dirty="0" smtClean="0"/>
+          </a:p>
+          <a:p>
+            <a:r>
+              <a:rPr lang="en-US" altLang="ko-KR" sz="1600" dirty="0"/>
+              <a:t> </a:t>
+            </a:r>
+            <a:r>
+              <a:rPr lang="en-US" altLang="ko-KR" sz="1600" dirty="0" smtClean="0"/>
+              <a:t> &lt;bean id=“” class=“”&gt;</a:t>
+            </a:r>
+          </a:p>
+          <a:p>
+            <a:r>
+              <a:rPr lang="en-US" altLang="ko-KR" sz="1600" dirty="0"/>
+              <a:t> </a:t>
+            </a:r>
+            <a:r>
+              <a:rPr lang="en-US" altLang="ko-KR" sz="1600" dirty="0" smtClean="0"/>
+              <a:t>  </a:t>
+            </a:r>
+            <a:r>
+              <a:rPr lang="en-US" altLang="ko-KR" sz="1600" b="1" dirty="0" smtClean="0"/>
+              <a:t>&lt;property </a:t>
+            </a:r>
+            <a:r>
+              <a:rPr lang="en-US" altLang="ko-KR" sz="1600" dirty="0" smtClean="0"/>
+              <a:t>name=“setter method</a:t>
+            </a:r>
+            <a:r>
+              <a:rPr lang="ko-KR" altLang="en-US" sz="1600" dirty="0" smtClean="0"/>
+              <a:t>명</a:t>
+            </a:r>
+            <a:r>
+              <a:rPr lang="en-US" altLang="ko-KR" sz="1600" dirty="0" smtClean="0"/>
+              <a:t>” ref=“</a:t>
+            </a:r>
+            <a:r>
+              <a:rPr lang="ko-KR" altLang="en-US" sz="1600" dirty="0" smtClean="0"/>
+              <a:t>의존성 주입할 객체</a:t>
+            </a:r>
+            <a:r>
+              <a:rPr lang="en-US" altLang="ko-KR" sz="1600" dirty="0" smtClean="0"/>
+              <a:t>”/&gt;</a:t>
+            </a:r>
+          </a:p>
+          <a:p>
+            <a:r>
+              <a:rPr lang="en-US" altLang="ko-KR" sz="1600" dirty="0"/>
+              <a:t> </a:t>
+            </a:r>
+            <a:r>
+              <a:rPr lang="en-US" altLang="ko-KR" sz="1600" dirty="0" smtClean="0"/>
+              <a:t> &lt;/bean&gt;</a:t>
+            </a:r>
+          </a:p>
+          <a:p>
+            <a:endParaRPr lang="en-US" altLang="ko-KR" sz="1600" dirty="0"/>
+          </a:p>
+          <a:p>
+            <a:endParaRPr lang="en-US" altLang="ko-KR" sz="1600" dirty="0" smtClean="0"/>
+          </a:p>
+          <a:p>
+            <a:r>
+              <a:rPr lang="en-US" altLang="ko-KR" sz="1600" dirty="0"/>
+              <a:t> </a:t>
+            </a:r>
+            <a:r>
+              <a:rPr lang="en-US" altLang="ko-KR" sz="1600" dirty="0" smtClean="0"/>
+              <a:t> public class </a:t>
+            </a:r>
+            <a:r>
+              <a:rPr lang="en-US" altLang="ko-KR" sz="1600" dirty="0" err="1" smtClean="0"/>
+              <a:t>ServiceImpl</a:t>
+            </a:r>
+            <a:r>
+              <a:rPr lang="en-US" altLang="ko-KR" sz="1600" dirty="0" smtClean="0"/>
+              <a:t>{ </a:t>
+            </a:r>
+          </a:p>
+          <a:p>
+            <a:endParaRPr lang="en-US" altLang="ko-KR" sz="1600" dirty="0" smtClean="0"/>
+          </a:p>
+          <a:p>
+            <a:r>
+              <a:rPr lang="en-US" altLang="ko-KR" sz="1600" dirty="0"/>
+              <a:t> </a:t>
+            </a:r>
+            <a:r>
+              <a:rPr lang="en-US" altLang="ko-KR" sz="1600" dirty="0" smtClean="0"/>
+              <a:t>   private DAO </a:t>
+            </a:r>
+            <a:r>
+              <a:rPr lang="en-US" altLang="ko-KR" sz="1600" dirty="0" err="1" smtClean="0"/>
+              <a:t>dao</a:t>
+            </a:r>
+            <a:r>
+              <a:rPr lang="en-US" altLang="ko-KR" sz="1600" dirty="0" smtClean="0"/>
+              <a:t>;</a:t>
+            </a:r>
+          </a:p>
+          <a:p>
+            <a:endParaRPr lang="en-US" altLang="ko-KR" sz="1600" dirty="0"/>
+          </a:p>
+          <a:p>
+            <a:r>
+              <a:rPr lang="en-US" altLang="ko-KR" sz="1600" dirty="0" smtClean="0"/>
+              <a:t>    public Test(){ //</a:t>
+            </a:r>
+            <a:r>
+              <a:rPr lang="ko-KR" altLang="en-US" sz="1600" dirty="0" err="1" smtClean="0"/>
+              <a:t>기본생성자</a:t>
+            </a:r>
+            <a:endParaRPr lang="en-US" altLang="ko-KR" sz="1600" dirty="0" smtClean="0"/>
+          </a:p>
+          <a:p>
+            <a:r>
+              <a:rPr lang="en-US" altLang="ko-KR" sz="1600" dirty="0"/>
+              <a:t> </a:t>
+            </a:r>
+            <a:r>
+              <a:rPr lang="en-US" altLang="ko-KR" sz="1600" dirty="0" smtClean="0"/>
+              <a:t>   }</a:t>
+            </a:r>
+          </a:p>
+          <a:p>
+            <a:endParaRPr lang="en-US" altLang="ko-KR" sz="1600" dirty="0"/>
+          </a:p>
+          <a:p>
+            <a:r>
+              <a:rPr lang="en-US" altLang="ko-KR" sz="1600" b="1" dirty="0" smtClean="0"/>
+              <a:t>   public void </a:t>
+            </a:r>
+            <a:r>
+              <a:rPr lang="en-US" altLang="ko-KR" sz="1600" b="1" dirty="0" err="1" smtClean="0"/>
+              <a:t>setDAO</a:t>
+            </a:r>
+            <a:r>
+              <a:rPr lang="en-US" altLang="ko-KR" sz="1600" b="1" dirty="0" smtClean="0"/>
+              <a:t>( DAO </a:t>
+            </a:r>
+            <a:r>
+              <a:rPr lang="en-US" altLang="ko-KR" sz="1600" b="1" dirty="0" err="1" smtClean="0"/>
+              <a:t>dao</a:t>
+            </a:r>
+            <a:r>
+              <a:rPr lang="en-US" altLang="ko-KR" sz="1600" b="1" dirty="0" smtClean="0"/>
+              <a:t>){</a:t>
+            </a:r>
+          </a:p>
+          <a:p>
+            <a:r>
+              <a:rPr lang="en-US" altLang="ko-KR" sz="1600" dirty="0"/>
+              <a:t> </a:t>
+            </a:r>
+            <a:r>
+              <a:rPr lang="en-US" altLang="ko-KR" sz="1600" dirty="0" smtClean="0"/>
+              <a:t>    this.dao=</a:t>
+            </a:r>
+            <a:r>
+              <a:rPr lang="en-US" altLang="ko-KR" sz="1600" dirty="0" err="1" smtClean="0"/>
+              <a:t>dao</a:t>
+            </a:r>
+            <a:r>
+              <a:rPr lang="en-US" altLang="ko-KR" sz="1600" dirty="0" smtClean="0"/>
+              <a:t>;</a:t>
+            </a:r>
+          </a:p>
+          <a:p>
+            <a:r>
+              <a:rPr lang="en-US" altLang="ko-KR" sz="1600" dirty="0"/>
+              <a:t> </a:t>
+            </a:r>
+            <a:r>
+              <a:rPr lang="en-US" altLang="ko-KR" sz="1600" dirty="0" smtClean="0"/>
+              <a:t>  }</a:t>
+            </a:r>
+          </a:p>
+          <a:p>
+            <a:endParaRPr lang="en-US" altLang="ko-KR" sz="1600" dirty="0"/>
+          </a:p>
+          <a:p>
+            <a:r>
+              <a:rPr lang="en-US" altLang="ko-KR" sz="1600" dirty="0" smtClean="0"/>
+              <a:t>*Spring Container</a:t>
+            </a:r>
+            <a:r>
+              <a:rPr lang="ko-KR" altLang="en-US" sz="1600" dirty="0" smtClean="0"/>
+              <a:t>는 사용이 종료되었다면 닫아주어야한다</a:t>
+            </a:r>
+            <a:r>
+              <a:rPr lang="en-US" altLang="ko-KR" sz="1600" dirty="0" smtClean="0"/>
+              <a:t>. (</a:t>
+            </a:r>
+            <a:r>
+              <a:rPr lang="ko-KR" altLang="en-US" sz="1600" dirty="0" smtClean="0"/>
+              <a:t>메모리 누수 막기</a:t>
+            </a:r>
+            <a:r>
+              <a:rPr lang="en-US" altLang="ko-KR" sz="1600" dirty="0" smtClean="0"/>
+              <a:t>)</a:t>
+            </a:r>
+          </a:p>
+          <a:p>
+            <a:endParaRPr lang="en-US" altLang="ko-KR" sz="1600" dirty="0"/>
+          </a:p>
+          <a:p>
+            <a:r>
+              <a:rPr lang="en-US" altLang="ko-KR" sz="1600" dirty="0" smtClean="0"/>
+              <a:t>    ((</a:t>
+            </a:r>
+            <a:r>
+              <a:rPr lang="en-US" altLang="ko-KR" sz="1600" dirty="0" err="1" smtClean="0"/>
+              <a:t>ClassPathXmlApplicationContext</a:t>
+            </a:r>
+            <a:r>
+              <a:rPr lang="en-US" altLang="ko-KR" sz="1600" dirty="0" smtClean="0"/>
+              <a:t>)ac).close();</a:t>
+            </a:r>
+            <a:endParaRPr lang="en-US" altLang="ko-KR" sz="1600" dirty="0"/>
+          </a:p>
+        </p:txBody>
+      </p:sp>
+      <p:cxnSp>
+        <p:nvCxnSpPr>
+          <p:cNvPr id="7" name="직선 화살표 연결선 6"/>
+          <p:cNvCxnSpPr/>
+          <p:nvPr/>
+        </p:nvCxnSpPr>
+        <p:spPr>
+          <a:xfrm rot="10800000">
+            <a:off x="3143240" y="1857364"/>
+            <a:ext cx="142876" cy="71438"/>
+          </a:xfrm>
+          <a:prstGeom prst="straightConnector1">
+            <a:avLst/>
+          </a:prstGeom>
+          <a:ln>
+            <a:tailEnd type="arrow"/>
+          </a:ln>
+        </p:spPr>
+        <p:style>
+          <a:lnRef idx="1">
+            <a:schemeClr val="accent1"/>
+          </a:lnRef>
+          <a:fillRef idx="0">
+            <a:schemeClr val="accent1"/>
+          </a:fillRef>
+          <a:effectRef idx="0">
+            <a:schemeClr val="accent1"/>
+          </a:effectRef>
+          <a:fontRef idx="minor">
+            <a:schemeClr val="tx1"/>
+          </a:fontRef>
+        </p:style>
+      </p:cxnSp>
+      <p:sp>
+        <p:nvSpPr>
+          <p:cNvPr id="8" name="TextBox 7"/>
+          <p:cNvSpPr txBox="1"/>
+          <p:nvPr/>
+        </p:nvSpPr>
+        <p:spPr>
+          <a:xfrm>
+            <a:off x="3143240" y="1857364"/>
+            <a:ext cx="3462807" cy="307777"/>
+          </a:xfrm>
+          <a:prstGeom prst="rect">
+            <a:avLst/>
+          </a:prstGeom>
+          <a:noFill/>
+        </p:spPr>
+        <p:txBody>
+          <a:bodyPr wrap="none" rtlCol="0">
+            <a:spAutoFit/>
+          </a:bodyPr>
+          <a:lstStyle/>
+          <a:p>
+            <a:r>
+              <a:rPr lang="en-US" altLang="ko-KR" sz="1400" dirty="0" smtClean="0"/>
+              <a:t>set</a:t>
+            </a:r>
+            <a:r>
+              <a:rPr lang="ko-KR" altLang="en-US" sz="1400" dirty="0" smtClean="0"/>
+              <a:t>을 제외한 </a:t>
+            </a:r>
+            <a:r>
+              <a:rPr lang="en-US" altLang="ko-KR" sz="1400" dirty="0" smtClean="0"/>
+              <a:t>method</a:t>
+            </a:r>
+            <a:r>
+              <a:rPr lang="ko-KR" altLang="en-US" sz="1400" dirty="0" smtClean="0"/>
+              <a:t>명을 소문자로 작성</a:t>
+            </a:r>
+            <a:endParaRPr lang="ko-KR" altLang="en-US" sz="1400" dirty="0"/>
+          </a:p>
+        </p:txBody>
+      </p:sp>
+      <p:sp>
+        <p:nvSpPr>
+          <p:cNvPr id="9" name="자유형 8"/>
+          <p:cNvSpPr/>
+          <p:nvPr/>
+        </p:nvSpPr>
+        <p:spPr>
+          <a:xfrm>
+            <a:off x="1490663" y="1847850"/>
+            <a:ext cx="2374438" cy="2438400"/>
+          </a:xfrm>
+          <a:custGeom>
+            <a:avLst/>
+            <a:gdLst>
+              <a:gd name="connsiteX0" fmla="*/ 0 w 2374438"/>
+              <a:gd name="connsiteY0" fmla="*/ 0 h 2438400"/>
+              <a:gd name="connsiteX1" fmla="*/ 9525 w 2374438"/>
+              <a:gd name="connsiteY1" fmla="*/ 23813 h 2438400"/>
+              <a:gd name="connsiteX2" fmla="*/ 14287 w 2374438"/>
+              <a:gd name="connsiteY2" fmla="*/ 38100 h 2438400"/>
+              <a:gd name="connsiteX3" fmla="*/ 38100 w 2374438"/>
+              <a:gd name="connsiteY3" fmla="*/ 71438 h 2438400"/>
+              <a:gd name="connsiteX4" fmla="*/ 57150 w 2374438"/>
+              <a:gd name="connsiteY4" fmla="*/ 100013 h 2438400"/>
+              <a:gd name="connsiteX5" fmla="*/ 61912 w 2374438"/>
+              <a:gd name="connsiteY5" fmla="*/ 119063 h 2438400"/>
+              <a:gd name="connsiteX6" fmla="*/ 76200 w 2374438"/>
+              <a:gd name="connsiteY6" fmla="*/ 128588 h 2438400"/>
+              <a:gd name="connsiteX7" fmla="*/ 95250 w 2374438"/>
+              <a:gd name="connsiteY7" fmla="*/ 147638 h 2438400"/>
+              <a:gd name="connsiteX8" fmla="*/ 142875 w 2374438"/>
+              <a:gd name="connsiteY8" fmla="*/ 185738 h 2438400"/>
+              <a:gd name="connsiteX9" fmla="*/ 157162 w 2374438"/>
+              <a:gd name="connsiteY9" fmla="*/ 195263 h 2438400"/>
+              <a:gd name="connsiteX10" fmla="*/ 171450 w 2374438"/>
+              <a:gd name="connsiteY10" fmla="*/ 200025 h 2438400"/>
+              <a:gd name="connsiteX11" fmla="*/ 209550 w 2374438"/>
+              <a:gd name="connsiteY11" fmla="*/ 223838 h 2438400"/>
+              <a:gd name="connsiteX12" fmla="*/ 238125 w 2374438"/>
+              <a:gd name="connsiteY12" fmla="*/ 238125 h 2438400"/>
+              <a:gd name="connsiteX13" fmla="*/ 285750 w 2374438"/>
+              <a:gd name="connsiteY13" fmla="*/ 266700 h 2438400"/>
+              <a:gd name="connsiteX14" fmla="*/ 323850 w 2374438"/>
+              <a:gd name="connsiteY14" fmla="*/ 285750 h 2438400"/>
+              <a:gd name="connsiteX15" fmla="*/ 361950 w 2374438"/>
+              <a:gd name="connsiteY15" fmla="*/ 295275 h 2438400"/>
+              <a:gd name="connsiteX16" fmla="*/ 409575 w 2374438"/>
+              <a:gd name="connsiteY16" fmla="*/ 319088 h 2438400"/>
+              <a:gd name="connsiteX17" fmla="*/ 452437 w 2374438"/>
+              <a:gd name="connsiteY17" fmla="*/ 333375 h 2438400"/>
+              <a:gd name="connsiteX18" fmla="*/ 490537 w 2374438"/>
+              <a:gd name="connsiteY18" fmla="*/ 352425 h 2438400"/>
+              <a:gd name="connsiteX19" fmla="*/ 509587 w 2374438"/>
+              <a:gd name="connsiteY19" fmla="*/ 366713 h 2438400"/>
+              <a:gd name="connsiteX20" fmla="*/ 552450 w 2374438"/>
+              <a:gd name="connsiteY20" fmla="*/ 376238 h 2438400"/>
+              <a:gd name="connsiteX21" fmla="*/ 595312 w 2374438"/>
+              <a:gd name="connsiteY21" fmla="*/ 395288 h 2438400"/>
+              <a:gd name="connsiteX22" fmla="*/ 671512 w 2374438"/>
+              <a:gd name="connsiteY22" fmla="*/ 414338 h 2438400"/>
+              <a:gd name="connsiteX23" fmla="*/ 757237 w 2374438"/>
+              <a:gd name="connsiteY23" fmla="*/ 428625 h 2438400"/>
+              <a:gd name="connsiteX24" fmla="*/ 823912 w 2374438"/>
+              <a:gd name="connsiteY24" fmla="*/ 438150 h 2438400"/>
+              <a:gd name="connsiteX25" fmla="*/ 895350 w 2374438"/>
+              <a:gd name="connsiteY25" fmla="*/ 452438 h 2438400"/>
+              <a:gd name="connsiteX26" fmla="*/ 942975 w 2374438"/>
+              <a:gd name="connsiteY26" fmla="*/ 461963 h 2438400"/>
+              <a:gd name="connsiteX27" fmla="*/ 966787 w 2374438"/>
+              <a:gd name="connsiteY27" fmla="*/ 471488 h 2438400"/>
+              <a:gd name="connsiteX28" fmla="*/ 1009650 w 2374438"/>
+              <a:gd name="connsiteY28" fmla="*/ 481013 h 2438400"/>
+              <a:gd name="connsiteX29" fmla="*/ 1038225 w 2374438"/>
+              <a:gd name="connsiteY29" fmla="*/ 495300 h 2438400"/>
+              <a:gd name="connsiteX30" fmla="*/ 1057275 w 2374438"/>
+              <a:gd name="connsiteY30" fmla="*/ 500063 h 2438400"/>
+              <a:gd name="connsiteX31" fmla="*/ 1085850 w 2374438"/>
+              <a:gd name="connsiteY31" fmla="*/ 509588 h 2438400"/>
+              <a:gd name="connsiteX32" fmla="*/ 1109662 w 2374438"/>
+              <a:gd name="connsiteY32" fmla="*/ 519113 h 2438400"/>
+              <a:gd name="connsiteX33" fmla="*/ 1166812 w 2374438"/>
+              <a:gd name="connsiteY33" fmla="*/ 528638 h 2438400"/>
+              <a:gd name="connsiteX34" fmla="*/ 1195387 w 2374438"/>
+              <a:gd name="connsiteY34" fmla="*/ 542925 h 2438400"/>
+              <a:gd name="connsiteX35" fmla="*/ 1228725 w 2374438"/>
+              <a:gd name="connsiteY35" fmla="*/ 552450 h 2438400"/>
+              <a:gd name="connsiteX36" fmla="*/ 1262062 w 2374438"/>
+              <a:gd name="connsiteY36" fmla="*/ 576263 h 2438400"/>
+              <a:gd name="connsiteX37" fmla="*/ 1323975 w 2374438"/>
+              <a:gd name="connsiteY37" fmla="*/ 600075 h 2438400"/>
+              <a:gd name="connsiteX38" fmla="*/ 1357312 w 2374438"/>
+              <a:gd name="connsiteY38" fmla="*/ 619125 h 2438400"/>
+              <a:gd name="connsiteX39" fmla="*/ 1385887 w 2374438"/>
+              <a:gd name="connsiteY39" fmla="*/ 628650 h 2438400"/>
+              <a:gd name="connsiteX40" fmla="*/ 1462087 w 2374438"/>
+              <a:gd name="connsiteY40" fmla="*/ 661988 h 2438400"/>
+              <a:gd name="connsiteX41" fmla="*/ 1462087 w 2374438"/>
+              <a:gd name="connsiteY41" fmla="*/ 661988 h 2438400"/>
+              <a:gd name="connsiteX42" fmla="*/ 1533525 w 2374438"/>
+              <a:gd name="connsiteY42" fmla="*/ 690563 h 2438400"/>
+              <a:gd name="connsiteX43" fmla="*/ 1566862 w 2374438"/>
+              <a:gd name="connsiteY43" fmla="*/ 714375 h 2438400"/>
+              <a:gd name="connsiteX44" fmla="*/ 1590675 w 2374438"/>
+              <a:gd name="connsiteY44" fmla="*/ 728663 h 2438400"/>
+              <a:gd name="connsiteX45" fmla="*/ 1628775 w 2374438"/>
+              <a:gd name="connsiteY45" fmla="*/ 757238 h 2438400"/>
+              <a:gd name="connsiteX46" fmla="*/ 1676400 w 2374438"/>
+              <a:gd name="connsiteY46" fmla="*/ 781050 h 2438400"/>
+              <a:gd name="connsiteX47" fmla="*/ 1747837 w 2374438"/>
+              <a:gd name="connsiteY47" fmla="*/ 823913 h 2438400"/>
+              <a:gd name="connsiteX48" fmla="*/ 1781175 w 2374438"/>
+              <a:gd name="connsiteY48" fmla="*/ 842963 h 2438400"/>
+              <a:gd name="connsiteX49" fmla="*/ 1847850 w 2374438"/>
+              <a:gd name="connsiteY49" fmla="*/ 871538 h 2438400"/>
+              <a:gd name="connsiteX50" fmla="*/ 1928812 w 2374438"/>
+              <a:gd name="connsiteY50" fmla="*/ 914400 h 2438400"/>
+              <a:gd name="connsiteX51" fmla="*/ 1943100 w 2374438"/>
+              <a:gd name="connsiteY51" fmla="*/ 928688 h 2438400"/>
+              <a:gd name="connsiteX52" fmla="*/ 1985962 w 2374438"/>
+              <a:gd name="connsiteY52" fmla="*/ 952500 h 2438400"/>
+              <a:gd name="connsiteX53" fmla="*/ 2005012 w 2374438"/>
+              <a:gd name="connsiteY53" fmla="*/ 971550 h 2438400"/>
+              <a:gd name="connsiteX54" fmla="*/ 2024062 w 2374438"/>
+              <a:gd name="connsiteY54" fmla="*/ 985838 h 2438400"/>
+              <a:gd name="connsiteX55" fmla="*/ 2052637 w 2374438"/>
+              <a:gd name="connsiteY55" fmla="*/ 1004888 h 2438400"/>
+              <a:gd name="connsiteX56" fmla="*/ 2090737 w 2374438"/>
+              <a:gd name="connsiteY56" fmla="*/ 1042988 h 2438400"/>
+              <a:gd name="connsiteX57" fmla="*/ 2109787 w 2374438"/>
+              <a:gd name="connsiteY57" fmla="*/ 1062038 h 2438400"/>
+              <a:gd name="connsiteX58" fmla="*/ 2128837 w 2374438"/>
+              <a:gd name="connsiteY58" fmla="*/ 1076325 h 2438400"/>
+              <a:gd name="connsiteX59" fmla="*/ 2171700 w 2374438"/>
+              <a:gd name="connsiteY59" fmla="*/ 1123950 h 2438400"/>
+              <a:gd name="connsiteX60" fmla="*/ 2185987 w 2374438"/>
+              <a:gd name="connsiteY60" fmla="*/ 1133475 h 2438400"/>
+              <a:gd name="connsiteX61" fmla="*/ 2238375 w 2374438"/>
+              <a:gd name="connsiteY61" fmla="*/ 1209675 h 2438400"/>
+              <a:gd name="connsiteX62" fmla="*/ 2266950 w 2374438"/>
+              <a:gd name="connsiteY62" fmla="*/ 1243013 h 2438400"/>
+              <a:gd name="connsiteX63" fmla="*/ 2286000 w 2374438"/>
+              <a:gd name="connsiteY63" fmla="*/ 1281113 h 2438400"/>
+              <a:gd name="connsiteX64" fmla="*/ 2309812 w 2374438"/>
+              <a:gd name="connsiteY64" fmla="*/ 1323975 h 2438400"/>
+              <a:gd name="connsiteX65" fmla="*/ 2319337 w 2374438"/>
+              <a:gd name="connsiteY65" fmla="*/ 1352550 h 2438400"/>
+              <a:gd name="connsiteX66" fmla="*/ 2324100 w 2374438"/>
+              <a:gd name="connsiteY66" fmla="*/ 1376363 h 2438400"/>
+              <a:gd name="connsiteX67" fmla="*/ 2333625 w 2374438"/>
+              <a:gd name="connsiteY67" fmla="*/ 1390650 h 2438400"/>
+              <a:gd name="connsiteX68" fmla="*/ 2338387 w 2374438"/>
+              <a:gd name="connsiteY68" fmla="*/ 1409700 h 2438400"/>
+              <a:gd name="connsiteX69" fmla="*/ 2347912 w 2374438"/>
+              <a:gd name="connsiteY69" fmla="*/ 1428750 h 2438400"/>
+              <a:gd name="connsiteX70" fmla="*/ 2357437 w 2374438"/>
+              <a:gd name="connsiteY70" fmla="*/ 1485900 h 2438400"/>
+              <a:gd name="connsiteX71" fmla="*/ 2366962 w 2374438"/>
+              <a:gd name="connsiteY71" fmla="*/ 1528763 h 2438400"/>
+              <a:gd name="connsiteX72" fmla="*/ 2366962 w 2374438"/>
+              <a:gd name="connsiteY72" fmla="*/ 1728788 h 2438400"/>
+              <a:gd name="connsiteX73" fmla="*/ 2352675 w 2374438"/>
+              <a:gd name="connsiteY73" fmla="*/ 1785938 h 2438400"/>
+              <a:gd name="connsiteX74" fmla="*/ 2338387 w 2374438"/>
+              <a:gd name="connsiteY74" fmla="*/ 1833563 h 2438400"/>
+              <a:gd name="connsiteX75" fmla="*/ 2324100 w 2374438"/>
+              <a:gd name="connsiteY75" fmla="*/ 1847850 h 2438400"/>
+              <a:gd name="connsiteX76" fmla="*/ 2300287 w 2374438"/>
+              <a:gd name="connsiteY76" fmla="*/ 1890713 h 2438400"/>
+              <a:gd name="connsiteX77" fmla="*/ 2286000 w 2374438"/>
+              <a:gd name="connsiteY77" fmla="*/ 1905000 h 2438400"/>
+              <a:gd name="connsiteX78" fmla="*/ 2276475 w 2374438"/>
+              <a:gd name="connsiteY78" fmla="*/ 1919288 h 2438400"/>
+              <a:gd name="connsiteX79" fmla="*/ 2243137 w 2374438"/>
+              <a:gd name="connsiteY79" fmla="*/ 1943100 h 2438400"/>
+              <a:gd name="connsiteX80" fmla="*/ 2190750 w 2374438"/>
+              <a:gd name="connsiteY80" fmla="*/ 1985963 h 2438400"/>
+              <a:gd name="connsiteX81" fmla="*/ 2162175 w 2374438"/>
+              <a:gd name="connsiteY81" fmla="*/ 2005013 h 2438400"/>
+              <a:gd name="connsiteX82" fmla="*/ 2143125 w 2374438"/>
+              <a:gd name="connsiteY82" fmla="*/ 2019300 h 2438400"/>
+              <a:gd name="connsiteX83" fmla="*/ 2114550 w 2374438"/>
+              <a:gd name="connsiteY83" fmla="*/ 2028825 h 2438400"/>
+              <a:gd name="connsiteX84" fmla="*/ 2081212 w 2374438"/>
+              <a:gd name="connsiteY84" fmla="*/ 2052638 h 2438400"/>
+              <a:gd name="connsiteX85" fmla="*/ 2062162 w 2374438"/>
+              <a:gd name="connsiteY85" fmla="*/ 2062163 h 2438400"/>
+              <a:gd name="connsiteX86" fmla="*/ 2033587 w 2374438"/>
+              <a:gd name="connsiteY86" fmla="*/ 2076450 h 2438400"/>
+              <a:gd name="connsiteX87" fmla="*/ 1995487 w 2374438"/>
+              <a:gd name="connsiteY87" fmla="*/ 2100263 h 2438400"/>
+              <a:gd name="connsiteX88" fmla="*/ 1981200 w 2374438"/>
+              <a:gd name="connsiteY88" fmla="*/ 2114550 h 2438400"/>
+              <a:gd name="connsiteX89" fmla="*/ 1966912 w 2374438"/>
+              <a:gd name="connsiteY89" fmla="*/ 2119313 h 2438400"/>
+              <a:gd name="connsiteX90" fmla="*/ 1947862 w 2374438"/>
+              <a:gd name="connsiteY90" fmla="*/ 2128838 h 2438400"/>
+              <a:gd name="connsiteX91" fmla="*/ 1933575 w 2374438"/>
+              <a:gd name="connsiteY91" fmla="*/ 2143125 h 2438400"/>
+              <a:gd name="connsiteX92" fmla="*/ 1914525 w 2374438"/>
+              <a:gd name="connsiteY92" fmla="*/ 2152650 h 2438400"/>
+              <a:gd name="connsiteX93" fmla="*/ 1885950 w 2374438"/>
+              <a:gd name="connsiteY93" fmla="*/ 2171700 h 2438400"/>
+              <a:gd name="connsiteX94" fmla="*/ 1857375 w 2374438"/>
+              <a:gd name="connsiteY94" fmla="*/ 2181225 h 2438400"/>
+              <a:gd name="connsiteX95" fmla="*/ 1819275 w 2374438"/>
+              <a:gd name="connsiteY95" fmla="*/ 2200275 h 2438400"/>
+              <a:gd name="connsiteX96" fmla="*/ 1781175 w 2374438"/>
+              <a:gd name="connsiteY96" fmla="*/ 2219325 h 2438400"/>
+              <a:gd name="connsiteX97" fmla="*/ 1762125 w 2374438"/>
+              <a:gd name="connsiteY97" fmla="*/ 2228850 h 2438400"/>
+              <a:gd name="connsiteX98" fmla="*/ 1733550 w 2374438"/>
+              <a:gd name="connsiteY98" fmla="*/ 2238375 h 2438400"/>
+              <a:gd name="connsiteX99" fmla="*/ 1690687 w 2374438"/>
+              <a:gd name="connsiteY99" fmla="*/ 2257425 h 2438400"/>
+              <a:gd name="connsiteX100" fmla="*/ 1657350 w 2374438"/>
+              <a:gd name="connsiteY100" fmla="*/ 2271713 h 2438400"/>
+              <a:gd name="connsiteX101" fmla="*/ 1619250 w 2374438"/>
+              <a:gd name="connsiteY101" fmla="*/ 2286000 h 2438400"/>
+              <a:gd name="connsiteX102" fmla="*/ 1604962 w 2374438"/>
+              <a:gd name="connsiteY102" fmla="*/ 2295525 h 2438400"/>
+              <a:gd name="connsiteX103" fmla="*/ 1428750 w 2374438"/>
+              <a:gd name="connsiteY103" fmla="*/ 2357438 h 2438400"/>
+              <a:gd name="connsiteX104" fmla="*/ 1385887 w 2374438"/>
+              <a:gd name="connsiteY104" fmla="*/ 2371725 h 2438400"/>
+              <a:gd name="connsiteX105" fmla="*/ 1343025 w 2374438"/>
+              <a:gd name="connsiteY105" fmla="*/ 2390775 h 2438400"/>
+              <a:gd name="connsiteX106" fmla="*/ 1328737 w 2374438"/>
+              <a:gd name="connsiteY106" fmla="*/ 2400300 h 2438400"/>
+              <a:gd name="connsiteX107" fmla="*/ 1300162 w 2374438"/>
+              <a:gd name="connsiteY107" fmla="*/ 2409825 h 2438400"/>
+              <a:gd name="connsiteX108" fmla="*/ 1281112 w 2374438"/>
+              <a:gd name="connsiteY108" fmla="*/ 2428875 h 2438400"/>
+              <a:gd name="connsiteX109" fmla="*/ 1266825 w 2374438"/>
+              <a:gd name="connsiteY109" fmla="*/ 2438400 h 2438400"/>
+            </a:gdLst>
+            <a:ahLst/>
+            <a:cxnLst>
+              <a:cxn ang="0">
+                <a:pos x="connsiteX0" y="connsiteY0"/>
+              </a:cxn>
+              <a:cxn ang="0">
+                <a:pos x="connsiteX1" y="connsiteY1"/>
+              </a:cxn>
+              <a:cxn ang="0">
+                <a:pos x="connsiteX2" y="connsiteY2"/>
+              </a:cxn>
+              <a:cxn ang="0">
+                <a:pos x="connsiteX3" y="connsiteY3"/>
+              </a:cxn>
+              <a:cxn ang="0">
+                <a:pos x="connsiteX4" y="connsiteY4"/>
+              </a:cxn>
+              <a:cxn ang="0">
+                <a:pos x="connsiteX5" y="connsiteY5"/>
+              </a:cxn>
+              <a:cxn ang="0">
+                <a:pos x="connsiteX6" y="connsiteY6"/>
+              </a:cxn>
+              <a:cxn ang="0">
+                <a:pos x="connsiteX7" y="connsiteY7"/>
+              </a:cxn>
+              <a:cxn ang="0">
+                <a:pos x="connsiteX8" y="connsiteY8"/>
+              </a:cxn>
+              <a:cxn ang="0">
+                <a:pos x="connsiteX9" y="connsiteY9"/>
+              </a:cxn>
+              <a:cxn ang="0">
+                <a:pos x="connsiteX10" y="connsiteY10"/>
+              </a:cxn>
+              <a:cxn ang="0">
+                <a:pos x="connsiteX11" y="connsiteY11"/>
+              </a:cxn>
+              <a:cxn ang="0">
+                <a:pos x="connsiteX12" y="connsiteY12"/>
+              </a:cxn>
+              <a:cxn ang="0">
+                <a:pos x="connsiteX13" y="connsiteY13"/>
+              </a:cxn>
+              <a:cxn ang="0">
+                <a:pos x="connsiteX14" y="connsiteY14"/>
+              </a:cxn>
+              <a:cxn ang="0">
+                <a:pos x="connsiteX15" y="connsiteY15"/>
+              </a:cxn>
+              <a:cxn ang="0">
+                <a:pos x="connsiteX16" y="connsiteY16"/>
+              </a:cxn>
+              <a:cxn ang="0">
+                <a:pos x="connsiteX17" y="connsiteY17"/>
+              </a:cxn>
+              <a:cxn ang="0">
+                <a:pos x="connsiteX18" y="connsiteY18"/>
+              </a:cxn>
+              <a:cxn ang="0">
+                <a:pos x="connsiteX19" y="connsiteY19"/>
+              </a:cxn>
+              <a:cxn ang="0">
+                <a:pos x="connsiteX20" y="connsiteY20"/>
+              </a:cxn>
+              <a:cxn ang="0">
+                <a:pos x="connsiteX21" y="connsiteY21"/>
+              </a:cxn>
+              <a:cxn ang="0">
+                <a:pos x="connsiteX22" y="connsiteY22"/>
+              </a:cxn>
+              <a:cxn ang="0">
+                <a:pos x="connsiteX23" y="connsiteY23"/>
+              </a:cxn>
+              <a:cxn ang="0">
+                <a:pos x="connsiteX24" y="connsiteY24"/>
+              </a:cxn>
+              <a:cxn ang="0">
+                <a:pos x="connsiteX25" y="connsiteY25"/>
+              </a:cxn>
+              <a:cxn ang="0">
+                <a:pos x="connsiteX26" y="connsiteY26"/>
+              </a:cxn>
+              <a:cxn ang="0">
+                <a:pos x="connsiteX27" y="connsiteY27"/>
+              </a:cxn>
+              <a:cxn ang="0">
+                <a:pos x="connsiteX28" y="connsiteY28"/>
+              </a:cxn>
+              <a:cxn ang="0">
+                <a:pos x="connsiteX29" y="connsiteY29"/>
+              </a:cxn>
+              <a:cxn ang="0">
+                <a:pos x="connsiteX30" y="connsiteY30"/>
+              </a:cxn>
+              <a:cxn ang="0">
+                <a:pos x="connsiteX31" y="connsiteY31"/>
+              </a:cxn>
+              <a:cxn ang="0">
+                <a:pos x="connsiteX32" y="connsiteY32"/>
+              </a:cxn>
+              <a:cxn ang="0">
+                <a:pos x="connsiteX33" y="connsiteY33"/>
+              </a:cxn>
+              <a:cxn ang="0">
+                <a:pos x="connsiteX34" y="connsiteY34"/>
+              </a:cxn>
+              <a:cxn ang="0">
+                <a:pos x="connsiteX35" y="connsiteY35"/>
+              </a:cxn>
+              <a:cxn ang="0">
+                <a:pos x="connsiteX36" y="connsiteY36"/>
+              </a:cxn>
+              <a:cxn ang="0">
+                <a:pos x="connsiteX37" y="connsiteY37"/>
+              </a:cxn>
+              <a:cxn ang="0">
+                <a:pos x="connsiteX38" y="connsiteY38"/>
+              </a:cxn>
+              <a:cxn ang="0">
+                <a:pos x="connsiteX39" y="connsiteY39"/>
+              </a:cxn>
+              <a:cxn ang="0">
+                <a:pos x="connsiteX40" y="connsiteY40"/>
+              </a:cxn>
+              <a:cxn ang="0">
+                <a:pos x="connsiteX41" y="connsiteY41"/>
+              </a:cxn>
+              <a:cxn ang="0">
+                <a:pos x="connsiteX42" y="connsiteY42"/>
+              </a:cxn>
+              <a:cxn ang="0">
+                <a:pos x="connsiteX43" y="connsiteY43"/>
+              </a:cxn>
+              <a:cxn ang="0">
+                <a:pos x="connsiteX44" y="connsiteY44"/>
+              </a:cxn>
+              <a:cxn ang="0">
+                <a:pos x="connsiteX45" y="connsiteY45"/>
+              </a:cxn>
+              <a:cxn ang="0">
+                <a:pos x="connsiteX46" y="connsiteY46"/>
+              </a:cxn>
+              <a:cxn ang="0">
+                <a:pos x="connsiteX47" y="connsiteY47"/>
+              </a:cxn>
+              <a:cxn ang="0">
+                <a:pos x="connsiteX48" y="connsiteY48"/>
+              </a:cxn>
+              <a:cxn ang="0">
+                <a:pos x="connsiteX49" y="connsiteY49"/>
+              </a:cxn>
+              <a:cxn ang="0">
+                <a:pos x="connsiteX50" y="connsiteY50"/>
+              </a:cxn>
+              <a:cxn ang="0">
+                <a:pos x="connsiteX51" y="connsiteY51"/>
+              </a:cxn>
+              <a:cxn ang="0">
+                <a:pos x="connsiteX52" y="connsiteY52"/>
+              </a:cxn>
+              <a:cxn ang="0">
+                <a:pos x="connsiteX53" y="connsiteY53"/>
+              </a:cxn>
+              <a:cxn ang="0">
+                <a:pos x="connsiteX54" y="connsiteY54"/>
+              </a:cxn>
+              <a:cxn ang="0">
+                <a:pos x="connsiteX55" y="connsiteY55"/>
+              </a:cxn>
+              <a:cxn ang="0">
+                <a:pos x="connsiteX56" y="connsiteY56"/>
+              </a:cxn>
+              <a:cxn ang="0">
+                <a:pos x="connsiteX57" y="connsiteY57"/>
+              </a:cxn>
+              <a:cxn ang="0">
+                <a:pos x="connsiteX58" y="connsiteY58"/>
+              </a:cxn>
+              <a:cxn ang="0">
+                <a:pos x="connsiteX59" y="connsiteY59"/>
+              </a:cxn>
+              <a:cxn ang="0">
+                <a:pos x="connsiteX60" y="connsiteY60"/>
+              </a:cxn>
+              <a:cxn ang="0">
+                <a:pos x="connsiteX61" y="connsiteY61"/>
+              </a:cxn>
+              <a:cxn ang="0">
+                <a:pos x="connsiteX62" y="connsiteY62"/>
+              </a:cxn>
+              <a:cxn ang="0">
+                <a:pos x="connsiteX63" y="connsiteY63"/>
+              </a:cxn>
+              <a:cxn ang="0">
+                <a:pos x="connsiteX64" y="connsiteY64"/>
+              </a:cxn>
+              <a:cxn ang="0">
+                <a:pos x="connsiteX65" y="connsiteY65"/>
+              </a:cxn>
+              <a:cxn ang="0">
+                <a:pos x="connsiteX66" y="connsiteY66"/>
+              </a:cxn>
+              <a:cxn ang="0">
+                <a:pos x="connsiteX67" y="connsiteY67"/>
+              </a:cxn>
+              <a:cxn ang="0">
+                <a:pos x="connsiteX68" y="connsiteY68"/>
+              </a:cxn>
+              <a:cxn ang="0">
+                <a:pos x="connsiteX69" y="connsiteY69"/>
+              </a:cxn>
+              <a:cxn ang="0">
+                <a:pos x="connsiteX70" y="connsiteY70"/>
+              </a:cxn>
+              <a:cxn ang="0">
+                <a:pos x="connsiteX71" y="connsiteY71"/>
+              </a:cxn>
+              <a:cxn ang="0">
+                <a:pos x="connsiteX72" y="connsiteY72"/>
+              </a:cxn>
+              <a:cxn ang="0">
+                <a:pos x="connsiteX73" y="connsiteY73"/>
+              </a:cxn>
+              <a:cxn ang="0">
+                <a:pos x="connsiteX74" y="connsiteY74"/>
+              </a:cxn>
+              <a:cxn ang="0">
+                <a:pos x="connsiteX75" y="connsiteY75"/>
+              </a:cxn>
+              <a:cxn ang="0">
+                <a:pos x="connsiteX76" y="connsiteY76"/>
+              </a:cxn>
+              <a:cxn ang="0">
+                <a:pos x="connsiteX77" y="connsiteY77"/>
+              </a:cxn>
+              <a:cxn ang="0">
+                <a:pos x="connsiteX78" y="connsiteY78"/>
+              </a:cxn>
+              <a:cxn ang="0">
+                <a:pos x="connsiteX79" y="connsiteY79"/>
+              </a:cxn>
+              <a:cxn ang="0">
+                <a:pos x="connsiteX80" y="connsiteY80"/>
+              </a:cxn>
+              <a:cxn ang="0">
+                <a:pos x="connsiteX81" y="connsiteY81"/>
+              </a:cxn>
+              <a:cxn ang="0">
+                <a:pos x="connsiteX82" y="connsiteY82"/>
+              </a:cxn>
+              <a:cxn ang="0">
+                <a:pos x="connsiteX83" y="connsiteY83"/>
+              </a:cxn>
+              <a:cxn ang="0">
+                <a:pos x="connsiteX84" y="connsiteY84"/>
+              </a:cxn>
+              <a:cxn ang="0">
+                <a:pos x="connsiteX85" y="connsiteY85"/>
+              </a:cxn>
+              <a:cxn ang="0">
+                <a:pos x="connsiteX86" y="connsiteY86"/>
+              </a:cxn>
+              <a:cxn ang="0">
+                <a:pos x="connsiteX87" y="connsiteY87"/>
+              </a:cxn>
+              <a:cxn ang="0">
+                <a:pos x="connsiteX88" y="connsiteY88"/>
+              </a:cxn>
+              <a:cxn ang="0">
+                <a:pos x="connsiteX89" y="connsiteY89"/>
+              </a:cxn>
+              <a:cxn ang="0">
+                <a:pos x="connsiteX90" y="connsiteY90"/>
+              </a:cxn>
+              <a:cxn ang="0">
+                <a:pos x="connsiteX91" y="connsiteY91"/>
+              </a:cxn>
+              <a:cxn ang="0">
+                <a:pos x="connsiteX92" y="connsiteY92"/>
+              </a:cxn>
+              <a:cxn ang="0">
+                <a:pos x="connsiteX93" y="connsiteY93"/>
+              </a:cxn>
+              <a:cxn ang="0">
+                <a:pos x="connsiteX94" y="connsiteY94"/>
+              </a:cxn>
+              <a:cxn ang="0">
+                <a:pos x="connsiteX95" y="connsiteY95"/>
+              </a:cxn>
+              <a:cxn ang="0">
+                <a:pos x="connsiteX96" y="connsiteY96"/>
+              </a:cxn>
+              <a:cxn ang="0">
+                <a:pos x="connsiteX97" y="connsiteY97"/>
+              </a:cxn>
+              <a:cxn ang="0">
+                <a:pos x="connsiteX98" y="connsiteY98"/>
+              </a:cxn>
+              <a:cxn ang="0">
+                <a:pos x="connsiteX99" y="connsiteY99"/>
+              </a:cxn>
+              <a:cxn ang="0">
+                <a:pos x="connsiteX100" y="connsiteY100"/>
+              </a:cxn>
+              <a:cxn ang="0">
+                <a:pos x="connsiteX101" y="connsiteY101"/>
+              </a:cxn>
+              <a:cxn ang="0">
+                <a:pos x="connsiteX102" y="connsiteY102"/>
+              </a:cxn>
+              <a:cxn ang="0">
+                <a:pos x="connsiteX103" y="connsiteY103"/>
+              </a:cxn>
+              <a:cxn ang="0">
+                <a:pos x="connsiteX104" y="connsiteY104"/>
+              </a:cxn>
+              <a:cxn ang="0">
+                <a:pos x="connsiteX105" y="connsiteY105"/>
+              </a:cxn>
+              <a:cxn ang="0">
+                <a:pos x="connsiteX106" y="connsiteY106"/>
+              </a:cxn>
+              <a:cxn ang="0">
+                <a:pos x="connsiteX107" y="connsiteY107"/>
+              </a:cxn>
+              <a:cxn ang="0">
+                <a:pos x="connsiteX108" y="connsiteY108"/>
+              </a:cxn>
+              <a:cxn ang="0">
+                <a:pos x="connsiteX109" y="connsiteY109"/>
+              </a:cxn>
+            </a:cxnLst>
+            <a:rect l="l" t="t" r="r" b="b"/>
+            <a:pathLst>
+              <a:path w="2374438" h="2438400">
+                <a:moveTo>
+                  <a:pt x="0" y="0"/>
+                </a:moveTo>
+                <a:cubicBezTo>
+                  <a:pt x="3175" y="7938"/>
+                  <a:pt x="6523" y="15808"/>
+                  <a:pt x="9525" y="23813"/>
+                </a:cubicBezTo>
+                <a:cubicBezTo>
+                  <a:pt x="11288" y="28513"/>
+                  <a:pt x="12042" y="33610"/>
+                  <a:pt x="14287" y="38100"/>
+                </a:cubicBezTo>
+                <a:cubicBezTo>
+                  <a:pt x="18160" y="45846"/>
+                  <a:pt x="34321" y="66040"/>
+                  <a:pt x="38100" y="71438"/>
+                </a:cubicBezTo>
+                <a:cubicBezTo>
+                  <a:pt x="44665" y="80816"/>
+                  <a:pt x="57150" y="100013"/>
+                  <a:pt x="57150" y="100013"/>
+                </a:cubicBezTo>
+                <a:cubicBezTo>
+                  <a:pt x="58737" y="106363"/>
+                  <a:pt x="58281" y="113617"/>
+                  <a:pt x="61912" y="119063"/>
+                </a:cubicBezTo>
+                <a:cubicBezTo>
+                  <a:pt x="65087" y="123826"/>
+                  <a:pt x="71854" y="124863"/>
+                  <a:pt x="76200" y="128588"/>
+                </a:cubicBezTo>
+                <a:cubicBezTo>
+                  <a:pt x="83018" y="134432"/>
+                  <a:pt x="88432" y="141794"/>
+                  <a:pt x="95250" y="147638"/>
+                </a:cubicBezTo>
+                <a:cubicBezTo>
+                  <a:pt x="110686" y="160869"/>
+                  <a:pt x="125960" y="174461"/>
+                  <a:pt x="142875" y="185738"/>
+                </a:cubicBezTo>
+                <a:cubicBezTo>
+                  <a:pt x="147637" y="188913"/>
+                  <a:pt x="152043" y="192703"/>
+                  <a:pt x="157162" y="195263"/>
+                </a:cubicBezTo>
+                <a:cubicBezTo>
+                  <a:pt x="161652" y="197508"/>
+                  <a:pt x="166687" y="198438"/>
+                  <a:pt x="171450" y="200025"/>
+                </a:cubicBezTo>
+                <a:cubicBezTo>
+                  <a:pt x="226100" y="243746"/>
+                  <a:pt x="172324" y="205224"/>
+                  <a:pt x="209550" y="223838"/>
+                </a:cubicBezTo>
+                <a:cubicBezTo>
+                  <a:pt x="246472" y="242299"/>
+                  <a:pt x="202218" y="226158"/>
+                  <a:pt x="238125" y="238125"/>
+                </a:cubicBezTo>
+                <a:cubicBezTo>
+                  <a:pt x="308035" y="284732"/>
+                  <a:pt x="234490" y="237408"/>
+                  <a:pt x="285750" y="266700"/>
+                </a:cubicBezTo>
+                <a:cubicBezTo>
+                  <a:pt x="308054" y="279446"/>
+                  <a:pt x="293372" y="276372"/>
+                  <a:pt x="323850" y="285750"/>
+                </a:cubicBezTo>
+                <a:cubicBezTo>
+                  <a:pt x="336362" y="289600"/>
+                  <a:pt x="361950" y="295275"/>
+                  <a:pt x="361950" y="295275"/>
+                </a:cubicBezTo>
+                <a:cubicBezTo>
+                  <a:pt x="384321" y="308698"/>
+                  <a:pt x="385269" y="310986"/>
+                  <a:pt x="409575" y="319088"/>
+                </a:cubicBezTo>
+                <a:cubicBezTo>
+                  <a:pt x="431154" y="326281"/>
+                  <a:pt x="430076" y="320952"/>
+                  <a:pt x="452437" y="333375"/>
+                </a:cubicBezTo>
+                <a:cubicBezTo>
+                  <a:pt x="492177" y="355453"/>
+                  <a:pt x="451043" y="342553"/>
+                  <a:pt x="490537" y="352425"/>
+                </a:cubicBezTo>
+                <a:cubicBezTo>
+                  <a:pt x="496887" y="357188"/>
+                  <a:pt x="502487" y="363163"/>
+                  <a:pt x="509587" y="366713"/>
+                </a:cubicBezTo>
+                <a:cubicBezTo>
+                  <a:pt x="514067" y="368953"/>
+                  <a:pt x="549950" y="375738"/>
+                  <a:pt x="552450" y="376238"/>
+                </a:cubicBezTo>
+                <a:cubicBezTo>
+                  <a:pt x="579705" y="403493"/>
+                  <a:pt x="551290" y="380614"/>
+                  <a:pt x="595312" y="395288"/>
+                </a:cubicBezTo>
+                <a:cubicBezTo>
+                  <a:pt x="684384" y="424979"/>
+                  <a:pt x="544035" y="396127"/>
+                  <a:pt x="671512" y="414338"/>
+                </a:cubicBezTo>
+                <a:cubicBezTo>
+                  <a:pt x="700190" y="418435"/>
+                  <a:pt x="728559" y="424528"/>
+                  <a:pt x="757237" y="428625"/>
+                </a:cubicBezTo>
+                <a:cubicBezTo>
+                  <a:pt x="779462" y="431800"/>
+                  <a:pt x="801897" y="433747"/>
+                  <a:pt x="823912" y="438150"/>
+                </a:cubicBezTo>
+                <a:lnTo>
+                  <a:pt x="895350" y="452438"/>
+                </a:lnTo>
+                <a:lnTo>
+                  <a:pt x="942975" y="461963"/>
+                </a:lnTo>
+                <a:cubicBezTo>
+                  <a:pt x="950912" y="465138"/>
+                  <a:pt x="958677" y="468785"/>
+                  <a:pt x="966787" y="471488"/>
+                </a:cubicBezTo>
+                <a:cubicBezTo>
+                  <a:pt x="976869" y="474849"/>
+                  <a:pt x="1000222" y="479127"/>
+                  <a:pt x="1009650" y="481013"/>
+                </a:cubicBezTo>
+                <a:cubicBezTo>
+                  <a:pt x="1019175" y="485775"/>
+                  <a:pt x="1028337" y="491345"/>
+                  <a:pt x="1038225" y="495300"/>
+                </a:cubicBezTo>
+                <a:cubicBezTo>
+                  <a:pt x="1044302" y="497731"/>
+                  <a:pt x="1051006" y="498182"/>
+                  <a:pt x="1057275" y="500063"/>
+                </a:cubicBezTo>
+                <a:cubicBezTo>
+                  <a:pt x="1066892" y="502948"/>
+                  <a:pt x="1076414" y="506157"/>
+                  <a:pt x="1085850" y="509588"/>
+                </a:cubicBezTo>
+                <a:cubicBezTo>
+                  <a:pt x="1093884" y="512510"/>
+                  <a:pt x="1101340" y="517155"/>
+                  <a:pt x="1109662" y="519113"/>
+                </a:cubicBezTo>
+                <a:cubicBezTo>
+                  <a:pt x="1128461" y="523536"/>
+                  <a:pt x="1166812" y="528638"/>
+                  <a:pt x="1166812" y="528638"/>
+                </a:cubicBezTo>
+                <a:cubicBezTo>
+                  <a:pt x="1176337" y="533400"/>
+                  <a:pt x="1185448" y="539102"/>
+                  <a:pt x="1195387" y="542925"/>
+                </a:cubicBezTo>
+                <a:cubicBezTo>
+                  <a:pt x="1206174" y="547074"/>
+                  <a:pt x="1218388" y="547281"/>
+                  <a:pt x="1228725" y="552450"/>
+                </a:cubicBezTo>
+                <a:cubicBezTo>
+                  <a:pt x="1240939" y="558557"/>
+                  <a:pt x="1250432" y="569106"/>
+                  <a:pt x="1262062" y="576263"/>
+                </a:cubicBezTo>
+                <a:cubicBezTo>
+                  <a:pt x="1287353" y="591827"/>
+                  <a:pt x="1295181" y="591848"/>
+                  <a:pt x="1323975" y="600075"/>
+                </a:cubicBezTo>
+                <a:cubicBezTo>
+                  <a:pt x="1335087" y="606425"/>
+                  <a:pt x="1345691" y="613762"/>
+                  <a:pt x="1357312" y="619125"/>
+                </a:cubicBezTo>
+                <a:cubicBezTo>
+                  <a:pt x="1366428" y="623332"/>
+                  <a:pt x="1376594" y="624848"/>
+                  <a:pt x="1385887" y="628650"/>
+                </a:cubicBezTo>
+                <a:cubicBezTo>
+                  <a:pt x="1411547" y="639148"/>
+                  <a:pt x="1436687" y="650875"/>
+                  <a:pt x="1462087" y="661988"/>
+                </a:cubicBezTo>
+                <a:lnTo>
+                  <a:pt x="1462087" y="661988"/>
+                </a:lnTo>
+                <a:cubicBezTo>
+                  <a:pt x="1516952" y="689420"/>
+                  <a:pt x="1492308" y="682319"/>
+                  <a:pt x="1533525" y="690563"/>
+                </a:cubicBezTo>
+                <a:cubicBezTo>
+                  <a:pt x="1547491" y="701038"/>
+                  <a:pt x="1552938" y="705673"/>
+                  <a:pt x="1566862" y="714375"/>
+                </a:cubicBezTo>
+                <a:cubicBezTo>
+                  <a:pt x="1574712" y="719281"/>
+                  <a:pt x="1583064" y="723394"/>
+                  <a:pt x="1590675" y="728663"/>
+                </a:cubicBezTo>
+                <a:cubicBezTo>
+                  <a:pt x="1603727" y="737699"/>
+                  <a:pt x="1615229" y="748960"/>
+                  <a:pt x="1628775" y="757238"/>
+                </a:cubicBezTo>
+                <a:cubicBezTo>
+                  <a:pt x="1643920" y="766493"/>
+                  <a:pt x="1661181" y="771918"/>
+                  <a:pt x="1676400" y="781050"/>
+                </a:cubicBezTo>
+                <a:lnTo>
+                  <a:pt x="1747837" y="823913"/>
+                </a:lnTo>
+                <a:cubicBezTo>
+                  <a:pt x="1758856" y="830424"/>
+                  <a:pt x="1769411" y="837921"/>
+                  <a:pt x="1781175" y="842963"/>
+                </a:cubicBezTo>
+                <a:lnTo>
+                  <a:pt x="1847850" y="871538"/>
+                </a:lnTo>
+                <a:cubicBezTo>
+                  <a:pt x="1875745" y="883283"/>
+                  <a:pt x="1906570" y="892158"/>
+                  <a:pt x="1928812" y="914400"/>
+                </a:cubicBezTo>
+                <a:cubicBezTo>
+                  <a:pt x="1933575" y="919163"/>
+                  <a:pt x="1937619" y="924773"/>
+                  <a:pt x="1943100" y="928688"/>
+                </a:cubicBezTo>
+                <a:cubicBezTo>
+                  <a:pt x="1998456" y="968229"/>
+                  <a:pt x="1919520" y="900823"/>
+                  <a:pt x="1985962" y="952500"/>
+                </a:cubicBezTo>
+                <a:cubicBezTo>
+                  <a:pt x="1993051" y="958013"/>
+                  <a:pt x="1998254" y="965636"/>
+                  <a:pt x="2005012" y="971550"/>
+                </a:cubicBezTo>
+                <a:cubicBezTo>
+                  <a:pt x="2010986" y="976777"/>
+                  <a:pt x="2017559" y="981286"/>
+                  <a:pt x="2024062" y="985838"/>
+                </a:cubicBezTo>
+                <a:cubicBezTo>
+                  <a:pt x="2033440" y="992403"/>
+                  <a:pt x="2043945" y="997438"/>
+                  <a:pt x="2052637" y="1004888"/>
+                </a:cubicBezTo>
+                <a:cubicBezTo>
+                  <a:pt x="2066274" y="1016577"/>
+                  <a:pt x="2078037" y="1030288"/>
+                  <a:pt x="2090737" y="1042988"/>
+                </a:cubicBezTo>
+                <a:cubicBezTo>
+                  <a:pt x="2097087" y="1049338"/>
+                  <a:pt x="2102603" y="1056650"/>
+                  <a:pt x="2109787" y="1062038"/>
+                </a:cubicBezTo>
+                <a:cubicBezTo>
+                  <a:pt x="2116137" y="1066800"/>
+                  <a:pt x="2122904" y="1071052"/>
+                  <a:pt x="2128837" y="1076325"/>
+                </a:cubicBezTo>
+                <a:cubicBezTo>
+                  <a:pt x="2193584" y="1133878"/>
+                  <a:pt x="2115079" y="1067329"/>
+                  <a:pt x="2171700" y="1123950"/>
+                </a:cubicBezTo>
+                <a:cubicBezTo>
+                  <a:pt x="2175747" y="1127997"/>
+                  <a:pt x="2181940" y="1129428"/>
+                  <a:pt x="2185987" y="1133475"/>
+                </a:cubicBezTo>
+                <a:cubicBezTo>
+                  <a:pt x="2216262" y="1163751"/>
+                  <a:pt x="2203052" y="1168464"/>
+                  <a:pt x="2238375" y="1209675"/>
+                </a:cubicBezTo>
+                <a:lnTo>
+                  <a:pt x="2266950" y="1243013"/>
+                </a:lnTo>
+                <a:cubicBezTo>
+                  <a:pt x="2276822" y="1282507"/>
+                  <a:pt x="2263922" y="1241373"/>
+                  <a:pt x="2286000" y="1281113"/>
+                </a:cubicBezTo>
+                <a:cubicBezTo>
+                  <a:pt x="2317187" y="1337247"/>
+                  <a:pt x="2273020" y="1274918"/>
+                  <a:pt x="2309812" y="1323975"/>
+                </a:cubicBezTo>
+                <a:cubicBezTo>
+                  <a:pt x="2312987" y="1333500"/>
+                  <a:pt x="2316695" y="1342864"/>
+                  <a:pt x="2319337" y="1352550"/>
+                </a:cubicBezTo>
+                <a:cubicBezTo>
+                  <a:pt x="2321467" y="1360360"/>
+                  <a:pt x="2321258" y="1368784"/>
+                  <a:pt x="2324100" y="1376363"/>
+                </a:cubicBezTo>
+                <a:cubicBezTo>
+                  <a:pt x="2326110" y="1381722"/>
+                  <a:pt x="2330450" y="1385888"/>
+                  <a:pt x="2333625" y="1390650"/>
+                </a:cubicBezTo>
+                <a:cubicBezTo>
+                  <a:pt x="2335212" y="1397000"/>
+                  <a:pt x="2336089" y="1403571"/>
+                  <a:pt x="2338387" y="1409700"/>
+                </a:cubicBezTo>
+                <a:cubicBezTo>
+                  <a:pt x="2340880" y="1416348"/>
+                  <a:pt x="2346190" y="1421862"/>
+                  <a:pt x="2347912" y="1428750"/>
+                </a:cubicBezTo>
+                <a:cubicBezTo>
+                  <a:pt x="2352596" y="1447486"/>
+                  <a:pt x="2353248" y="1467047"/>
+                  <a:pt x="2357437" y="1485900"/>
+                </a:cubicBezTo>
+                <a:lnTo>
+                  <a:pt x="2366962" y="1528763"/>
+                </a:lnTo>
+                <a:cubicBezTo>
+                  <a:pt x="2374438" y="1625945"/>
+                  <a:pt x="2374263" y="1593712"/>
+                  <a:pt x="2366962" y="1728788"/>
+                </a:cubicBezTo>
+                <a:cubicBezTo>
+                  <a:pt x="2364910" y="1766752"/>
+                  <a:pt x="2365932" y="1759424"/>
+                  <a:pt x="2352675" y="1785938"/>
+                </a:cubicBezTo>
+                <a:cubicBezTo>
+                  <a:pt x="2349201" y="1806780"/>
+                  <a:pt x="2350425" y="1816710"/>
+                  <a:pt x="2338387" y="1833563"/>
+                </a:cubicBezTo>
+                <a:cubicBezTo>
+                  <a:pt x="2334472" y="1839043"/>
+                  <a:pt x="2328862" y="1843088"/>
+                  <a:pt x="2324100" y="1847850"/>
+                </a:cubicBezTo>
+                <a:cubicBezTo>
+                  <a:pt x="2318111" y="1865816"/>
+                  <a:pt x="2316663" y="1874337"/>
+                  <a:pt x="2300287" y="1890713"/>
+                </a:cubicBezTo>
+                <a:cubicBezTo>
+                  <a:pt x="2295525" y="1895475"/>
+                  <a:pt x="2290312" y="1899826"/>
+                  <a:pt x="2286000" y="1905000"/>
+                </a:cubicBezTo>
+                <a:cubicBezTo>
+                  <a:pt x="2282336" y="1909397"/>
+                  <a:pt x="2280522" y="1915241"/>
+                  <a:pt x="2276475" y="1919288"/>
+                </a:cubicBezTo>
+                <a:cubicBezTo>
+                  <a:pt x="2259315" y="1936448"/>
+                  <a:pt x="2259364" y="1929577"/>
+                  <a:pt x="2243137" y="1943100"/>
+                </a:cubicBezTo>
+                <a:cubicBezTo>
+                  <a:pt x="2201332" y="1977938"/>
+                  <a:pt x="2272641" y="1931369"/>
+                  <a:pt x="2190750" y="1985963"/>
+                </a:cubicBezTo>
+                <a:cubicBezTo>
+                  <a:pt x="2181225" y="1992313"/>
+                  <a:pt x="2171553" y="1998448"/>
+                  <a:pt x="2162175" y="2005013"/>
+                </a:cubicBezTo>
+                <a:cubicBezTo>
+                  <a:pt x="2155672" y="2009565"/>
+                  <a:pt x="2150224" y="2015750"/>
+                  <a:pt x="2143125" y="2019300"/>
+                </a:cubicBezTo>
+                <a:cubicBezTo>
+                  <a:pt x="2134145" y="2023790"/>
+                  <a:pt x="2114550" y="2028825"/>
+                  <a:pt x="2114550" y="2028825"/>
+                </a:cubicBezTo>
+                <a:cubicBezTo>
+                  <a:pt x="2106367" y="2034962"/>
+                  <a:pt x="2090966" y="2047065"/>
+                  <a:pt x="2081212" y="2052638"/>
+                </a:cubicBezTo>
+                <a:cubicBezTo>
+                  <a:pt x="2075048" y="2056160"/>
+                  <a:pt x="2068326" y="2058641"/>
+                  <a:pt x="2062162" y="2062163"/>
+                </a:cubicBezTo>
+                <a:cubicBezTo>
+                  <a:pt x="2036313" y="2076934"/>
+                  <a:pt x="2059782" y="2067719"/>
+                  <a:pt x="2033587" y="2076450"/>
+                </a:cubicBezTo>
+                <a:cubicBezTo>
+                  <a:pt x="1999046" y="2110993"/>
+                  <a:pt x="2043589" y="2070200"/>
+                  <a:pt x="1995487" y="2100263"/>
+                </a:cubicBezTo>
+                <a:cubicBezTo>
+                  <a:pt x="1989776" y="2103832"/>
+                  <a:pt x="1986804" y="2110814"/>
+                  <a:pt x="1981200" y="2114550"/>
+                </a:cubicBezTo>
+                <a:cubicBezTo>
+                  <a:pt x="1977023" y="2117335"/>
+                  <a:pt x="1971526" y="2117335"/>
+                  <a:pt x="1966912" y="2119313"/>
+                </a:cubicBezTo>
+                <a:cubicBezTo>
+                  <a:pt x="1960387" y="2122110"/>
+                  <a:pt x="1953639" y="2124712"/>
+                  <a:pt x="1947862" y="2128838"/>
+                </a:cubicBezTo>
+                <a:cubicBezTo>
+                  <a:pt x="1942382" y="2132753"/>
+                  <a:pt x="1939055" y="2139210"/>
+                  <a:pt x="1933575" y="2143125"/>
+                </a:cubicBezTo>
+                <a:cubicBezTo>
+                  <a:pt x="1927798" y="2147251"/>
+                  <a:pt x="1920613" y="2148997"/>
+                  <a:pt x="1914525" y="2152650"/>
+                </a:cubicBezTo>
+                <a:cubicBezTo>
+                  <a:pt x="1904709" y="2158540"/>
+                  <a:pt x="1896189" y="2166580"/>
+                  <a:pt x="1885950" y="2171700"/>
+                </a:cubicBezTo>
+                <a:cubicBezTo>
+                  <a:pt x="1876970" y="2176190"/>
+                  <a:pt x="1857375" y="2181225"/>
+                  <a:pt x="1857375" y="2181225"/>
+                </a:cubicBezTo>
+                <a:cubicBezTo>
+                  <a:pt x="1800648" y="2223772"/>
+                  <a:pt x="1872776" y="2173524"/>
+                  <a:pt x="1819275" y="2200275"/>
+                </a:cubicBezTo>
+                <a:cubicBezTo>
+                  <a:pt x="1770703" y="2224561"/>
+                  <a:pt x="1827952" y="2207632"/>
+                  <a:pt x="1781175" y="2219325"/>
+                </a:cubicBezTo>
+                <a:cubicBezTo>
+                  <a:pt x="1774825" y="2222500"/>
+                  <a:pt x="1768717" y="2226213"/>
+                  <a:pt x="1762125" y="2228850"/>
+                </a:cubicBezTo>
+                <a:cubicBezTo>
+                  <a:pt x="1752803" y="2232579"/>
+                  <a:pt x="1733550" y="2238375"/>
+                  <a:pt x="1733550" y="2238375"/>
+                </a:cubicBezTo>
+                <a:cubicBezTo>
+                  <a:pt x="1691519" y="2266395"/>
+                  <a:pt x="1758702" y="2223417"/>
+                  <a:pt x="1690687" y="2257425"/>
+                </a:cubicBezTo>
+                <a:cubicBezTo>
+                  <a:pt x="1627505" y="2289016"/>
+                  <a:pt x="1706403" y="2250689"/>
+                  <a:pt x="1657350" y="2271713"/>
+                </a:cubicBezTo>
+                <a:cubicBezTo>
+                  <a:pt x="1622490" y="2286654"/>
+                  <a:pt x="1654367" y="2277222"/>
+                  <a:pt x="1619250" y="2286000"/>
+                </a:cubicBezTo>
+                <a:cubicBezTo>
+                  <a:pt x="1614487" y="2289175"/>
+                  <a:pt x="1609932" y="2292685"/>
+                  <a:pt x="1604962" y="2295525"/>
+                </a:cubicBezTo>
+                <a:cubicBezTo>
+                  <a:pt x="1557031" y="2322914"/>
+                  <a:pt x="1433114" y="2355945"/>
+                  <a:pt x="1428750" y="2357438"/>
+                </a:cubicBezTo>
+                <a:cubicBezTo>
+                  <a:pt x="1380081" y="2374088"/>
+                  <a:pt x="1427608" y="2361296"/>
+                  <a:pt x="1385887" y="2371725"/>
+                </a:cubicBezTo>
+                <a:cubicBezTo>
+                  <a:pt x="1345904" y="2401713"/>
+                  <a:pt x="1389364" y="2373399"/>
+                  <a:pt x="1343025" y="2390775"/>
+                </a:cubicBezTo>
+                <a:cubicBezTo>
+                  <a:pt x="1337665" y="2392785"/>
+                  <a:pt x="1333968" y="2397975"/>
+                  <a:pt x="1328737" y="2400300"/>
+                </a:cubicBezTo>
+                <a:cubicBezTo>
+                  <a:pt x="1319562" y="2404378"/>
+                  <a:pt x="1300162" y="2409825"/>
+                  <a:pt x="1300162" y="2409825"/>
+                </a:cubicBezTo>
+                <a:cubicBezTo>
+                  <a:pt x="1292543" y="2432686"/>
+                  <a:pt x="1301433" y="2418715"/>
+                  <a:pt x="1281112" y="2428875"/>
+                </a:cubicBezTo>
+                <a:cubicBezTo>
+                  <a:pt x="1275993" y="2431435"/>
+                  <a:pt x="1266825" y="2438400"/>
+                  <a:pt x="1266825" y="2438400"/>
+                </a:cubicBezTo>
+              </a:path>
+            </a:pathLst>
+          </a:custGeom>
+          <a:ln>
+            <a:tailEnd type="triangle"/>
+          </a:ln>
+        </p:spPr>
+        <p:style>
+          <a:lnRef idx="1">
+            <a:schemeClr val="accent1"/>
+          </a:lnRef>
+          <a:fillRef idx="0">
+            <a:schemeClr val="accent1"/>
+          </a:fillRef>
+          <a:effectRef idx="0">
+            <a:schemeClr val="accent1"/>
+          </a:effectRef>
+          <a:fontRef idx="minor">
+            <a:schemeClr val="tx1"/>
+          </a:fontRef>
+        </p:style>
+        <p:txBody>
+          <a:bodyPr rtlCol="0" anchor="ctr"/>
+          <a:lstStyle/>
+          <a:p>
+            <a:pPr algn="ctr"/>
+            <a:endParaRPr lang="ko-KR" altLang="en-US"/>
+          </a:p>
+        </p:txBody>
+      </p:sp>
+      <p:cxnSp>
+        <p:nvCxnSpPr>
+          <p:cNvPr id="10" name="직선 연결선 9"/>
+          <p:cNvCxnSpPr/>
+          <p:nvPr/>
+        </p:nvCxnSpPr>
+        <p:spPr>
+          <a:xfrm rot="5400000">
+            <a:off x="3143240" y="3500438"/>
+            <a:ext cx="2428892" cy="1588"/>
+          </a:xfrm>
+          <a:prstGeom prst="line">
+            <a:avLst/>
+          </a:prstGeom>
+        </p:spPr>
+        <p:style>
+          <a:lnRef idx="1">
+            <a:schemeClr val="accent1"/>
+          </a:lnRef>
+          <a:fillRef idx="0">
+            <a:schemeClr val="accent1"/>
+          </a:fillRef>
+          <a:effectRef idx="0">
+            <a:schemeClr val="accent1"/>
+          </a:effectRef>
+          <a:fontRef idx="minor">
+            <a:schemeClr val="tx1"/>
+          </a:fontRef>
+        </p:style>
+      </p:cxnSp>
+      <p:sp>
+        <p:nvSpPr>
+          <p:cNvPr id="11" name="TextBox 10"/>
+          <p:cNvSpPr txBox="1"/>
+          <p:nvPr/>
+        </p:nvSpPr>
+        <p:spPr>
+          <a:xfrm>
+            <a:off x="4572000" y="2500306"/>
+            <a:ext cx="4086760" cy="830997"/>
+          </a:xfrm>
+          <a:prstGeom prst="rect">
+            <a:avLst/>
+          </a:prstGeom>
+          <a:noFill/>
+        </p:spPr>
+        <p:txBody>
+          <a:bodyPr wrap="none" rtlCol="0">
+            <a:spAutoFit/>
+          </a:bodyPr>
+          <a:lstStyle/>
+          <a:p>
+            <a:r>
+              <a:rPr lang="en-US" altLang="ko-KR" sz="1600" dirty="0" smtClean="0"/>
+              <a:t>&lt;bean id=“</a:t>
+            </a:r>
+            <a:r>
+              <a:rPr lang="en-US" altLang="ko-KR" sz="1600" dirty="0" err="1" smtClean="0"/>
+              <a:t>si</a:t>
+            </a:r>
+            <a:r>
+              <a:rPr lang="en-US" altLang="ko-KR" sz="1600" dirty="0" smtClean="0"/>
+              <a:t>” class=“</a:t>
+            </a:r>
+            <a:r>
+              <a:rPr lang="en-US" altLang="ko-KR" sz="1600" dirty="0" err="1" smtClean="0"/>
+              <a:t>ServiceImpl</a:t>
+            </a:r>
+            <a:r>
+              <a:rPr lang="en-US" altLang="ko-KR" sz="1600" dirty="0" smtClean="0"/>
+              <a:t>”&gt;</a:t>
+            </a:r>
+          </a:p>
+          <a:p>
+            <a:r>
+              <a:rPr lang="en-US" altLang="ko-KR" sz="1600" dirty="0" smtClean="0"/>
+              <a:t> </a:t>
+            </a:r>
+            <a:r>
+              <a:rPr lang="en-US" altLang="ko-KR" sz="1600" dirty="0" smtClean="0"/>
+              <a:t> &lt;property name=“</a:t>
+            </a:r>
+            <a:r>
+              <a:rPr lang="en-US" altLang="ko-KR" sz="1600" dirty="0" err="1" smtClean="0"/>
+              <a:t>dao</a:t>
+            </a:r>
+            <a:r>
+              <a:rPr lang="en-US" altLang="ko-KR" sz="1600" dirty="0" smtClean="0"/>
+              <a:t>” ref=“</a:t>
+            </a:r>
+            <a:r>
+              <a:rPr lang="en-US" altLang="ko-KR" sz="1600" dirty="0" err="1" smtClean="0"/>
+              <a:t>dao</a:t>
+            </a:r>
+            <a:r>
+              <a:rPr lang="ko-KR" altLang="en-US" sz="1600" dirty="0" smtClean="0"/>
+              <a:t>객체</a:t>
+            </a:r>
+            <a:r>
+              <a:rPr lang="en-US" altLang="ko-KR" sz="1600" dirty="0" smtClean="0"/>
+              <a:t>”/&gt;</a:t>
+            </a:r>
+          </a:p>
+          <a:p>
+            <a:r>
+              <a:rPr lang="en-US" altLang="ko-KR" sz="1600" dirty="0" smtClean="0"/>
+              <a:t>&lt;/bean&gt;</a:t>
+            </a:r>
+            <a:endParaRPr lang="ko-KR" altLang="en-US" sz="1600" dirty="0"/>
+          </a:p>
+        </p:txBody>
+      </p:sp>
+    </p:spTree>
+  </p:cSld>
+  <p:clrMapOvr>
+    <a:masterClrMapping/>
+  </p:clrMapOvr>
+</p:sld>
+</file>
+
+<file path=ppt/slides/slide6.xml><?xml version="1.0" encoding="utf-8"?>
+<p:sld xmlns:a="http://schemas.openxmlformats.org/drawingml/2006/main" xmlns:r="http://schemas.openxmlformats.org/officeDocument/2006/relationships" xmlns:p="http://schemas.openxmlformats.org/presentationml/2006/main">
+  <p:cSld>
+    <p:spTree>
+      <p:nvGrpSpPr>
+        <p:cNvPr id="1" name=""/>
+        <p:cNvGrpSpPr/>
+        <p:nvPr/>
+      </p:nvGrpSpPr>
+      <p:grpSpPr>
+        <a:xfrm>
+          <a:off x="0" y="0"/>
+          <a:ext cx="0" cy="0"/>
+          <a:chOff x="0" y="0"/>
+          <a:chExt cx="0" cy="0"/>
+        </a:xfrm>
+      </p:grpSpPr>
+      <p:sp>
+        <p:nvSpPr>
+          <p:cNvPr id="4" name="TextBox 3"/>
+          <p:cNvSpPr txBox="1"/>
+          <p:nvPr/>
+        </p:nvSpPr>
+        <p:spPr>
+          <a:xfrm>
+            <a:off x="285720" y="214290"/>
+            <a:ext cx="6785191" cy="4616648"/>
+          </a:xfrm>
+          <a:prstGeom prst="rect">
+            <a:avLst/>
+          </a:prstGeom>
+          <a:noFill/>
+        </p:spPr>
+        <p:txBody>
+          <a:bodyPr wrap="none" rtlCol="0">
+            <a:spAutoFit/>
+          </a:bodyPr>
+          <a:lstStyle/>
+          <a:p>
+            <a:r>
+              <a:rPr lang="en-US" altLang="ko-KR" sz="1400" dirty="0" smtClean="0"/>
+              <a:t>*</a:t>
+            </a:r>
+            <a:r>
+              <a:rPr lang="ko-KR" altLang="en-US" sz="1400" dirty="0" smtClean="0"/>
+              <a:t>다양한 </a:t>
+            </a:r>
+            <a:r>
+              <a:rPr lang="en-US" altLang="ko-KR" sz="1400" dirty="0" smtClean="0"/>
+              <a:t>Injection</a:t>
+            </a:r>
+          </a:p>
+          <a:p>
+            <a:r>
+              <a:rPr lang="en-US" altLang="ko-KR" sz="1400" dirty="0"/>
+              <a:t> </a:t>
+            </a:r>
+            <a:r>
+              <a:rPr lang="en-US" altLang="ko-KR" sz="1400" dirty="0" smtClean="0"/>
+              <a:t>- </a:t>
+            </a:r>
+            <a:r>
+              <a:rPr lang="ko-KR" altLang="en-US" sz="1400" dirty="0" smtClean="0"/>
+              <a:t>정수의 </a:t>
+            </a:r>
+            <a:r>
+              <a:rPr lang="en-US" altLang="ko-KR" sz="1400" dirty="0" smtClean="0"/>
+              <a:t>Injection  value</a:t>
+            </a:r>
+            <a:r>
+              <a:rPr lang="ko-KR" altLang="en-US" sz="1400" dirty="0" smtClean="0"/>
+              <a:t>속성</a:t>
+            </a:r>
+            <a:r>
+              <a:rPr lang="en-US" altLang="ko-KR" sz="1400" dirty="0" smtClean="0"/>
+              <a:t>(value =“</a:t>
+            </a:r>
+            <a:r>
+              <a:rPr lang="ko-KR" altLang="en-US" sz="1400" dirty="0" smtClean="0"/>
+              <a:t>값</a:t>
+            </a:r>
+            <a:r>
+              <a:rPr lang="en-US" altLang="ko-KR" sz="1400" dirty="0" smtClean="0"/>
+              <a:t>”)</a:t>
+            </a:r>
+            <a:r>
+              <a:rPr lang="ko-KR" altLang="en-US" sz="1400" dirty="0" smtClean="0"/>
+              <a:t>과 </a:t>
+            </a:r>
+            <a:r>
+              <a:rPr lang="en-US" altLang="ko-KR" sz="1400" dirty="0" smtClean="0"/>
+              <a:t>type</a:t>
+            </a:r>
+            <a:r>
+              <a:rPr lang="ko-KR" altLang="en-US" sz="1400" dirty="0" smtClean="0"/>
+              <a:t>속성</a:t>
+            </a:r>
+            <a:r>
+              <a:rPr lang="en-US" altLang="ko-KR" sz="1400" dirty="0" smtClean="0"/>
+              <a:t>( type=“</a:t>
+            </a:r>
+            <a:r>
+              <a:rPr lang="ko-KR" altLang="en-US" sz="1400" dirty="0" err="1" smtClean="0"/>
+              <a:t>데이터형</a:t>
+            </a:r>
+            <a:r>
+              <a:rPr lang="en-US" altLang="ko-KR" sz="1400" dirty="0" smtClean="0"/>
+              <a:t>”) </a:t>
+            </a:r>
+            <a:r>
+              <a:rPr lang="ko-KR" altLang="en-US" sz="1400" dirty="0" smtClean="0"/>
+              <a:t>을 사용</a:t>
+            </a:r>
+            <a:r>
+              <a:rPr lang="en-US" altLang="ko-KR" sz="1400" dirty="0" smtClean="0"/>
+              <a:t>.</a:t>
+            </a:r>
+          </a:p>
+          <a:p>
+            <a:endParaRPr lang="en-US" altLang="ko-KR" sz="1400" dirty="0"/>
+          </a:p>
+          <a:p>
+            <a:r>
+              <a:rPr lang="en-US" altLang="ko-KR" sz="1400" dirty="0" smtClean="0"/>
+              <a:t> </a:t>
+            </a:r>
+            <a:r>
+              <a:rPr lang="ko-KR" altLang="en-US" sz="1400" dirty="0" smtClean="0"/>
+              <a:t>사용법</a:t>
+            </a:r>
+            <a:r>
+              <a:rPr lang="en-US" altLang="ko-KR" sz="1400" dirty="0" smtClean="0"/>
+              <a:t>)</a:t>
+            </a:r>
+          </a:p>
+          <a:p>
+            <a:r>
+              <a:rPr lang="en-US" altLang="ko-KR" sz="1400" dirty="0"/>
+              <a:t>  </a:t>
+            </a:r>
+            <a:r>
+              <a:rPr lang="en-US" altLang="ko-KR" sz="1400" dirty="0" smtClean="0"/>
+              <a:t>&lt;bean id=“</a:t>
+            </a:r>
+            <a:r>
+              <a:rPr lang="ko-KR" altLang="en-US" sz="1400" dirty="0" err="1" smtClean="0"/>
+              <a:t>객체명</a:t>
+            </a:r>
+            <a:r>
+              <a:rPr lang="en-US" altLang="ko-KR" sz="1400" dirty="0" smtClean="0"/>
+              <a:t>” class=“</a:t>
+            </a:r>
+            <a:r>
+              <a:rPr lang="ko-KR" altLang="en-US" sz="1400" dirty="0" err="1" smtClean="0"/>
+              <a:t>패키지명</a:t>
+            </a:r>
+            <a:r>
+              <a:rPr lang="en-US" altLang="ko-KR" sz="1400" dirty="0" smtClean="0"/>
+              <a:t>.</a:t>
+            </a:r>
+            <a:r>
+              <a:rPr lang="ko-KR" altLang="en-US" sz="1400" dirty="0" err="1" smtClean="0"/>
+              <a:t>의존성주입받을</a:t>
+            </a:r>
+            <a:r>
+              <a:rPr lang="ko-KR" altLang="en-US" sz="1400" dirty="0" smtClean="0"/>
+              <a:t> 클래스</a:t>
+            </a:r>
+            <a:r>
+              <a:rPr lang="en-US" altLang="ko-KR" sz="1400" dirty="0" smtClean="0"/>
+              <a:t>”&gt;</a:t>
+            </a:r>
+          </a:p>
+          <a:p>
+            <a:r>
+              <a:rPr lang="en-US" altLang="ko-KR" sz="1400" dirty="0"/>
+              <a:t> </a:t>
+            </a:r>
+            <a:r>
+              <a:rPr lang="en-US" altLang="ko-KR" sz="1400" dirty="0" smtClean="0"/>
+              <a:t>  &lt;</a:t>
+            </a:r>
+            <a:r>
+              <a:rPr lang="en-US" altLang="ko-KR" sz="1400" dirty="0" smtClean="0"/>
+              <a:t>constructor-</a:t>
+            </a:r>
+            <a:r>
+              <a:rPr lang="en-US" altLang="ko-KR" sz="1400" dirty="0" err="1" smtClean="0"/>
+              <a:t>arg</a:t>
+            </a:r>
+            <a:r>
+              <a:rPr lang="en-US" altLang="ko-KR" sz="1400" dirty="0" smtClean="0"/>
+              <a:t> </a:t>
+            </a:r>
+            <a:r>
+              <a:rPr lang="en-US" altLang="ko-KR" sz="1400" b="1" dirty="0" smtClean="0"/>
+              <a:t>value=“</a:t>
+            </a:r>
+            <a:r>
+              <a:rPr lang="ko-KR" altLang="en-US" sz="1400" b="1" dirty="0" smtClean="0"/>
+              <a:t>값</a:t>
+            </a:r>
+            <a:r>
+              <a:rPr lang="en-US" altLang="ko-KR" sz="1400" b="1" dirty="0" smtClean="0"/>
+              <a:t>” type=“</a:t>
+            </a:r>
+            <a:r>
+              <a:rPr lang="ko-KR" altLang="en-US" sz="1400" b="1" dirty="0" err="1" smtClean="0"/>
+              <a:t>데이터형</a:t>
+            </a:r>
+            <a:r>
+              <a:rPr lang="en-US" altLang="ko-KR" sz="1400" b="1" dirty="0" smtClean="0"/>
+              <a:t>”</a:t>
+            </a:r>
+            <a:r>
+              <a:rPr lang="en-US" altLang="ko-KR" sz="1400" dirty="0" smtClean="0"/>
+              <a:t>/&gt;</a:t>
+            </a:r>
+          </a:p>
+          <a:p>
+            <a:r>
+              <a:rPr lang="en-US" altLang="ko-KR" sz="1400" dirty="0"/>
+              <a:t> </a:t>
+            </a:r>
+            <a:r>
+              <a:rPr lang="en-US" altLang="ko-KR" sz="1400" dirty="0" smtClean="0"/>
+              <a:t> &lt;/bean&gt;</a:t>
+            </a:r>
+          </a:p>
+          <a:p>
+            <a:endParaRPr lang="en-US" altLang="ko-KR" sz="1400" dirty="0"/>
+          </a:p>
+          <a:p>
+            <a:endParaRPr lang="en-US" altLang="ko-KR" sz="1400" dirty="0" smtClean="0"/>
+          </a:p>
+          <a:p>
+            <a:endParaRPr lang="en-US" altLang="ko-KR" sz="1400" dirty="0"/>
+          </a:p>
+          <a:p>
+            <a:endParaRPr lang="en-US" altLang="ko-KR" sz="1400" dirty="0" smtClean="0"/>
+          </a:p>
+          <a:p>
+            <a:r>
+              <a:rPr lang="en-US" altLang="ko-KR" sz="1400" dirty="0"/>
+              <a:t> </a:t>
+            </a:r>
+            <a:r>
+              <a:rPr lang="en-US" altLang="ko-KR" sz="1400" dirty="0" smtClean="0"/>
+              <a:t> public class </a:t>
+            </a:r>
+            <a:r>
+              <a:rPr lang="en-US" altLang="ko-KR" sz="1400" dirty="0" err="1" smtClean="0"/>
+              <a:t>TestService</a:t>
+            </a:r>
+            <a:r>
+              <a:rPr lang="en-US" altLang="ko-KR" sz="1400" dirty="0" smtClean="0"/>
+              <a:t>{</a:t>
+            </a:r>
+          </a:p>
+          <a:p>
+            <a:r>
+              <a:rPr lang="en-US" altLang="ko-KR" sz="1400" dirty="0" smtClean="0"/>
+              <a:t>    private </a:t>
+            </a:r>
+            <a:r>
+              <a:rPr lang="en-US" altLang="ko-KR" sz="1400" dirty="0" err="1" smtClean="0"/>
+              <a:t>int</a:t>
+            </a:r>
+            <a:r>
+              <a:rPr lang="en-US" altLang="ko-KR" sz="1400" dirty="0" smtClean="0"/>
+              <a:t> value;</a:t>
+            </a:r>
+          </a:p>
+          <a:p>
+            <a:r>
+              <a:rPr lang="en-US" altLang="ko-KR" sz="1400" dirty="0"/>
+              <a:t> </a:t>
+            </a:r>
+            <a:r>
+              <a:rPr lang="en-US" altLang="ko-KR" sz="1400" dirty="0" smtClean="0"/>
+              <a:t>   private String value2;</a:t>
+            </a:r>
+          </a:p>
+          <a:p>
+            <a:endParaRPr lang="en-US" altLang="ko-KR" sz="1400" dirty="0"/>
+          </a:p>
+          <a:p>
+            <a:r>
+              <a:rPr lang="en-US" altLang="ko-KR" sz="1400" dirty="0" smtClean="0"/>
+              <a:t>    public </a:t>
+            </a:r>
+            <a:r>
+              <a:rPr lang="en-US" altLang="ko-KR" sz="1400" dirty="0" err="1" smtClean="0"/>
+              <a:t>TestService</a:t>
+            </a:r>
+            <a:r>
+              <a:rPr lang="en-US" altLang="ko-KR" sz="1400" dirty="0" smtClean="0"/>
+              <a:t>(</a:t>
+            </a:r>
+            <a:r>
+              <a:rPr lang="en-US" altLang="ko-KR" sz="1400" dirty="0" err="1" smtClean="0"/>
+              <a:t>int</a:t>
+            </a:r>
+            <a:r>
+              <a:rPr lang="en-US" altLang="ko-KR" sz="1400" dirty="0" smtClean="0"/>
+              <a:t> value){</a:t>
+            </a:r>
+          </a:p>
+          <a:p>
+            <a:r>
+              <a:rPr lang="en-US" altLang="ko-KR" sz="1400" dirty="0" smtClean="0"/>
+              <a:t>     </a:t>
+            </a:r>
+            <a:r>
+              <a:rPr lang="en-US" altLang="ko-KR" sz="1400" dirty="0" err="1" smtClean="0"/>
+              <a:t>this.value</a:t>
+            </a:r>
+            <a:r>
+              <a:rPr lang="en-US" altLang="ko-KR" sz="1400" dirty="0" smtClean="0"/>
+              <a:t>=value;</a:t>
+            </a:r>
+          </a:p>
+          <a:p>
+            <a:r>
+              <a:rPr lang="en-US" altLang="ko-KR" sz="1400" dirty="0"/>
+              <a:t> </a:t>
+            </a:r>
+            <a:r>
+              <a:rPr lang="en-US" altLang="ko-KR" sz="1400" dirty="0" smtClean="0"/>
+              <a:t>   }</a:t>
+            </a:r>
+          </a:p>
+          <a:p>
+            <a:r>
+              <a:rPr lang="en-US" altLang="ko-KR" sz="1400" dirty="0" smtClean="0"/>
+              <a:t>   public </a:t>
+            </a:r>
+            <a:r>
+              <a:rPr lang="en-US" altLang="ko-KR" sz="1400" dirty="0" err="1" smtClean="0"/>
+              <a:t>TestService</a:t>
+            </a:r>
+            <a:r>
+              <a:rPr lang="en-US" altLang="ko-KR" sz="1400" dirty="0" smtClean="0"/>
+              <a:t>(String value2){</a:t>
+            </a:r>
+          </a:p>
+          <a:p>
+            <a:r>
+              <a:rPr lang="en-US" altLang="ko-KR" sz="1400" dirty="0" smtClean="0"/>
+              <a:t>     this.value2=value2;</a:t>
+            </a:r>
+          </a:p>
+          <a:p>
+            <a:r>
+              <a:rPr lang="en-US" altLang="ko-KR" sz="1400" dirty="0" smtClean="0"/>
+              <a:t>    }</a:t>
+            </a:r>
+            <a:endParaRPr lang="ko-KR" altLang="en-US" sz="1400" dirty="0"/>
+          </a:p>
+        </p:txBody>
+      </p:sp>
+      <p:cxnSp>
+        <p:nvCxnSpPr>
+          <p:cNvPr id="6" name="직선 화살표 연결선 5"/>
+          <p:cNvCxnSpPr/>
+          <p:nvPr/>
+        </p:nvCxnSpPr>
+        <p:spPr>
+          <a:xfrm rot="10800000">
+            <a:off x="3857620" y="1571612"/>
+            <a:ext cx="142876" cy="71438"/>
+          </a:xfrm>
+          <a:prstGeom prst="straightConnector1">
+            <a:avLst/>
+          </a:prstGeom>
+          <a:ln>
+            <a:tailEnd type="arrow"/>
+          </a:ln>
+        </p:spPr>
+        <p:style>
+          <a:lnRef idx="1">
+            <a:schemeClr val="accent1"/>
+          </a:lnRef>
+          <a:fillRef idx="0">
+            <a:schemeClr val="accent1"/>
+          </a:fillRef>
+          <a:effectRef idx="0">
+            <a:schemeClr val="accent1"/>
+          </a:effectRef>
+          <a:fontRef idx="minor">
+            <a:schemeClr val="tx1"/>
+          </a:fontRef>
+        </p:style>
+      </p:cxnSp>
+      <p:sp>
+        <p:nvSpPr>
+          <p:cNvPr id="8" name="TextBox 7"/>
+          <p:cNvSpPr txBox="1"/>
+          <p:nvPr/>
+        </p:nvSpPr>
+        <p:spPr>
+          <a:xfrm>
+            <a:off x="3857620" y="1571612"/>
+            <a:ext cx="4333238" cy="646331"/>
+          </a:xfrm>
+          <a:prstGeom prst="rect">
+            <a:avLst/>
+          </a:prstGeom>
+          <a:noFill/>
+        </p:spPr>
+        <p:txBody>
+          <a:bodyPr wrap="none" rtlCol="0">
+            <a:spAutoFit/>
+          </a:bodyPr>
+          <a:lstStyle/>
+          <a:p>
+            <a:r>
+              <a:rPr lang="en-US" altLang="ko-KR" sz="1200" dirty="0" smtClean="0"/>
+              <a:t>type</a:t>
+            </a:r>
+            <a:r>
+              <a:rPr lang="ko-KR" altLang="en-US" sz="1200" dirty="0" smtClean="0"/>
+              <a:t>속성을 생략하면 숫자형태 일지라도 문자열로</a:t>
+            </a:r>
+            <a:r>
+              <a:rPr lang="en-US" altLang="ko-KR" sz="1200" dirty="0" smtClean="0"/>
+              <a:t> </a:t>
+            </a:r>
+            <a:r>
+              <a:rPr lang="ko-KR" altLang="en-US" sz="1200" dirty="0" smtClean="0"/>
+              <a:t>들어간다</a:t>
+            </a:r>
+            <a:r>
+              <a:rPr lang="en-US" altLang="ko-KR" sz="1200" dirty="0" smtClean="0"/>
+              <a:t>.</a:t>
+            </a:r>
+          </a:p>
+          <a:p>
+            <a:r>
+              <a:rPr lang="en-US" altLang="ko-KR" sz="1200" dirty="0" smtClean="0"/>
+              <a:t>type</a:t>
+            </a:r>
+            <a:r>
+              <a:rPr lang="ko-KR" altLang="en-US" sz="1200" dirty="0" smtClean="0"/>
+              <a:t>예</a:t>
+            </a:r>
+            <a:r>
+              <a:rPr lang="en-US" altLang="ko-KR" sz="1200" dirty="0" smtClean="0"/>
+              <a:t>)</a:t>
+            </a:r>
+          </a:p>
+          <a:p>
+            <a:r>
+              <a:rPr lang="en-US" altLang="ko-KR" sz="1200" dirty="0" smtClean="0"/>
+              <a:t>type=“</a:t>
+            </a:r>
+            <a:r>
+              <a:rPr lang="en-US" altLang="ko-KR" sz="1200" dirty="0" err="1" smtClean="0"/>
+              <a:t>java.lang.String</a:t>
+            </a:r>
+            <a:r>
+              <a:rPr lang="en-US" altLang="ko-KR" sz="1200" dirty="0" smtClean="0"/>
+              <a:t>” type=“</a:t>
+            </a:r>
+            <a:r>
+              <a:rPr lang="en-US" altLang="ko-KR" sz="1200" dirty="0" err="1" smtClean="0"/>
+              <a:t>int</a:t>
+            </a:r>
+            <a:r>
+              <a:rPr lang="en-US" altLang="ko-KR" sz="1200" dirty="0" smtClean="0"/>
+              <a:t>” ,”long”</a:t>
+            </a:r>
+            <a:endParaRPr lang="ko-KR" altLang="en-US" sz="1200" dirty="0"/>
+          </a:p>
+        </p:txBody>
+      </p:sp>
+      <p:cxnSp>
+        <p:nvCxnSpPr>
+          <p:cNvPr id="10" name="직선 연결선 9"/>
+          <p:cNvCxnSpPr/>
+          <p:nvPr/>
+        </p:nvCxnSpPr>
+        <p:spPr>
+          <a:xfrm rot="5400000">
+            <a:off x="2500298" y="4071942"/>
+            <a:ext cx="2714644" cy="1588"/>
+          </a:xfrm>
+          <a:prstGeom prst="line">
+            <a:avLst/>
+          </a:prstGeom>
+        </p:spPr>
+        <p:style>
+          <a:lnRef idx="1">
+            <a:schemeClr val="accent1"/>
+          </a:lnRef>
+          <a:fillRef idx="0">
+            <a:schemeClr val="accent1"/>
+          </a:fillRef>
+          <a:effectRef idx="0">
+            <a:schemeClr val="accent1"/>
+          </a:effectRef>
+          <a:fontRef idx="minor">
+            <a:schemeClr val="tx1"/>
+          </a:fontRef>
+        </p:style>
+      </p:cxnSp>
+      <p:sp>
+        <p:nvSpPr>
+          <p:cNvPr id="11" name="TextBox 10"/>
+          <p:cNvSpPr txBox="1"/>
+          <p:nvPr/>
+        </p:nvSpPr>
+        <p:spPr>
+          <a:xfrm>
+            <a:off x="4071934" y="2786058"/>
+            <a:ext cx="5653471" cy="2031325"/>
+          </a:xfrm>
+          <a:prstGeom prst="rect">
+            <a:avLst/>
+          </a:prstGeom>
+          <a:noFill/>
+        </p:spPr>
+        <p:txBody>
+          <a:bodyPr wrap="none" rtlCol="0">
+            <a:spAutoFit/>
+          </a:bodyPr>
+          <a:lstStyle/>
+          <a:p>
+            <a:r>
+              <a:rPr lang="en-US" altLang="ko-KR" sz="1400" dirty="0" smtClean="0"/>
+              <a:t>&lt;bean id=“</a:t>
+            </a:r>
+            <a:r>
+              <a:rPr lang="en-US" altLang="ko-KR" sz="1400" dirty="0" err="1" smtClean="0"/>
+              <a:t>ts</a:t>
+            </a:r>
+            <a:r>
+              <a:rPr lang="en-US" altLang="ko-KR" sz="1400" dirty="0" smtClean="0"/>
+              <a:t>” class=“</a:t>
+            </a:r>
+            <a:r>
+              <a:rPr lang="en-US" altLang="ko-KR" sz="1400" dirty="0" err="1" smtClean="0"/>
+              <a:t>TestService</a:t>
+            </a:r>
+            <a:r>
+              <a:rPr lang="en-US" altLang="ko-KR" sz="1400" dirty="0" smtClean="0"/>
+              <a:t>”&gt;</a:t>
+            </a:r>
+          </a:p>
+          <a:p>
+            <a:r>
+              <a:rPr lang="en-US" altLang="ko-KR" sz="1400" dirty="0" smtClean="0"/>
+              <a:t>   &lt;constructor-</a:t>
+            </a:r>
+            <a:r>
+              <a:rPr lang="en-US" altLang="ko-KR" sz="1400" dirty="0" err="1" smtClean="0"/>
+              <a:t>args</a:t>
+            </a:r>
+            <a:r>
+              <a:rPr lang="en-US" altLang="ko-KR" sz="1400" dirty="0" smtClean="0"/>
+              <a:t> value=“2023”/&gt;</a:t>
+            </a:r>
+          </a:p>
+          <a:p>
+            <a:r>
+              <a:rPr lang="en-US" altLang="ko-KR" sz="1400" dirty="0" smtClean="0"/>
+              <a:t>  &lt;!-- &lt;constructor-</a:t>
+            </a:r>
+            <a:r>
+              <a:rPr lang="en-US" altLang="ko-KR" sz="1400" dirty="0" err="1" smtClean="0"/>
+              <a:t>args</a:t>
+            </a:r>
+            <a:r>
+              <a:rPr lang="en-US" altLang="ko-KR" sz="1400" dirty="0" smtClean="0"/>
+              <a:t> value=“2023” type=“</a:t>
+            </a:r>
+            <a:r>
+              <a:rPr lang="en-US" altLang="ko-KR" sz="1400" dirty="0" err="1" smtClean="0"/>
+              <a:t>java.lang.String</a:t>
+            </a:r>
+            <a:r>
+              <a:rPr lang="en-US" altLang="ko-KR" sz="1400" dirty="0" smtClean="0"/>
+              <a:t>”/&gt;</a:t>
+            </a:r>
+            <a:r>
+              <a:rPr lang="en-US" altLang="ko-KR" sz="1400" dirty="0" smtClean="0">
+                <a:sym typeface="Wingdings" pitchFamily="2" charset="2"/>
+              </a:rPr>
+              <a:t>--&gt;</a:t>
+            </a:r>
+            <a:endParaRPr lang="en-US" altLang="ko-KR" sz="1400" dirty="0" smtClean="0"/>
+          </a:p>
+          <a:p>
+            <a:r>
+              <a:rPr lang="en-US" altLang="ko-KR" sz="1400" dirty="0" smtClean="0"/>
+              <a:t>&lt;/bean&gt;</a:t>
+            </a:r>
+          </a:p>
+          <a:p>
+            <a:endParaRPr lang="en-US" altLang="ko-KR" sz="1400" dirty="0"/>
+          </a:p>
+          <a:p>
+            <a:r>
+              <a:rPr lang="en-US" altLang="ko-KR" sz="1400" dirty="0" smtClean="0"/>
+              <a:t>&lt;bean id=“</a:t>
+            </a:r>
+            <a:r>
+              <a:rPr lang="en-US" altLang="ko-KR" sz="1400" dirty="0" err="1" smtClean="0"/>
+              <a:t>ts</a:t>
+            </a:r>
+            <a:r>
+              <a:rPr lang="en-US" altLang="ko-KR" sz="1400" dirty="0" smtClean="0"/>
+              <a:t>” class=“</a:t>
+            </a:r>
+            <a:r>
+              <a:rPr lang="en-US" altLang="ko-KR" sz="1400" dirty="0" err="1" smtClean="0"/>
+              <a:t>TestService</a:t>
+            </a:r>
+            <a:r>
+              <a:rPr lang="en-US" altLang="ko-KR" sz="1400" dirty="0" smtClean="0"/>
+              <a:t>”&gt;</a:t>
+            </a:r>
+          </a:p>
+          <a:p>
+            <a:r>
+              <a:rPr lang="en-US" altLang="ko-KR" sz="1400" dirty="0" smtClean="0"/>
+              <a:t>   &lt;constructor-</a:t>
+            </a:r>
+            <a:r>
+              <a:rPr lang="en-US" altLang="ko-KR" sz="1400" dirty="0" err="1" smtClean="0"/>
+              <a:t>args</a:t>
+            </a:r>
+            <a:r>
+              <a:rPr lang="en-US" altLang="ko-KR" sz="1400" dirty="0" smtClean="0"/>
+              <a:t> value=“2023” type=“</a:t>
+            </a:r>
+            <a:r>
+              <a:rPr lang="en-US" altLang="ko-KR" sz="1400" b="1" dirty="0" err="1" smtClean="0"/>
+              <a:t>int</a:t>
+            </a:r>
+            <a:r>
+              <a:rPr lang="en-US" altLang="ko-KR" sz="1400" dirty="0" smtClean="0"/>
+              <a:t>”/&gt;</a:t>
+            </a:r>
+          </a:p>
+          <a:p>
+            <a:r>
+              <a:rPr lang="en-US" altLang="ko-KR" sz="1400" dirty="0" smtClean="0"/>
+              <a:t>&lt;/bean&gt;</a:t>
+            </a:r>
+            <a:endParaRPr lang="ko-KR" altLang="en-US" sz="1400" dirty="0" smtClean="0"/>
+          </a:p>
+          <a:p>
+            <a:endParaRPr lang="ko-KR" altLang="en-US" sz="1400" dirty="0"/>
+          </a:p>
+        </p:txBody>
+      </p:sp>
+      <p:sp>
+        <p:nvSpPr>
+          <p:cNvPr id="12" name="자유형 11"/>
+          <p:cNvSpPr/>
+          <p:nvPr/>
+        </p:nvSpPr>
+        <p:spPr>
+          <a:xfrm>
+            <a:off x="2928938" y="2547938"/>
+            <a:ext cx="3479720" cy="1600200"/>
+          </a:xfrm>
+          <a:custGeom>
+            <a:avLst/>
+            <a:gdLst>
+              <a:gd name="connsiteX0" fmla="*/ 3476625 w 3479720"/>
+              <a:gd name="connsiteY0" fmla="*/ 600075 h 1600200"/>
+              <a:gd name="connsiteX1" fmla="*/ 3438525 w 3479720"/>
+              <a:gd name="connsiteY1" fmla="*/ 585787 h 1600200"/>
+              <a:gd name="connsiteX2" fmla="*/ 3419475 w 3479720"/>
+              <a:gd name="connsiteY2" fmla="*/ 576262 h 1600200"/>
+              <a:gd name="connsiteX3" fmla="*/ 3405187 w 3479720"/>
+              <a:gd name="connsiteY3" fmla="*/ 571500 h 1600200"/>
+              <a:gd name="connsiteX4" fmla="*/ 3348037 w 3479720"/>
+              <a:gd name="connsiteY4" fmla="*/ 538162 h 1600200"/>
+              <a:gd name="connsiteX5" fmla="*/ 3324225 w 3479720"/>
+              <a:gd name="connsiteY5" fmla="*/ 528637 h 1600200"/>
+              <a:gd name="connsiteX6" fmla="*/ 3300412 w 3479720"/>
+              <a:gd name="connsiteY6" fmla="*/ 509587 h 1600200"/>
+              <a:gd name="connsiteX7" fmla="*/ 3271837 w 3479720"/>
+              <a:gd name="connsiteY7" fmla="*/ 495300 h 1600200"/>
+              <a:gd name="connsiteX8" fmla="*/ 3252787 w 3479720"/>
+              <a:gd name="connsiteY8" fmla="*/ 481012 h 1600200"/>
+              <a:gd name="connsiteX9" fmla="*/ 3209925 w 3479720"/>
+              <a:gd name="connsiteY9" fmla="*/ 461962 h 1600200"/>
+              <a:gd name="connsiteX10" fmla="*/ 3190875 w 3479720"/>
+              <a:gd name="connsiteY10" fmla="*/ 447675 h 1600200"/>
+              <a:gd name="connsiteX11" fmla="*/ 3167062 w 3479720"/>
+              <a:gd name="connsiteY11" fmla="*/ 433387 h 1600200"/>
+              <a:gd name="connsiteX12" fmla="*/ 3152775 w 3479720"/>
+              <a:gd name="connsiteY12" fmla="*/ 423862 h 1600200"/>
+              <a:gd name="connsiteX13" fmla="*/ 3105150 w 3479720"/>
+              <a:gd name="connsiteY13" fmla="*/ 400050 h 1600200"/>
+              <a:gd name="connsiteX14" fmla="*/ 3090862 w 3479720"/>
+              <a:gd name="connsiteY14" fmla="*/ 390525 h 1600200"/>
+              <a:gd name="connsiteX15" fmla="*/ 3057525 w 3479720"/>
+              <a:gd name="connsiteY15" fmla="*/ 381000 h 1600200"/>
+              <a:gd name="connsiteX16" fmla="*/ 3033712 w 3479720"/>
+              <a:gd name="connsiteY16" fmla="*/ 366712 h 1600200"/>
+              <a:gd name="connsiteX17" fmla="*/ 2990850 w 3479720"/>
+              <a:gd name="connsiteY17" fmla="*/ 338137 h 1600200"/>
+              <a:gd name="connsiteX18" fmla="*/ 2947987 w 3479720"/>
+              <a:gd name="connsiteY18" fmla="*/ 323850 h 1600200"/>
+              <a:gd name="connsiteX19" fmla="*/ 2909887 w 3479720"/>
+              <a:gd name="connsiteY19" fmla="*/ 304800 h 1600200"/>
+              <a:gd name="connsiteX20" fmla="*/ 2871787 w 3479720"/>
+              <a:gd name="connsiteY20" fmla="*/ 285750 h 1600200"/>
+              <a:gd name="connsiteX21" fmla="*/ 2852737 w 3479720"/>
+              <a:gd name="connsiteY21" fmla="*/ 280987 h 1600200"/>
+              <a:gd name="connsiteX22" fmla="*/ 2767012 w 3479720"/>
+              <a:gd name="connsiteY22" fmla="*/ 242887 h 1600200"/>
+              <a:gd name="connsiteX23" fmla="*/ 2724150 w 3479720"/>
+              <a:gd name="connsiteY23" fmla="*/ 228600 h 1600200"/>
+              <a:gd name="connsiteX24" fmla="*/ 2652712 w 3479720"/>
+              <a:gd name="connsiteY24" fmla="*/ 190500 h 1600200"/>
+              <a:gd name="connsiteX25" fmla="*/ 2614612 w 3479720"/>
+              <a:gd name="connsiteY25" fmla="*/ 176212 h 1600200"/>
+              <a:gd name="connsiteX26" fmla="*/ 2562225 w 3479720"/>
+              <a:gd name="connsiteY26" fmla="*/ 166687 h 1600200"/>
+              <a:gd name="connsiteX27" fmla="*/ 2519362 w 3479720"/>
+              <a:gd name="connsiteY27" fmla="*/ 147637 h 1600200"/>
+              <a:gd name="connsiteX28" fmla="*/ 2476500 w 3479720"/>
+              <a:gd name="connsiteY28" fmla="*/ 138112 h 1600200"/>
+              <a:gd name="connsiteX29" fmla="*/ 2443162 w 3479720"/>
+              <a:gd name="connsiteY29" fmla="*/ 123825 h 1600200"/>
+              <a:gd name="connsiteX30" fmla="*/ 2424112 w 3479720"/>
+              <a:gd name="connsiteY30" fmla="*/ 119062 h 1600200"/>
+              <a:gd name="connsiteX31" fmla="*/ 2362200 w 3479720"/>
+              <a:gd name="connsiteY31" fmla="*/ 109537 h 1600200"/>
+              <a:gd name="connsiteX32" fmla="*/ 2290762 w 3479720"/>
+              <a:gd name="connsiteY32" fmla="*/ 90487 h 1600200"/>
+              <a:gd name="connsiteX33" fmla="*/ 2205037 w 3479720"/>
+              <a:gd name="connsiteY33" fmla="*/ 71437 h 1600200"/>
+              <a:gd name="connsiteX34" fmla="*/ 2128837 w 3479720"/>
+              <a:gd name="connsiteY34" fmla="*/ 52387 h 1600200"/>
+              <a:gd name="connsiteX35" fmla="*/ 2014537 w 3479720"/>
+              <a:gd name="connsiteY35" fmla="*/ 42862 h 1600200"/>
+              <a:gd name="connsiteX36" fmla="*/ 1990725 w 3479720"/>
+              <a:gd name="connsiteY36" fmla="*/ 38100 h 1600200"/>
+              <a:gd name="connsiteX37" fmla="*/ 1952625 w 3479720"/>
+              <a:gd name="connsiteY37" fmla="*/ 28575 h 1600200"/>
+              <a:gd name="connsiteX38" fmla="*/ 1890712 w 3479720"/>
+              <a:gd name="connsiteY38" fmla="*/ 23812 h 1600200"/>
+              <a:gd name="connsiteX39" fmla="*/ 1857375 w 3479720"/>
+              <a:gd name="connsiteY39" fmla="*/ 19050 h 1600200"/>
+              <a:gd name="connsiteX40" fmla="*/ 1833562 w 3479720"/>
+              <a:gd name="connsiteY40" fmla="*/ 14287 h 1600200"/>
+              <a:gd name="connsiteX41" fmla="*/ 1790700 w 3479720"/>
+              <a:gd name="connsiteY41" fmla="*/ 4762 h 1600200"/>
+              <a:gd name="connsiteX42" fmla="*/ 1704975 w 3479720"/>
+              <a:gd name="connsiteY42" fmla="*/ 0 h 1600200"/>
+              <a:gd name="connsiteX43" fmla="*/ 1443037 w 3479720"/>
+              <a:gd name="connsiteY43" fmla="*/ 4762 h 1600200"/>
+              <a:gd name="connsiteX44" fmla="*/ 1371600 w 3479720"/>
+              <a:gd name="connsiteY44" fmla="*/ 14287 h 1600200"/>
+              <a:gd name="connsiteX45" fmla="*/ 1338262 w 3479720"/>
+              <a:gd name="connsiteY45" fmla="*/ 23812 h 1600200"/>
+              <a:gd name="connsiteX46" fmla="*/ 1295400 w 3479720"/>
+              <a:gd name="connsiteY46" fmla="*/ 28575 h 1600200"/>
+              <a:gd name="connsiteX47" fmla="*/ 1252537 w 3479720"/>
+              <a:gd name="connsiteY47" fmla="*/ 42862 h 1600200"/>
+              <a:gd name="connsiteX48" fmla="*/ 1223962 w 3479720"/>
+              <a:gd name="connsiteY48" fmla="*/ 52387 h 1600200"/>
+              <a:gd name="connsiteX49" fmla="*/ 1209675 w 3479720"/>
+              <a:gd name="connsiteY49" fmla="*/ 61912 h 1600200"/>
+              <a:gd name="connsiteX50" fmla="*/ 1195387 w 3479720"/>
+              <a:gd name="connsiteY50" fmla="*/ 66675 h 1600200"/>
+              <a:gd name="connsiteX51" fmla="*/ 1171575 w 3479720"/>
+              <a:gd name="connsiteY51" fmla="*/ 76200 h 1600200"/>
+              <a:gd name="connsiteX52" fmla="*/ 1133475 w 3479720"/>
+              <a:gd name="connsiteY52" fmla="*/ 90487 h 1600200"/>
+              <a:gd name="connsiteX53" fmla="*/ 1104900 w 3479720"/>
+              <a:gd name="connsiteY53" fmla="*/ 104775 h 1600200"/>
+              <a:gd name="connsiteX54" fmla="*/ 1090612 w 3479720"/>
+              <a:gd name="connsiteY54" fmla="*/ 109537 h 1600200"/>
+              <a:gd name="connsiteX55" fmla="*/ 1047750 w 3479720"/>
+              <a:gd name="connsiteY55" fmla="*/ 128587 h 1600200"/>
+              <a:gd name="connsiteX56" fmla="*/ 1033462 w 3479720"/>
+              <a:gd name="connsiteY56" fmla="*/ 138112 h 1600200"/>
+              <a:gd name="connsiteX57" fmla="*/ 995362 w 3479720"/>
+              <a:gd name="connsiteY57" fmla="*/ 157162 h 1600200"/>
+              <a:gd name="connsiteX58" fmla="*/ 947737 w 3479720"/>
+              <a:gd name="connsiteY58" fmla="*/ 185737 h 1600200"/>
+              <a:gd name="connsiteX59" fmla="*/ 914400 w 3479720"/>
+              <a:gd name="connsiteY59" fmla="*/ 204787 h 1600200"/>
+              <a:gd name="connsiteX60" fmla="*/ 900112 w 3479720"/>
+              <a:gd name="connsiteY60" fmla="*/ 214312 h 1600200"/>
+              <a:gd name="connsiteX61" fmla="*/ 885825 w 3479720"/>
+              <a:gd name="connsiteY61" fmla="*/ 219075 h 1600200"/>
+              <a:gd name="connsiteX62" fmla="*/ 814387 w 3479720"/>
+              <a:gd name="connsiteY62" fmla="*/ 290512 h 1600200"/>
+              <a:gd name="connsiteX63" fmla="*/ 785812 w 3479720"/>
+              <a:gd name="connsiteY63" fmla="*/ 319087 h 1600200"/>
+              <a:gd name="connsiteX64" fmla="*/ 776287 w 3479720"/>
+              <a:gd name="connsiteY64" fmla="*/ 333375 h 1600200"/>
+              <a:gd name="connsiteX65" fmla="*/ 762000 w 3479720"/>
+              <a:gd name="connsiteY65" fmla="*/ 347662 h 1600200"/>
+              <a:gd name="connsiteX66" fmla="*/ 738187 w 3479720"/>
+              <a:gd name="connsiteY66" fmla="*/ 390525 h 1600200"/>
+              <a:gd name="connsiteX67" fmla="*/ 723900 w 3479720"/>
+              <a:gd name="connsiteY67" fmla="*/ 409575 h 1600200"/>
+              <a:gd name="connsiteX68" fmla="*/ 700087 w 3479720"/>
+              <a:gd name="connsiteY68" fmla="*/ 447675 h 1600200"/>
+              <a:gd name="connsiteX69" fmla="*/ 681037 w 3479720"/>
+              <a:gd name="connsiteY69" fmla="*/ 490537 h 1600200"/>
+              <a:gd name="connsiteX70" fmla="*/ 661987 w 3479720"/>
+              <a:gd name="connsiteY70" fmla="*/ 528637 h 1600200"/>
+              <a:gd name="connsiteX71" fmla="*/ 642937 w 3479720"/>
+              <a:gd name="connsiteY71" fmla="*/ 566737 h 1600200"/>
+              <a:gd name="connsiteX72" fmla="*/ 638175 w 3479720"/>
+              <a:gd name="connsiteY72" fmla="*/ 590550 h 1600200"/>
+              <a:gd name="connsiteX73" fmla="*/ 623887 w 3479720"/>
+              <a:gd name="connsiteY73" fmla="*/ 619125 h 1600200"/>
+              <a:gd name="connsiteX74" fmla="*/ 619125 w 3479720"/>
+              <a:gd name="connsiteY74" fmla="*/ 633412 h 1600200"/>
+              <a:gd name="connsiteX75" fmla="*/ 604837 w 3479720"/>
+              <a:gd name="connsiteY75" fmla="*/ 661987 h 1600200"/>
+              <a:gd name="connsiteX76" fmla="*/ 595312 w 3479720"/>
+              <a:gd name="connsiteY76" fmla="*/ 690562 h 1600200"/>
+              <a:gd name="connsiteX77" fmla="*/ 581025 w 3479720"/>
+              <a:gd name="connsiteY77" fmla="*/ 714375 h 1600200"/>
+              <a:gd name="connsiteX78" fmla="*/ 576262 w 3479720"/>
+              <a:gd name="connsiteY78" fmla="*/ 728662 h 1600200"/>
+              <a:gd name="connsiteX79" fmla="*/ 561975 w 3479720"/>
+              <a:gd name="connsiteY79" fmla="*/ 757237 h 1600200"/>
+              <a:gd name="connsiteX80" fmla="*/ 538162 w 3479720"/>
+              <a:gd name="connsiteY80" fmla="*/ 819150 h 1600200"/>
+              <a:gd name="connsiteX81" fmla="*/ 514350 w 3479720"/>
+              <a:gd name="connsiteY81" fmla="*/ 866775 h 1600200"/>
+              <a:gd name="connsiteX82" fmla="*/ 509587 w 3479720"/>
+              <a:gd name="connsiteY82" fmla="*/ 881062 h 1600200"/>
+              <a:gd name="connsiteX83" fmla="*/ 495300 w 3479720"/>
+              <a:gd name="connsiteY83" fmla="*/ 900112 h 1600200"/>
+              <a:gd name="connsiteX84" fmla="*/ 490537 w 3479720"/>
+              <a:gd name="connsiteY84" fmla="*/ 914400 h 1600200"/>
+              <a:gd name="connsiteX85" fmla="*/ 476250 w 3479720"/>
+              <a:gd name="connsiteY85" fmla="*/ 938212 h 1600200"/>
+              <a:gd name="connsiteX86" fmla="*/ 471487 w 3479720"/>
+              <a:gd name="connsiteY86" fmla="*/ 966787 h 1600200"/>
+              <a:gd name="connsiteX87" fmla="*/ 461962 w 3479720"/>
+              <a:gd name="connsiteY87" fmla="*/ 985837 h 1600200"/>
+              <a:gd name="connsiteX88" fmla="*/ 442912 w 3479720"/>
+              <a:gd name="connsiteY88" fmla="*/ 1028700 h 1600200"/>
+              <a:gd name="connsiteX89" fmla="*/ 404812 w 3479720"/>
+              <a:gd name="connsiteY89" fmla="*/ 1090612 h 1600200"/>
+              <a:gd name="connsiteX90" fmla="*/ 390525 w 3479720"/>
+              <a:gd name="connsiteY90" fmla="*/ 1128712 h 1600200"/>
+              <a:gd name="connsiteX91" fmla="*/ 376237 w 3479720"/>
+              <a:gd name="connsiteY91" fmla="*/ 1147762 h 1600200"/>
+              <a:gd name="connsiteX92" fmla="*/ 361950 w 3479720"/>
+              <a:gd name="connsiteY92" fmla="*/ 1190625 h 1600200"/>
+              <a:gd name="connsiteX93" fmla="*/ 338137 w 3479720"/>
+              <a:gd name="connsiteY93" fmla="*/ 1223962 h 1600200"/>
+              <a:gd name="connsiteX94" fmla="*/ 333375 w 3479720"/>
+              <a:gd name="connsiteY94" fmla="*/ 1243012 h 1600200"/>
+              <a:gd name="connsiteX95" fmla="*/ 300037 w 3479720"/>
+              <a:gd name="connsiteY95" fmla="*/ 1281112 h 1600200"/>
+              <a:gd name="connsiteX96" fmla="*/ 276225 w 3479720"/>
+              <a:gd name="connsiteY96" fmla="*/ 1323975 h 1600200"/>
+              <a:gd name="connsiteX97" fmla="*/ 261937 w 3479720"/>
+              <a:gd name="connsiteY97" fmla="*/ 1338262 h 1600200"/>
+              <a:gd name="connsiteX98" fmla="*/ 233362 w 3479720"/>
+              <a:gd name="connsiteY98" fmla="*/ 1371600 h 1600200"/>
+              <a:gd name="connsiteX99" fmla="*/ 228600 w 3479720"/>
+              <a:gd name="connsiteY99" fmla="*/ 1385887 h 1600200"/>
+              <a:gd name="connsiteX100" fmla="*/ 214312 w 3479720"/>
+              <a:gd name="connsiteY100" fmla="*/ 1400175 h 1600200"/>
+              <a:gd name="connsiteX101" fmla="*/ 200025 w 3479720"/>
+              <a:gd name="connsiteY101" fmla="*/ 1419225 h 1600200"/>
+              <a:gd name="connsiteX102" fmla="*/ 195262 w 3479720"/>
+              <a:gd name="connsiteY102" fmla="*/ 1433512 h 1600200"/>
+              <a:gd name="connsiteX103" fmla="*/ 157162 w 3479720"/>
+              <a:gd name="connsiteY103" fmla="*/ 1471612 h 1600200"/>
+              <a:gd name="connsiteX104" fmla="*/ 133350 w 3479720"/>
+              <a:gd name="connsiteY104" fmla="*/ 1500187 h 1600200"/>
+              <a:gd name="connsiteX105" fmla="*/ 76200 w 3479720"/>
+              <a:gd name="connsiteY105" fmla="*/ 1543050 h 1600200"/>
+              <a:gd name="connsiteX106" fmla="*/ 42862 w 3479720"/>
+              <a:gd name="connsiteY106" fmla="*/ 1566862 h 1600200"/>
+              <a:gd name="connsiteX107" fmla="*/ 14287 w 3479720"/>
+              <a:gd name="connsiteY107" fmla="*/ 1590675 h 1600200"/>
+              <a:gd name="connsiteX108" fmla="*/ 0 w 3479720"/>
+              <a:gd name="connsiteY108" fmla="*/ 1600200 h 1600200"/>
+              <a:gd name="connsiteX109" fmla="*/ 14287 w 3479720"/>
+              <a:gd name="connsiteY109" fmla="*/ 1562100 h 1600200"/>
+            </a:gdLst>
+            <a:ahLst/>
+            <a:cxnLst>
+              <a:cxn ang="0">
+                <a:pos x="connsiteX0" y="connsiteY0"/>
+              </a:cxn>
+              <a:cxn ang="0">
+                <a:pos x="connsiteX1" y="connsiteY1"/>
+              </a:cxn>
+              <a:cxn ang="0">
+                <a:pos x="connsiteX2" y="connsiteY2"/>
+              </a:cxn>
+              <a:cxn ang="0">
+                <a:pos x="connsiteX3" y="connsiteY3"/>
+              </a:cxn>
+              <a:cxn ang="0">
+                <a:pos x="connsiteX4" y="connsiteY4"/>
+              </a:cxn>
+              <a:cxn ang="0">
+                <a:pos x="connsiteX5" y="connsiteY5"/>
+              </a:cxn>
+              <a:cxn ang="0">
+                <a:pos x="connsiteX6" y="connsiteY6"/>
+              </a:cxn>
+              <a:cxn ang="0">
+                <a:pos x="connsiteX7" y="connsiteY7"/>
+              </a:cxn>
+              <a:cxn ang="0">
+                <a:pos x="connsiteX8" y="connsiteY8"/>
+              </a:cxn>
+              <a:cxn ang="0">
+                <a:pos x="connsiteX9" y="connsiteY9"/>
+              </a:cxn>
+              <a:cxn ang="0">
+                <a:pos x="connsiteX10" y="connsiteY10"/>
+              </a:cxn>
+              <a:cxn ang="0">
+                <a:pos x="connsiteX11" y="connsiteY11"/>
+              </a:cxn>
+              <a:cxn ang="0">
+                <a:pos x="connsiteX12" y="connsiteY12"/>
+              </a:cxn>
+              <a:cxn ang="0">
+                <a:pos x="connsiteX13" y="connsiteY13"/>
+              </a:cxn>
+              <a:cxn ang="0">
+                <a:pos x="connsiteX14" y="connsiteY14"/>
+              </a:cxn>
+              <a:cxn ang="0">
+                <a:pos x="connsiteX15" y="connsiteY15"/>
+              </a:cxn>
+              <a:cxn ang="0">
+                <a:pos x="connsiteX16" y="connsiteY16"/>
+              </a:cxn>
+              <a:cxn ang="0">
+                <a:pos x="connsiteX17" y="connsiteY17"/>
+              </a:cxn>
+              <a:cxn ang="0">
+                <a:pos x="connsiteX18" y="connsiteY18"/>
+              </a:cxn>
+              <a:cxn ang="0">
+                <a:pos x="connsiteX19" y="connsiteY19"/>
+              </a:cxn>
+              <a:cxn ang="0">
+                <a:pos x="connsiteX20" y="connsiteY20"/>
+              </a:cxn>
+              <a:cxn ang="0">
+                <a:pos x="connsiteX21" y="connsiteY21"/>
+              </a:cxn>
+              <a:cxn ang="0">
+                <a:pos x="connsiteX22" y="connsiteY22"/>
+              </a:cxn>
+              <a:cxn ang="0">
+                <a:pos x="connsiteX23" y="connsiteY23"/>
+              </a:cxn>
+              <a:cxn ang="0">
+                <a:pos x="connsiteX24" y="connsiteY24"/>
+              </a:cxn>
+              <a:cxn ang="0">
+                <a:pos x="connsiteX25" y="connsiteY25"/>
+              </a:cxn>
+              <a:cxn ang="0">
+                <a:pos x="connsiteX26" y="connsiteY26"/>
+              </a:cxn>
+              <a:cxn ang="0">
+                <a:pos x="connsiteX27" y="connsiteY27"/>
+              </a:cxn>
+              <a:cxn ang="0">
+                <a:pos x="connsiteX28" y="connsiteY28"/>
+              </a:cxn>
+              <a:cxn ang="0">
+                <a:pos x="connsiteX29" y="connsiteY29"/>
+              </a:cxn>
+              <a:cxn ang="0">
+                <a:pos x="connsiteX30" y="connsiteY30"/>
+              </a:cxn>
+              <a:cxn ang="0">
+                <a:pos x="connsiteX31" y="connsiteY31"/>
+              </a:cxn>
+              <a:cxn ang="0">
+                <a:pos x="connsiteX32" y="connsiteY32"/>
+              </a:cxn>
+              <a:cxn ang="0">
+                <a:pos x="connsiteX33" y="connsiteY33"/>
+              </a:cxn>
+              <a:cxn ang="0">
+                <a:pos x="connsiteX34" y="connsiteY34"/>
+              </a:cxn>
+              <a:cxn ang="0">
+                <a:pos x="connsiteX35" y="connsiteY35"/>
+              </a:cxn>
+              <a:cxn ang="0">
+                <a:pos x="connsiteX36" y="connsiteY36"/>
+              </a:cxn>
+              <a:cxn ang="0">
+                <a:pos x="connsiteX37" y="connsiteY37"/>
+              </a:cxn>
+              <a:cxn ang="0">
+                <a:pos x="connsiteX38" y="connsiteY38"/>
+              </a:cxn>
+              <a:cxn ang="0">
+                <a:pos x="connsiteX39" y="connsiteY39"/>
+              </a:cxn>
+              <a:cxn ang="0">
+                <a:pos x="connsiteX40" y="connsiteY40"/>
+              </a:cxn>
+              <a:cxn ang="0">
+                <a:pos x="connsiteX41" y="connsiteY41"/>
+              </a:cxn>
+              <a:cxn ang="0">
+                <a:pos x="connsiteX42" y="connsiteY42"/>
+              </a:cxn>
+              <a:cxn ang="0">
+                <a:pos x="connsiteX43" y="connsiteY43"/>
+              </a:cxn>
+              <a:cxn ang="0">
+                <a:pos x="connsiteX44" y="connsiteY44"/>
+              </a:cxn>
+              <a:cxn ang="0">
+                <a:pos x="connsiteX45" y="connsiteY45"/>
+              </a:cxn>
+              <a:cxn ang="0">
+                <a:pos x="connsiteX46" y="connsiteY46"/>
+              </a:cxn>
+              <a:cxn ang="0">
+                <a:pos x="connsiteX47" y="connsiteY47"/>
+              </a:cxn>
+              <a:cxn ang="0">
+                <a:pos x="connsiteX48" y="connsiteY48"/>
+              </a:cxn>
+              <a:cxn ang="0">
+                <a:pos x="connsiteX49" y="connsiteY49"/>
+              </a:cxn>
+              <a:cxn ang="0">
+                <a:pos x="connsiteX50" y="connsiteY50"/>
+              </a:cxn>
+              <a:cxn ang="0">
+                <a:pos x="connsiteX51" y="connsiteY51"/>
+              </a:cxn>
+              <a:cxn ang="0">
+                <a:pos x="connsiteX52" y="connsiteY52"/>
+              </a:cxn>
+              <a:cxn ang="0">
+                <a:pos x="connsiteX53" y="connsiteY53"/>
+              </a:cxn>
+              <a:cxn ang="0">
+                <a:pos x="connsiteX54" y="connsiteY54"/>
+              </a:cxn>
+              <a:cxn ang="0">
+                <a:pos x="connsiteX55" y="connsiteY55"/>
+              </a:cxn>
+              <a:cxn ang="0">
+                <a:pos x="connsiteX56" y="connsiteY56"/>
+              </a:cxn>
+              <a:cxn ang="0">
+                <a:pos x="connsiteX57" y="connsiteY57"/>
+              </a:cxn>
+              <a:cxn ang="0">
+                <a:pos x="connsiteX58" y="connsiteY58"/>
+              </a:cxn>
+              <a:cxn ang="0">
+                <a:pos x="connsiteX59" y="connsiteY59"/>
+              </a:cxn>
+              <a:cxn ang="0">
+                <a:pos x="connsiteX60" y="connsiteY60"/>
+              </a:cxn>
+              <a:cxn ang="0">
+                <a:pos x="connsiteX61" y="connsiteY61"/>
+              </a:cxn>
+              <a:cxn ang="0">
+                <a:pos x="connsiteX62" y="connsiteY62"/>
+              </a:cxn>
+              <a:cxn ang="0">
+                <a:pos x="connsiteX63" y="connsiteY63"/>
+              </a:cxn>
+              <a:cxn ang="0">
+                <a:pos x="connsiteX64" y="connsiteY64"/>
+              </a:cxn>
+              <a:cxn ang="0">
+                <a:pos x="connsiteX65" y="connsiteY65"/>
+              </a:cxn>
+              <a:cxn ang="0">
+                <a:pos x="connsiteX66" y="connsiteY66"/>
+              </a:cxn>
+              <a:cxn ang="0">
+                <a:pos x="connsiteX67" y="connsiteY67"/>
+              </a:cxn>
+              <a:cxn ang="0">
+                <a:pos x="connsiteX68" y="connsiteY68"/>
+              </a:cxn>
+              <a:cxn ang="0">
+                <a:pos x="connsiteX69" y="connsiteY69"/>
+              </a:cxn>
+              <a:cxn ang="0">
+                <a:pos x="connsiteX70" y="connsiteY70"/>
+              </a:cxn>
+              <a:cxn ang="0">
+                <a:pos x="connsiteX71" y="connsiteY71"/>
+              </a:cxn>
+              <a:cxn ang="0">
+                <a:pos x="connsiteX72" y="connsiteY72"/>
+              </a:cxn>
+              <a:cxn ang="0">
+                <a:pos x="connsiteX73" y="connsiteY73"/>
+              </a:cxn>
+              <a:cxn ang="0">
+                <a:pos x="connsiteX74" y="connsiteY74"/>
+              </a:cxn>
+              <a:cxn ang="0">
+                <a:pos x="connsiteX75" y="connsiteY75"/>
+              </a:cxn>
+              <a:cxn ang="0">
+                <a:pos x="connsiteX76" y="connsiteY76"/>
+              </a:cxn>
+              <a:cxn ang="0">
+                <a:pos x="connsiteX77" y="connsiteY77"/>
+              </a:cxn>
+              <a:cxn ang="0">
+                <a:pos x="connsiteX78" y="connsiteY78"/>
+              </a:cxn>
+              <a:cxn ang="0">
+                <a:pos x="connsiteX79" y="connsiteY79"/>
+              </a:cxn>
+              <a:cxn ang="0">
+                <a:pos x="connsiteX80" y="connsiteY80"/>
+              </a:cxn>
+              <a:cxn ang="0">
+                <a:pos x="connsiteX81" y="connsiteY81"/>
+              </a:cxn>
+              <a:cxn ang="0">
+                <a:pos x="connsiteX82" y="connsiteY82"/>
+              </a:cxn>
+              <a:cxn ang="0">
+                <a:pos x="connsiteX83" y="connsiteY83"/>
+              </a:cxn>
+              <a:cxn ang="0">
+                <a:pos x="connsiteX84" y="connsiteY84"/>
+              </a:cxn>
+              <a:cxn ang="0">
+                <a:pos x="connsiteX85" y="connsiteY85"/>
+              </a:cxn>
+              <a:cxn ang="0">
+                <a:pos x="connsiteX86" y="connsiteY86"/>
+              </a:cxn>
+              <a:cxn ang="0">
+                <a:pos x="connsiteX87" y="connsiteY87"/>
+              </a:cxn>
+              <a:cxn ang="0">
+                <a:pos x="connsiteX88" y="connsiteY88"/>
+              </a:cxn>
+              <a:cxn ang="0">
+                <a:pos x="connsiteX89" y="connsiteY89"/>
+              </a:cxn>
+              <a:cxn ang="0">
+                <a:pos x="connsiteX90" y="connsiteY90"/>
+              </a:cxn>
+              <a:cxn ang="0">
+                <a:pos x="connsiteX91" y="connsiteY91"/>
+              </a:cxn>
+              <a:cxn ang="0">
+                <a:pos x="connsiteX92" y="connsiteY92"/>
+              </a:cxn>
+              <a:cxn ang="0">
+                <a:pos x="connsiteX93" y="connsiteY93"/>
+              </a:cxn>
+              <a:cxn ang="0">
+                <a:pos x="connsiteX94" y="connsiteY94"/>
+              </a:cxn>
+              <a:cxn ang="0">
+                <a:pos x="connsiteX95" y="connsiteY95"/>
+              </a:cxn>
+              <a:cxn ang="0">
+                <a:pos x="connsiteX96" y="connsiteY96"/>
+              </a:cxn>
+              <a:cxn ang="0">
+                <a:pos x="connsiteX97" y="connsiteY97"/>
+              </a:cxn>
+              <a:cxn ang="0">
+                <a:pos x="connsiteX98" y="connsiteY98"/>
+              </a:cxn>
+              <a:cxn ang="0">
+                <a:pos x="connsiteX99" y="connsiteY99"/>
+              </a:cxn>
+              <a:cxn ang="0">
+                <a:pos x="connsiteX100" y="connsiteY100"/>
+              </a:cxn>
+              <a:cxn ang="0">
+                <a:pos x="connsiteX101" y="connsiteY101"/>
+              </a:cxn>
+              <a:cxn ang="0">
+                <a:pos x="connsiteX102" y="connsiteY102"/>
+              </a:cxn>
+              <a:cxn ang="0">
+                <a:pos x="connsiteX103" y="connsiteY103"/>
+              </a:cxn>
+              <a:cxn ang="0">
+                <a:pos x="connsiteX104" y="connsiteY104"/>
+              </a:cxn>
+              <a:cxn ang="0">
+                <a:pos x="connsiteX105" y="connsiteY105"/>
+              </a:cxn>
+              <a:cxn ang="0">
+                <a:pos x="connsiteX106" y="connsiteY106"/>
+              </a:cxn>
+              <a:cxn ang="0">
+                <a:pos x="connsiteX107" y="connsiteY107"/>
+              </a:cxn>
+              <a:cxn ang="0">
+                <a:pos x="connsiteX108" y="connsiteY108"/>
+              </a:cxn>
+              <a:cxn ang="0">
+                <a:pos x="connsiteX109" y="connsiteY109"/>
+              </a:cxn>
+            </a:cxnLst>
+            <a:rect l="l" t="t" r="r" b="b"/>
+            <a:pathLst>
+              <a:path w="3479720" h="1600200">
+                <a:moveTo>
+                  <a:pt x="3476625" y="600075"/>
+                </a:moveTo>
+                <a:cubicBezTo>
+                  <a:pt x="3447279" y="580511"/>
+                  <a:pt x="3479720" y="599519"/>
+                  <a:pt x="3438525" y="585787"/>
+                </a:cubicBezTo>
+                <a:cubicBezTo>
+                  <a:pt x="3431790" y="583542"/>
+                  <a:pt x="3426001" y="579059"/>
+                  <a:pt x="3419475" y="576262"/>
+                </a:cubicBezTo>
+                <a:cubicBezTo>
+                  <a:pt x="3414861" y="574285"/>
+                  <a:pt x="3409617" y="573862"/>
+                  <a:pt x="3405187" y="571500"/>
+                </a:cubicBezTo>
+                <a:cubicBezTo>
+                  <a:pt x="3385727" y="561122"/>
+                  <a:pt x="3368514" y="546353"/>
+                  <a:pt x="3348037" y="538162"/>
+                </a:cubicBezTo>
+                <a:cubicBezTo>
+                  <a:pt x="3340100" y="534987"/>
+                  <a:pt x="3331556" y="533035"/>
+                  <a:pt x="3324225" y="528637"/>
+                </a:cubicBezTo>
+                <a:cubicBezTo>
+                  <a:pt x="3315509" y="523407"/>
+                  <a:pt x="3308988" y="515044"/>
+                  <a:pt x="3300412" y="509587"/>
+                </a:cubicBezTo>
+                <a:cubicBezTo>
+                  <a:pt x="3291428" y="503870"/>
+                  <a:pt x="3280969" y="500779"/>
+                  <a:pt x="3271837" y="495300"/>
+                </a:cubicBezTo>
+                <a:cubicBezTo>
+                  <a:pt x="3265031" y="491216"/>
+                  <a:pt x="3259726" y="484867"/>
+                  <a:pt x="3252787" y="481012"/>
+                </a:cubicBezTo>
+                <a:cubicBezTo>
+                  <a:pt x="3212127" y="458422"/>
+                  <a:pt x="3245139" y="483970"/>
+                  <a:pt x="3209925" y="461962"/>
+                </a:cubicBezTo>
+                <a:cubicBezTo>
+                  <a:pt x="3203194" y="457755"/>
+                  <a:pt x="3197479" y="452078"/>
+                  <a:pt x="3190875" y="447675"/>
+                </a:cubicBezTo>
+                <a:cubicBezTo>
+                  <a:pt x="3183173" y="442540"/>
+                  <a:pt x="3174912" y="438293"/>
+                  <a:pt x="3167062" y="433387"/>
+                </a:cubicBezTo>
+                <a:cubicBezTo>
+                  <a:pt x="3162208" y="430353"/>
+                  <a:pt x="3157815" y="426576"/>
+                  <a:pt x="3152775" y="423862"/>
+                </a:cubicBezTo>
+                <a:cubicBezTo>
+                  <a:pt x="3137148" y="415447"/>
+                  <a:pt x="3119918" y="409895"/>
+                  <a:pt x="3105150" y="400050"/>
+                </a:cubicBezTo>
+                <a:cubicBezTo>
+                  <a:pt x="3100387" y="396875"/>
+                  <a:pt x="3096177" y="392651"/>
+                  <a:pt x="3090862" y="390525"/>
+                </a:cubicBezTo>
+                <a:cubicBezTo>
+                  <a:pt x="3080132" y="386233"/>
+                  <a:pt x="3068637" y="384175"/>
+                  <a:pt x="3057525" y="381000"/>
+                </a:cubicBezTo>
+                <a:cubicBezTo>
+                  <a:pt x="3049587" y="376237"/>
+                  <a:pt x="3041499" y="371718"/>
+                  <a:pt x="3033712" y="366712"/>
+                </a:cubicBezTo>
+                <a:cubicBezTo>
+                  <a:pt x="3019268" y="357426"/>
+                  <a:pt x="3006793" y="344514"/>
+                  <a:pt x="2990850" y="338137"/>
+                </a:cubicBezTo>
+                <a:cubicBezTo>
+                  <a:pt x="2960960" y="326181"/>
+                  <a:pt x="2975331" y="330685"/>
+                  <a:pt x="2947987" y="323850"/>
+                </a:cubicBezTo>
+                <a:cubicBezTo>
+                  <a:pt x="2884425" y="285710"/>
+                  <a:pt x="2952180" y="324024"/>
+                  <a:pt x="2909887" y="304800"/>
+                </a:cubicBezTo>
+                <a:cubicBezTo>
+                  <a:pt x="2896961" y="298925"/>
+                  <a:pt x="2885562" y="289194"/>
+                  <a:pt x="2871787" y="285750"/>
+                </a:cubicBezTo>
+                <a:cubicBezTo>
+                  <a:pt x="2865437" y="284162"/>
+                  <a:pt x="2858814" y="283418"/>
+                  <a:pt x="2852737" y="280987"/>
+                </a:cubicBezTo>
+                <a:cubicBezTo>
+                  <a:pt x="2778379" y="251244"/>
+                  <a:pt x="2886944" y="282863"/>
+                  <a:pt x="2767012" y="242887"/>
+                </a:cubicBezTo>
+                <a:cubicBezTo>
+                  <a:pt x="2752725" y="238125"/>
+                  <a:pt x="2738251" y="233888"/>
+                  <a:pt x="2724150" y="228600"/>
+                </a:cubicBezTo>
+                <a:cubicBezTo>
+                  <a:pt x="2658207" y="203871"/>
+                  <a:pt x="2724402" y="226345"/>
+                  <a:pt x="2652712" y="190500"/>
+                </a:cubicBezTo>
+                <a:cubicBezTo>
+                  <a:pt x="2640580" y="184434"/>
+                  <a:pt x="2627718" y="179707"/>
+                  <a:pt x="2614612" y="176212"/>
+                </a:cubicBezTo>
+                <a:cubicBezTo>
+                  <a:pt x="2565010" y="162985"/>
+                  <a:pt x="2597871" y="178569"/>
+                  <a:pt x="2562225" y="166687"/>
+                </a:cubicBezTo>
+                <a:cubicBezTo>
+                  <a:pt x="2483979" y="140605"/>
+                  <a:pt x="2585787" y="172546"/>
+                  <a:pt x="2519362" y="147637"/>
+                </a:cubicBezTo>
+                <a:cubicBezTo>
+                  <a:pt x="2511682" y="144757"/>
+                  <a:pt x="2482958" y="139404"/>
+                  <a:pt x="2476500" y="138112"/>
+                </a:cubicBezTo>
+                <a:cubicBezTo>
+                  <a:pt x="2465387" y="133350"/>
+                  <a:pt x="2454524" y="127957"/>
+                  <a:pt x="2443162" y="123825"/>
+                </a:cubicBezTo>
+                <a:cubicBezTo>
+                  <a:pt x="2437011" y="121588"/>
+                  <a:pt x="2430530" y="120346"/>
+                  <a:pt x="2424112" y="119062"/>
+                </a:cubicBezTo>
+                <a:cubicBezTo>
+                  <a:pt x="2407611" y="115762"/>
+                  <a:pt x="2378189" y="111821"/>
+                  <a:pt x="2362200" y="109537"/>
+                </a:cubicBezTo>
+                <a:cubicBezTo>
+                  <a:pt x="2283972" y="76012"/>
+                  <a:pt x="2375927" y="111778"/>
+                  <a:pt x="2290762" y="90487"/>
+                </a:cubicBezTo>
+                <a:cubicBezTo>
+                  <a:pt x="2193526" y="66178"/>
+                  <a:pt x="2318145" y="82749"/>
+                  <a:pt x="2205037" y="71437"/>
+                </a:cubicBezTo>
+                <a:cubicBezTo>
+                  <a:pt x="2179637" y="65087"/>
+                  <a:pt x="2154859" y="55278"/>
+                  <a:pt x="2128837" y="52387"/>
+                </a:cubicBezTo>
+                <a:cubicBezTo>
+                  <a:pt x="2062255" y="44990"/>
+                  <a:pt x="2100318" y="48581"/>
+                  <a:pt x="2014537" y="42862"/>
+                </a:cubicBezTo>
+                <a:cubicBezTo>
+                  <a:pt x="2006600" y="41275"/>
+                  <a:pt x="1998612" y="39920"/>
+                  <a:pt x="1990725" y="38100"/>
+                </a:cubicBezTo>
+                <a:cubicBezTo>
+                  <a:pt x="1977969" y="35156"/>
+                  <a:pt x="1965584" y="30426"/>
+                  <a:pt x="1952625" y="28575"/>
+                </a:cubicBezTo>
+                <a:cubicBezTo>
+                  <a:pt x="1932134" y="25648"/>
+                  <a:pt x="1911308" y="25872"/>
+                  <a:pt x="1890712" y="23812"/>
+                </a:cubicBezTo>
+                <a:cubicBezTo>
+                  <a:pt x="1879543" y="22695"/>
+                  <a:pt x="1868447" y="20895"/>
+                  <a:pt x="1857375" y="19050"/>
+                </a:cubicBezTo>
+                <a:cubicBezTo>
+                  <a:pt x="1849390" y="17719"/>
+                  <a:pt x="1841477" y="15983"/>
+                  <a:pt x="1833562" y="14287"/>
+                </a:cubicBezTo>
+                <a:cubicBezTo>
+                  <a:pt x="1819251" y="11220"/>
+                  <a:pt x="1805246" y="6378"/>
+                  <a:pt x="1790700" y="4762"/>
+                </a:cubicBezTo>
+                <a:cubicBezTo>
+                  <a:pt x="1762256" y="1602"/>
+                  <a:pt x="1733550" y="1587"/>
+                  <a:pt x="1704975" y="0"/>
+                </a:cubicBezTo>
+                <a:lnTo>
+                  <a:pt x="1443037" y="4762"/>
+                </a:lnTo>
+                <a:cubicBezTo>
+                  <a:pt x="1435134" y="5013"/>
+                  <a:pt x="1381354" y="12894"/>
+                  <a:pt x="1371600" y="14287"/>
+                </a:cubicBezTo>
+                <a:cubicBezTo>
+                  <a:pt x="1360487" y="17462"/>
+                  <a:pt x="1349621" y="21682"/>
+                  <a:pt x="1338262" y="23812"/>
+                </a:cubicBezTo>
+                <a:cubicBezTo>
+                  <a:pt x="1324133" y="26461"/>
+                  <a:pt x="1309433" y="25457"/>
+                  <a:pt x="1295400" y="28575"/>
+                </a:cubicBezTo>
+                <a:cubicBezTo>
+                  <a:pt x="1280698" y="31842"/>
+                  <a:pt x="1266825" y="38100"/>
+                  <a:pt x="1252537" y="42862"/>
+                </a:cubicBezTo>
+                <a:lnTo>
+                  <a:pt x="1223962" y="52387"/>
+                </a:lnTo>
+                <a:cubicBezTo>
+                  <a:pt x="1219200" y="55562"/>
+                  <a:pt x="1214794" y="59352"/>
+                  <a:pt x="1209675" y="61912"/>
+                </a:cubicBezTo>
+                <a:cubicBezTo>
+                  <a:pt x="1205185" y="64157"/>
+                  <a:pt x="1200088" y="64912"/>
+                  <a:pt x="1195387" y="66675"/>
+                </a:cubicBezTo>
+                <a:cubicBezTo>
+                  <a:pt x="1187383" y="69677"/>
+                  <a:pt x="1179387" y="72728"/>
+                  <a:pt x="1171575" y="76200"/>
+                </a:cubicBezTo>
+                <a:cubicBezTo>
+                  <a:pt x="1139557" y="90430"/>
+                  <a:pt x="1165971" y="82364"/>
+                  <a:pt x="1133475" y="90487"/>
+                </a:cubicBezTo>
+                <a:cubicBezTo>
+                  <a:pt x="1123950" y="95250"/>
+                  <a:pt x="1114632" y="100450"/>
+                  <a:pt x="1104900" y="104775"/>
+                </a:cubicBezTo>
+                <a:cubicBezTo>
+                  <a:pt x="1100312" y="106814"/>
+                  <a:pt x="1094971" y="107046"/>
+                  <a:pt x="1090612" y="109537"/>
+                </a:cubicBezTo>
+                <a:cubicBezTo>
+                  <a:pt x="1052812" y="131136"/>
+                  <a:pt x="1091862" y="119765"/>
+                  <a:pt x="1047750" y="128587"/>
+                </a:cubicBezTo>
+                <a:cubicBezTo>
+                  <a:pt x="1042987" y="131762"/>
+                  <a:pt x="1038487" y="135371"/>
+                  <a:pt x="1033462" y="138112"/>
+                </a:cubicBezTo>
+                <a:cubicBezTo>
+                  <a:pt x="1020997" y="144911"/>
+                  <a:pt x="1006449" y="148292"/>
+                  <a:pt x="995362" y="157162"/>
+                </a:cubicBezTo>
+                <a:cubicBezTo>
+                  <a:pt x="951696" y="192096"/>
+                  <a:pt x="992072" y="163570"/>
+                  <a:pt x="947737" y="185737"/>
+                </a:cubicBezTo>
+                <a:cubicBezTo>
+                  <a:pt x="936290" y="191461"/>
+                  <a:pt x="925375" y="198202"/>
+                  <a:pt x="914400" y="204787"/>
+                </a:cubicBezTo>
+                <a:cubicBezTo>
+                  <a:pt x="909492" y="207732"/>
+                  <a:pt x="905232" y="211752"/>
+                  <a:pt x="900112" y="214312"/>
+                </a:cubicBezTo>
+                <a:cubicBezTo>
+                  <a:pt x="895622" y="216557"/>
+                  <a:pt x="890587" y="217487"/>
+                  <a:pt x="885825" y="219075"/>
+                </a:cubicBezTo>
+                <a:cubicBezTo>
+                  <a:pt x="790064" y="290896"/>
+                  <a:pt x="906705" y="198194"/>
+                  <a:pt x="814387" y="290512"/>
+                </a:cubicBezTo>
+                <a:cubicBezTo>
+                  <a:pt x="804862" y="300037"/>
+                  <a:pt x="793284" y="307879"/>
+                  <a:pt x="785812" y="319087"/>
+                </a:cubicBezTo>
+                <a:cubicBezTo>
+                  <a:pt x="782637" y="323850"/>
+                  <a:pt x="779951" y="328978"/>
+                  <a:pt x="776287" y="333375"/>
+                </a:cubicBezTo>
+                <a:cubicBezTo>
+                  <a:pt x="771975" y="338549"/>
+                  <a:pt x="766041" y="342274"/>
+                  <a:pt x="762000" y="347662"/>
+                </a:cubicBezTo>
+                <a:cubicBezTo>
+                  <a:pt x="739761" y="377314"/>
+                  <a:pt x="755149" y="363386"/>
+                  <a:pt x="738187" y="390525"/>
+                </a:cubicBezTo>
+                <a:cubicBezTo>
+                  <a:pt x="733980" y="397256"/>
+                  <a:pt x="728107" y="402844"/>
+                  <a:pt x="723900" y="409575"/>
+                </a:cubicBezTo>
+                <a:cubicBezTo>
+                  <a:pt x="691221" y="461863"/>
+                  <a:pt x="740554" y="393721"/>
+                  <a:pt x="700087" y="447675"/>
+                </a:cubicBezTo>
+                <a:cubicBezTo>
+                  <a:pt x="681186" y="504377"/>
+                  <a:pt x="700445" y="454957"/>
+                  <a:pt x="681037" y="490537"/>
+                </a:cubicBezTo>
+                <a:cubicBezTo>
+                  <a:pt x="674238" y="503002"/>
+                  <a:pt x="661987" y="528637"/>
+                  <a:pt x="661987" y="528637"/>
+                </a:cubicBezTo>
+                <a:cubicBezTo>
+                  <a:pt x="647433" y="586858"/>
+                  <a:pt x="670692" y="504287"/>
+                  <a:pt x="642937" y="566737"/>
+                </a:cubicBezTo>
+                <a:cubicBezTo>
+                  <a:pt x="639649" y="574134"/>
+                  <a:pt x="640941" y="582943"/>
+                  <a:pt x="638175" y="590550"/>
+                </a:cubicBezTo>
+                <a:cubicBezTo>
+                  <a:pt x="634536" y="600558"/>
+                  <a:pt x="628212" y="609394"/>
+                  <a:pt x="623887" y="619125"/>
+                </a:cubicBezTo>
+                <a:cubicBezTo>
+                  <a:pt x="621848" y="623712"/>
+                  <a:pt x="621164" y="628825"/>
+                  <a:pt x="619125" y="633412"/>
+                </a:cubicBezTo>
+                <a:cubicBezTo>
+                  <a:pt x="614800" y="643143"/>
+                  <a:pt x="608933" y="652157"/>
+                  <a:pt x="604837" y="661987"/>
+                </a:cubicBezTo>
+                <a:cubicBezTo>
+                  <a:pt x="600975" y="671255"/>
+                  <a:pt x="599467" y="681422"/>
+                  <a:pt x="595312" y="690562"/>
+                </a:cubicBezTo>
+                <a:cubicBezTo>
+                  <a:pt x="591482" y="698989"/>
+                  <a:pt x="585165" y="706096"/>
+                  <a:pt x="581025" y="714375"/>
+                </a:cubicBezTo>
+                <a:cubicBezTo>
+                  <a:pt x="578780" y="718865"/>
+                  <a:pt x="578301" y="724075"/>
+                  <a:pt x="576262" y="728662"/>
+                </a:cubicBezTo>
+                <a:cubicBezTo>
+                  <a:pt x="571937" y="738393"/>
+                  <a:pt x="566737" y="747712"/>
+                  <a:pt x="561975" y="757237"/>
+                </a:cubicBezTo>
+                <a:cubicBezTo>
+                  <a:pt x="554500" y="802083"/>
+                  <a:pt x="562808" y="772595"/>
+                  <a:pt x="538162" y="819150"/>
+                </a:cubicBezTo>
+                <a:cubicBezTo>
+                  <a:pt x="529858" y="834836"/>
+                  <a:pt x="519963" y="849937"/>
+                  <a:pt x="514350" y="866775"/>
+                </a:cubicBezTo>
+                <a:cubicBezTo>
+                  <a:pt x="512762" y="871537"/>
+                  <a:pt x="512078" y="876703"/>
+                  <a:pt x="509587" y="881062"/>
+                </a:cubicBezTo>
+                <a:cubicBezTo>
+                  <a:pt x="505649" y="887954"/>
+                  <a:pt x="500062" y="893762"/>
+                  <a:pt x="495300" y="900112"/>
+                </a:cubicBezTo>
+                <a:cubicBezTo>
+                  <a:pt x="493712" y="904875"/>
+                  <a:pt x="492782" y="909910"/>
+                  <a:pt x="490537" y="914400"/>
+                </a:cubicBezTo>
+                <a:cubicBezTo>
+                  <a:pt x="486397" y="922679"/>
+                  <a:pt x="479413" y="929513"/>
+                  <a:pt x="476250" y="938212"/>
+                </a:cubicBezTo>
+                <a:cubicBezTo>
+                  <a:pt x="472950" y="947287"/>
+                  <a:pt x="474262" y="957538"/>
+                  <a:pt x="471487" y="966787"/>
+                </a:cubicBezTo>
+                <a:cubicBezTo>
+                  <a:pt x="469447" y="973587"/>
+                  <a:pt x="464759" y="979311"/>
+                  <a:pt x="461962" y="985837"/>
+                </a:cubicBezTo>
+                <a:cubicBezTo>
+                  <a:pt x="449597" y="1014689"/>
+                  <a:pt x="468430" y="986171"/>
+                  <a:pt x="442912" y="1028700"/>
+                </a:cubicBezTo>
+                <a:cubicBezTo>
+                  <a:pt x="394145" y="1109977"/>
+                  <a:pt x="428736" y="1042763"/>
+                  <a:pt x="404812" y="1090612"/>
+                </a:cubicBezTo>
+                <a:cubicBezTo>
+                  <a:pt x="400241" y="1108896"/>
+                  <a:pt x="400902" y="1112109"/>
+                  <a:pt x="390525" y="1128712"/>
+                </a:cubicBezTo>
+                <a:cubicBezTo>
+                  <a:pt x="386318" y="1135443"/>
+                  <a:pt x="380092" y="1140823"/>
+                  <a:pt x="376237" y="1147762"/>
+                </a:cubicBezTo>
+                <a:cubicBezTo>
+                  <a:pt x="352071" y="1191261"/>
+                  <a:pt x="378134" y="1152862"/>
+                  <a:pt x="361950" y="1190625"/>
+                </a:cubicBezTo>
+                <a:cubicBezTo>
+                  <a:pt x="359629" y="1196041"/>
+                  <a:pt x="339763" y="1221795"/>
+                  <a:pt x="338137" y="1223962"/>
+                </a:cubicBezTo>
+                <a:cubicBezTo>
+                  <a:pt x="336550" y="1230312"/>
+                  <a:pt x="336554" y="1237290"/>
+                  <a:pt x="333375" y="1243012"/>
+                </a:cubicBezTo>
+                <a:cubicBezTo>
+                  <a:pt x="326105" y="1256098"/>
+                  <a:pt x="310920" y="1270230"/>
+                  <a:pt x="300037" y="1281112"/>
+                </a:cubicBezTo>
+                <a:cubicBezTo>
+                  <a:pt x="293958" y="1293270"/>
+                  <a:pt x="285869" y="1312402"/>
+                  <a:pt x="276225" y="1323975"/>
+                </a:cubicBezTo>
+                <a:cubicBezTo>
+                  <a:pt x="271913" y="1329149"/>
+                  <a:pt x="266320" y="1333148"/>
+                  <a:pt x="261937" y="1338262"/>
+                </a:cubicBezTo>
+                <a:cubicBezTo>
+                  <a:pt x="225272" y="1381038"/>
+                  <a:pt x="268823" y="1336139"/>
+                  <a:pt x="233362" y="1371600"/>
+                </a:cubicBezTo>
+                <a:cubicBezTo>
+                  <a:pt x="231775" y="1376362"/>
+                  <a:pt x="231385" y="1381710"/>
+                  <a:pt x="228600" y="1385887"/>
+                </a:cubicBezTo>
+                <a:cubicBezTo>
+                  <a:pt x="224864" y="1391491"/>
+                  <a:pt x="218695" y="1395061"/>
+                  <a:pt x="214312" y="1400175"/>
+                </a:cubicBezTo>
+                <a:cubicBezTo>
+                  <a:pt x="209146" y="1406202"/>
+                  <a:pt x="204787" y="1412875"/>
+                  <a:pt x="200025" y="1419225"/>
+                </a:cubicBezTo>
+                <a:cubicBezTo>
+                  <a:pt x="198437" y="1423987"/>
+                  <a:pt x="197923" y="1429255"/>
+                  <a:pt x="195262" y="1433512"/>
+                </a:cubicBezTo>
+                <a:cubicBezTo>
+                  <a:pt x="181138" y="1456110"/>
+                  <a:pt x="176626" y="1457014"/>
+                  <a:pt x="157162" y="1471612"/>
+                </a:cubicBezTo>
+                <a:cubicBezTo>
+                  <a:pt x="148695" y="1484312"/>
+                  <a:pt x="146043" y="1490314"/>
+                  <a:pt x="133350" y="1500187"/>
+                </a:cubicBezTo>
+                <a:cubicBezTo>
+                  <a:pt x="77923" y="1543297"/>
+                  <a:pt x="131479" y="1493298"/>
+                  <a:pt x="76200" y="1543050"/>
+                </a:cubicBezTo>
+                <a:cubicBezTo>
+                  <a:pt x="49613" y="1566979"/>
+                  <a:pt x="67899" y="1558518"/>
+                  <a:pt x="42862" y="1566862"/>
+                </a:cubicBezTo>
+                <a:cubicBezTo>
+                  <a:pt x="7391" y="1590510"/>
+                  <a:pt x="50956" y="1560117"/>
+                  <a:pt x="14287" y="1590675"/>
+                </a:cubicBezTo>
+                <a:cubicBezTo>
+                  <a:pt x="9890" y="1594339"/>
+                  <a:pt x="4762" y="1597025"/>
+                  <a:pt x="0" y="1600200"/>
+                </a:cubicBezTo>
+                <a:lnTo>
+                  <a:pt x="14287" y="1562100"/>
+                </a:lnTo>
+              </a:path>
+            </a:pathLst>
+          </a:custGeom>
+          <a:ln>
+            <a:tailEnd type="triangle"/>
+          </a:ln>
+        </p:spPr>
+        <p:style>
+          <a:lnRef idx="1">
+            <a:schemeClr val="accent1"/>
+          </a:lnRef>
+          <a:fillRef idx="0">
+            <a:schemeClr val="accent1"/>
+          </a:fillRef>
+          <a:effectRef idx="0">
+            <a:schemeClr val="accent1"/>
+          </a:effectRef>
+          <a:fontRef idx="minor">
+            <a:schemeClr val="tx1"/>
+          </a:fontRef>
+        </p:style>
+        <p:txBody>
+          <a:bodyPr rtlCol="0" anchor="ctr"/>
+          <a:lstStyle/>
+          <a:p>
+            <a:pPr algn="ctr"/>
+            <a:endParaRPr lang="ko-KR" altLang="en-US"/>
+          </a:p>
+        </p:txBody>
+      </p:sp>
+      <p:sp>
+        <p:nvSpPr>
+          <p:cNvPr id="13" name="자유형 12"/>
+          <p:cNvSpPr/>
+          <p:nvPr/>
+        </p:nvSpPr>
+        <p:spPr>
+          <a:xfrm>
+            <a:off x="2524125" y="3128963"/>
+            <a:ext cx="4953000" cy="1062037"/>
+          </a:xfrm>
+          <a:custGeom>
+            <a:avLst/>
+            <a:gdLst>
+              <a:gd name="connsiteX0" fmla="*/ 4953000 w 4953000"/>
+              <a:gd name="connsiteY0" fmla="*/ 1062037 h 1062037"/>
+              <a:gd name="connsiteX1" fmla="*/ 4948238 w 4953000"/>
+              <a:gd name="connsiteY1" fmla="*/ 1000125 h 1062037"/>
+              <a:gd name="connsiteX2" fmla="*/ 4933950 w 4953000"/>
+              <a:gd name="connsiteY2" fmla="*/ 971550 h 1062037"/>
+              <a:gd name="connsiteX3" fmla="*/ 4900613 w 4953000"/>
+              <a:gd name="connsiteY3" fmla="*/ 923925 h 1062037"/>
+              <a:gd name="connsiteX4" fmla="*/ 4857750 w 4953000"/>
+              <a:gd name="connsiteY4" fmla="*/ 881062 h 1062037"/>
+              <a:gd name="connsiteX5" fmla="*/ 4833938 w 4953000"/>
+              <a:gd name="connsiteY5" fmla="*/ 862012 h 1062037"/>
+              <a:gd name="connsiteX6" fmla="*/ 4738688 w 4953000"/>
+              <a:gd name="connsiteY6" fmla="*/ 800100 h 1062037"/>
+              <a:gd name="connsiteX7" fmla="*/ 4710113 w 4953000"/>
+              <a:gd name="connsiteY7" fmla="*/ 785812 h 1062037"/>
+              <a:gd name="connsiteX8" fmla="*/ 4652963 w 4953000"/>
+              <a:gd name="connsiteY8" fmla="*/ 752475 h 1062037"/>
+              <a:gd name="connsiteX9" fmla="*/ 4605338 w 4953000"/>
+              <a:gd name="connsiteY9" fmla="*/ 738187 h 1062037"/>
+              <a:gd name="connsiteX10" fmla="*/ 4581525 w 4953000"/>
+              <a:gd name="connsiteY10" fmla="*/ 723900 h 1062037"/>
+              <a:gd name="connsiteX11" fmla="*/ 4552950 w 4953000"/>
+              <a:gd name="connsiteY11" fmla="*/ 714375 h 1062037"/>
+              <a:gd name="connsiteX12" fmla="*/ 4514850 w 4953000"/>
+              <a:gd name="connsiteY12" fmla="*/ 700087 h 1062037"/>
+              <a:gd name="connsiteX13" fmla="*/ 4457700 w 4953000"/>
+              <a:gd name="connsiteY13" fmla="*/ 690562 h 1062037"/>
+              <a:gd name="connsiteX14" fmla="*/ 4352925 w 4953000"/>
+              <a:gd name="connsiteY14" fmla="*/ 676275 h 1062037"/>
+              <a:gd name="connsiteX15" fmla="*/ 4291013 w 4953000"/>
+              <a:gd name="connsiteY15" fmla="*/ 666750 h 1062037"/>
+              <a:gd name="connsiteX16" fmla="*/ 4248150 w 4953000"/>
+              <a:gd name="connsiteY16" fmla="*/ 661987 h 1062037"/>
+              <a:gd name="connsiteX17" fmla="*/ 4176713 w 4953000"/>
+              <a:gd name="connsiteY17" fmla="*/ 647700 h 1062037"/>
+              <a:gd name="connsiteX18" fmla="*/ 4124325 w 4953000"/>
+              <a:gd name="connsiteY18" fmla="*/ 642937 h 1062037"/>
+              <a:gd name="connsiteX19" fmla="*/ 4081463 w 4953000"/>
+              <a:gd name="connsiteY19" fmla="*/ 633412 h 1062037"/>
+              <a:gd name="connsiteX20" fmla="*/ 4033838 w 4953000"/>
+              <a:gd name="connsiteY20" fmla="*/ 628650 h 1062037"/>
+              <a:gd name="connsiteX21" fmla="*/ 3905250 w 4953000"/>
+              <a:gd name="connsiteY21" fmla="*/ 619125 h 1062037"/>
+              <a:gd name="connsiteX22" fmla="*/ 3852863 w 4953000"/>
+              <a:gd name="connsiteY22" fmla="*/ 604837 h 1062037"/>
+              <a:gd name="connsiteX23" fmla="*/ 3328988 w 4953000"/>
+              <a:gd name="connsiteY23" fmla="*/ 614362 h 1062037"/>
+              <a:gd name="connsiteX24" fmla="*/ 3286125 w 4953000"/>
+              <a:gd name="connsiteY24" fmla="*/ 628650 h 1062037"/>
+              <a:gd name="connsiteX25" fmla="*/ 3176588 w 4953000"/>
+              <a:gd name="connsiteY25" fmla="*/ 638175 h 1062037"/>
+              <a:gd name="connsiteX26" fmla="*/ 2133600 w 4953000"/>
+              <a:gd name="connsiteY26" fmla="*/ 638175 h 1062037"/>
+              <a:gd name="connsiteX27" fmla="*/ 2081213 w 4953000"/>
+              <a:gd name="connsiteY27" fmla="*/ 623887 h 1062037"/>
+              <a:gd name="connsiteX28" fmla="*/ 1971675 w 4953000"/>
+              <a:gd name="connsiteY28" fmla="*/ 614362 h 1062037"/>
+              <a:gd name="connsiteX29" fmla="*/ 1909763 w 4953000"/>
+              <a:gd name="connsiteY29" fmla="*/ 590550 h 1062037"/>
+              <a:gd name="connsiteX30" fmla="*/ 1795463 w 4953000"/>
+              <a:gd name="connsiteY30" fmla="*/ 566737 h 1062037"/>
+              <a:gd name="connsiteX31" fmla="*/ 1743075 w 4953000"/>
+              <a:gd name="connsiteY31" fmla="*/ 542925 h 1062037"/>
+              <a:gd name="connsiteX32" fmla="*/ 1638300 w 4953000"/>
+              <a:gd name="connsiteY32" fmla="*/ 504825 h 1062037"/>
+              <a:gd name="connsiteX33" fmla="*/ 1585913 w 4953000"/>
+              <a:gd name="connsiteY33" fmla="*/ 481012 h 1062037"/>
+              <a:gd name="connsiteX34" fmla="*/ 1543050 w 4953000"/>
+              <a:gd name="connsiteY34" fmla="*/ 466725 h 1062037"/>
+              <a:gd name="connsiteX35" fmla="*/ 1509713 w 4953000"/>
+              <a:gd name="connsiteY35" fmla="*/ 447675 h 1062037"/>
+              <a:gd name="connsiteX36" fmla="*/ 1481138 w 4953000"/>
+              <a:gd name="connsiteY36" fmla="*/ 433387 h 1062037"/>
+              <a:gd name="connsiteX37" fmla="*/ 1462088 w 4953000"/>
+              <a:gd name="connsiteY37" fmla="*/ 419100 h 1062037"/>
+              <a:gd name="connsiteX38" fmla="*/ 1433513 w 4953000"/>
+              <a:gd name="connsiteY38" fmla="*/ 404812 h 1062037"/>
+              <a:gd name="connsiteX39" fmla="*/ 1390650 w 4953000"/>
+              <a:gd name="connsiteY39" fmla="*/ 371475 h 1062037"/>
+              <a:gd name="connsiteX40" fmla="*/ 1352550 w 4953000"/>
+              <a:gd name="connsiteY40" fmla="*/ 347662 h 1062037"/>
+              <a:gd name="connsiteX41" fmla="*/ 1333500 w 4953000"/>
+              <a:gd name="connsiteY41" fmla="*/ 328612 h 1062037"/>
+              <a:gd name="connsiteX42" fmla="*/ 1238250 w 4953000"/>
+              <a:gd name="connsiteY42" fmla="*/ 271462 h 1062037"/>
+              <a:gd name="connsiteX43" fmla="*/ 1171575 w 4953000"/>
+              <a:gd name="connsiteY43" fmla="*/ 228600 h 1062037"/>
+              <a:gd name="connsiteX44" fmla="*/ 1147763 w 4953000"/>
+              <a:gd name="connsiteY44" fmla="*/ 209550 h 1062037"/>
+              <a:gd name="connsiteX45" fmla="*/ 1114425 w 4953000"/>
+              <a:gd name="connsiteY45" fmla="*/ 195262 h 1062037"/>
+              <a:gd name="connsiteX46" fmla="*/ 1062038 w 4953000"/>
+              <a:gd name="connsiteY46" fmla="*/ 161925 h 1062037"/>
+              <a:gd name="connsiteX47" fmla="*/ 1038225 w 4953000"/>
+              <a:gd name="connsiteY47" fmla="*/ 152400 h 1062037"/>
+              <a:gd name="connsiteX48" fmla="*/ 995363 w 4953000"/>
+              <a:gd name="connsiteY48" fmla="*/ 119062 h 1062037"/>
+              <a:gd name="connsiteX49" fmla="*/ 971550 w 4953000"/>
+              <a:gd name="connsiteY49" fmla="*/ 114300 h 1062037"/>
+              <a:gd name="connsiteX50" fmla="*/ 923925 w 4953000"/>
+              <a:gd name="connsiteY50" fmla="*/ 76200 h 1062037"/>
+              <a:gd name="connsiteX51" fmla="*/ 890588 w 4953000"/>
+              <a:gd name="connsiteY51" fmla="*/ 61912 h 1062037"/>
+              <a:gd name="connsiteX52" fmla="*/ 847725 w 4953000"/>
+              <a:gd name="connsiteY52" fmla="*/ 42862 h 1062037"/>
+              <a:gd name="connsiteX53" fmla="*/ 823913 w 4953000"/>
+              <a:gd name="connsiteY53" fmla="*/ 28575 h 1062037"/>
+              <a:gd name="connsiteX54" fmla="*/ 766763 w 4953000"/>
+              <a:gd name="connsiteY54" fmla="*/ 9525 h 1062037"/>
+              <a:gd name="connsiteX55" fmla="*/ 752475 w 4953000"/>
+              <a:gd name="connsiteY55" fmla="*/ 4762 h 1062037"/>
+              <a:gd name="connsiteX56" fmla="*/ 723900 w 4953000"/>
+              <a:gd name="connsiteY56" fmla="*/ 0 h 1062037"/>
+              <a:gd name="connsiteX57" fmla="*/ 642938 w 4953000"/>
+              <a:gd name="connsiteY57" fmla="*/ 4762 h 1062037"/>
+              <a:gd name="connsiteX58" fmla="*/ 614363 w 4953000"/>
+              <a:gd name="connsiteY58" fmla="*/ 19050 h 1062037"/>
+              <a:gd name="connsiteX59" fmla="*/ 600075 w 4953000"/>
+              <a:gd name="connsiteY59" fmla="*/ 23812 h 1062037"/>
+              <a:gd name="connsiteX60" fmla="*/ 538163 w 4953000"/>
+              <a:gd name="connsiteY60" fmla="*/ 52387 h 1062037"/>
+              <a:gd name="connsiteX61" fmla="*/ 485775 w 4953000"/>
+              <a:gd name="connsiteY61" fmla="*/ 85725 h 1062037"/>
+              <a:gd name="connsiteX62" fmla="*/ 457200 w 4953000"/>
+              <a:gd name="connsiteY62" fmla="*/ 95250 h 1062037"/>
+              <a:gd name="connsiteX63" fmla="*/ 423863 w 4953000"/>
+              <a:gd name="connsiteY63" fmla="*/ 114300 h 1062037"/>
+              <a:gd name="connsiteX64" fmla="*/ 409575 w 4953000"/>
+              <a:gd name="connsiteY64" fmla="*/ 123825 h 1062037"/>
+              <a:gd name="connsiteX65" fmla="*/ 390525 w 4953000"/>
+              <a:gd name="connsiteY65" fmla="*/ 128587 h 1062037"/>
+              <a:gd name="connsiteX66" fmla="*/ 352425 w 4953000"/>
+              <a:gd name="connsiteY66" fmla="*/ 152400 h 1062037"/>
+              <a:gd name="connsiteX67" fmla="*/ 333375 w 4953000"/>
+              <a:gd name="connsiteY67" fmla="*/ 161925 h 1062037"/>
+              <a:gd name="connsiteX68" fmla="*/ 309563 w 4953000"/>
+              <a:gd name="connsiteY68" fmla="*/ 176212 h 1062037"/>
+              <a:gd name="connsiteX69" fmla="*/ 271463 w 4953000"/>
+              <a:gd name="connsiteY69" fmla="*/ 190500 h 1062037"/>
+              <a:gd name="connsiteX70" fmla="*/ 242888 w 4953000"/>
+              <a:gd name="connsiteY70" fmla="*/ 209550 h 1062037"/>
+              <a:gd name="connsiteX71" fmla="*/ 219075 w 4953000"/>
+              <a:gd name="connsiteY71" fmla="*/ 219075 h 1062037"/>
+              <a:gd name="connsiteX72" fmla="*/ 190500 w 4953000"/>
+              <a:gd name="connsiteY72" fmla="*/ 238125 h 1062037"/>
+              <a:gd name="connsiteX73" fmla="*/ 157163 w 4953000"/>
+              <a:gd name="connsiteY73" fmla="*/ 257175 h 1062037"/>
+              <a:gd name="connsiteX74" fmla="*/ 138113 w 4953000"/>
+              <a:gd name="connsiteY74" fmla="*/ 271462 h 1062037"/>
+              <a:gd name="connsiteX75" fmla="*/ 123825 w 4953000"/>
+              <a:gd name="connsiteY75" fmla="*/ 276225 h 1062037"/>
+              <a:gd name="connsiteX76" fmla="*/ 85725 w 4953000"/>
+              <a:gd name="connsiteY76" fmla="*/ 304800 h 1062037"/>
+              <a:gd name="connsiteX77" fmla="*/ 66675 w 4953000"/>
+              <a:gd name="connsiteY77" fmla="*/ 314325 h 1062037"/>
+              <a:gd name="connsiteX78" fmla="*/ 42863 w 4953000"/>
+              <a:gd name="connsiteY78" fmla="*/ 333375 h 1062037"/>
+              <a:gd name="connsiteX79" fmla="*/ 14288 w 4953000"/>
+              <a:gd name="connsiteY79" fmla="*/ 352425 h 1062037"/>
+              <a:gd name="connsiteX80" fmla="*/ 0 w 4953000"/>
+              <a:gd name="connsiteY80" fmla="*/ 366712 h 1062037"/>
+              <a:gd name="connsiteX81" fmla="*/ 14288 w 4953000"/>
+              <a:gd name="connsiteY81" fmla="*/ 342900 h 1062037"/>
+            </a:gdLst>
+            <a:ahLst/>
+            <a:cxnLst>
+              <a:cxn ang="0">
+                <a:pos x="connsiteX0" y="connsiteY0"/>
+              </a:cxn>
+              <a:cxn ang="0">
+                <a:pos x="connsiteX1" y="connsiteY1"/>
+              </a:cxn>
+              <a:cxn ang="0">
+                <a:pos x="connsiteX2" y="connsiteY2"/>
+              </a:cxn>
+              <a:cxn ang="0">
+                <a:pos x="connsiteX3" y="connsiteY3"/>
+              </a:cxn>
+              <a:cxn ang="0">
+                <a:pos x="connsiteX4" y="connsiteY4"/>
+              </a:cxn>
+              <a:cxn ang="0">
+                <a:pos x="connsiteX5" y="connsiteY5"/>
+              </a:cxn>
+              <a:cxn ang="0">
+                <a:pos x="connsiteX6" y="connsiteY6"/>
+              </a:cxn>
+              <a:cxn ang="0">
+                <a:pos x="connsiteX7" y="connsiteY7"/>
+              </a:cxn>
+              <a:cxn ang="0">
+                <a:pos x="connsiteX8" y="connsiteY8"/>
+              </a:cxn>
+              <a:cxn ang="0">
+                <a:pos x="connsiteX9" y="connsiteY9"/>
+              </a:cxn>
+              <a:cxn ang="0">
+                <a:pos x="connsiteX10" y="connsiteY10"/>
+              </a:cxn>
+              <a:cxn ang="0">
+                <a:pos x="connsiteX11" y="connsiteY11"/>
+              </a:cxn>
+              <a:cxn ang="0">
+                <a:pos x="connsiteX12" y="connsiteY12"/>
+              </a:cxn>
+              <a:cxn ang="0">
+                <a:pos x="connsiteX13" y="connsiteY13"/>
+              </a:cxn>
+              <a:cxn ang="0">
+                <a:pos x="connsiteX14" y="connsiteY14"/>
+              </a:cxn>
+              <a:cxn ang="0">
+                <a:pos x="connsiteX15" y="connsiteY15"/>
+              </a:cxn>
+              <a:cxn ang="0">
+                <a:pos x="connsiteX16" y="connsiteY16"/>
+              </a:cxn>
+              <a:cxn ang="0">
+                <a:pos x="connsiteX17" y="connsiteY17"/>
+              </a:cxn>
+              <a:cxn ang="0">
+                <a:pos x="connsiteX18" y="connsiteY18"/>
+              </a:cxn>
+              <a:cxn ang="0">
+                <a:pos x="connsiteX19" y="connsiteY19"/>
+              </a:cxn>
+              <a:cxn ang="0">
+                <a:pos x="connsiteX20" y="connsiteY20"/>
+              </a:cxn>
+              <a:cxn ang="0">
+                <a:pos x="connsiteX21" y="connsiteY21"/>
+              </a:cxn>
+              <a:cxn ang="0">
+                <a:pos x="connsiteX22" y="connsiteY22"/>
+              </a:cxn>
+              <a:cxn ang="0">
+                <a:pos x="connsiteX23" y="connsiteY23"/>
+              </a:cxn>
+              <a:cxn ang="0">
+                <a:pos x="connsiteX24" y="connsiteY24"/>
+              </a:cxn>
+              <a:cxn ang="0">
+                <a:pos x="connsiteX25" y="connsiteY25"/>
+              </a:cxn>
+              <a:cxn ang="0">
+                <a:pos x="connsiteX26" y="connsiteY26"/>
+              </a:cxn>
+              <a:cxn ang="0">
+                <a:pos x="connsiteX27" y="connsiteY27"/>
+              </a:cxn>
+              <a:cxn ang="0">
+                <a:pos x="connsiteX28" y="connsiteY28"/>
+              </a:cxn>
+              <a:cxn ang="0">
+                <a:pos x="connsiteX29" y="connsiteY29"/>
+              </a:cxn>
+              <a:cxn ang="0">
+                <a:pos x="connsiteX30" y="connsiteY30"/>
+              </a:cxn>
+              <a:cxn ang="0">
+                <a:pos x="connsiteX31" y="connsiteY31"/>
+              </a:cxn>
+              <a:cxn ang="0">
+                <a:pos x="connsiteX32" y="connsiteY32"/>
+              </a:cxn>
+              <a:cxn ang="0">
+                <a:pos x="connsiteX33" y="connsiteY33"/>
+              </a:cxn>
+              <a:cxn ang="0">
+                <a:pos x="connsiteX34" y="connsiteY34"/>
+              </a:cxn>
+              <a:cxn ang="0">
+                <a:pos x="connsiteX35" y="connsiteY35"/>
+              </a:cxn>
+              <a:cxn ang="0">
+                <a:pos x="connsiteX36" y="connsiteY36"/>
+              </a:cxn>
+              <a:cxn ang="0">
+                <a:pos x="connsiteX37" y="connsiteY37"/>
+              </a:cxn>
+              <a:cxn ang="0">
+                <a:pos x="connsiteX38" y="connsiteY38"/>
+              </a:cxn>
+              <a:cxn ang="0">
+                <a:pos x="connsiteX39" y="connsiteY39"/>
+              </a:cxn>
+              <a:cxn ang="0">
+                <a:pos x="connsiteX40" y="connsiteY40"/>
+              </a:cxn>
+              <a:cxn ang="0">
+                <a:pos x="connsiteX41" y="connsiteY41"/>
+              </a:cxn>
+              <a:cxn ang="0">
+                <a:pos x="connsiteX42" y="connsiteY42"/>
+              </a:cxn>
+              <a:cxn ang="0">
+                <a:pos x="connsiteX43" y="connsiteY43"/>
+              </a:cxn>
+              <a:cxn ang="0">
+                <a:pos x="connsiteX44" y="connsiteY44"/>
+              </a:cxn>
+              <a:cxn ang="0">
+                <a:pos x="connsiteX45" y="connsiteY45"/>
+              </a:cxn>
+              <a:cxn ang="0">
+                <a:pos x="connsiteX46" y="connsiteY46"/>
+              </a:cxn>
+              <a:cxn ang="0">
+                <a:pos x="connsiteX47" y="connsiteY47"/>
+              </a:cxn>
+              <a:cxn ang="0">
+                <a:pos x="connsiteX48" y="connsiteY48"/>
+              </a:cxn>
+              <a:cxn ang="0">
+                <a:pos x="connsiteX49" y="connsiteY49"/>
+              </a:cxn>
+              <a:cxn ang="0">
+                <a:pos x="connsiteX50" y="connsiteY50"/>
+              </a:cxn>
+              <a:cxn ang="0">
+                <a:pos x="connsiteX51" y="connsiteY51"/>
+              </a:cxn>
+              <a:cxn ang="0">
+                <a:pos x="connsiteX52" y="connsiteY52"/>
+              </a:cxn>
+              <a:cxn ang="0">
+                <a:pos x="connsiteX53" y="connsiteY53"/>
+              </a:cxn>
+              <a:cxn ang="0">
+                <a:pos x="connsiteX54" y="connsiteY54"/>
+              </a:cxn>
+              <a:cxn ang="0">
+                <a:pos x="connsiteX55" y="connsiteY55"/>
+              </a:cxn>
+              <a:cxn ang="0">
+                <a:pos x="connsiteX56" y="connsiteY56"/>
+              </a:cxn>
+              <a:cxn ang="0">
+                <a:pos x="connsiteX57" y="connsiteY57"/>
+              </a:cxn>
+              <a:cxn ang="0">
+                <a:pos x="connsiteX58" y="connsiteY58"/>
+              </a:cxn>
+              <a:cxn ang="0">
+                <a:pos x="connsiteX59" y="connsiteY59"/>
+              </a:cxn>
+              <a:cxn ang="0">
+                <a:pos x="connsiteX60" y="connsiteY60"/>
+              </a:cxn>
+              <a:cxn ang="0">
+                <a:pos x="connsiteX61" y="connsiteY61"/>
+              </a:cxn>
+              <a:cxn ang="0">
+                <a:pos x="connsiteX62" y="connsiteY62"/>
+              </a:cxn>
+              <a:cxn ang="0">
+                <a:pos x="connsiteX63" y="connsiteY63"/>
+              </a:cxn>
+              <a:cxn ang="0">
+                <a:pos x="connsiteX64" y="connsiteY64"/>
+              </a:cxn>
+              <a:cxn ang="0">
+                <a:pos x="connsiteX65" y="connsiteY65"/>
+              </a:cxn>
+              <a:cxn ang="0">
+                <a:pos x="connsiteX66" y="connsiteY66"/>
+              </a:cxn>
+              <a:cxn ang="0">
+                <a:pos x="connsiteX67" y="connsiteY67"/>
+              </a:cxn>
+              <a:cxn ang="0">
+                <a:pos x="connsiteX68" y="connsiteY68"/>
+              </a:cxn>
+              <a:cxn ang="0">
+                <a:pos x="connsiteX69" y="connsiteY69"/>
+              </a:cxn>
+              <a:cxn ang="0">
+                <a:pos x="connsiteX70" y="connsiteY70"/>
+              </a:cxn>
+              <a:cxn ang="0">
+                <a:pos x="connsiteX71" y="connsiteY71"/>
+              </a:cxn>
+              <a:cxn ang="0">
+                <a:pos x="connsiteX72" y="connsiteY72"/>
+              </a:cxn>
+              <a:cxn ang="0">
+                <a:pos x="connsiteX73" y="connsiteY73"/>
+              </a:cxn>
+              <a:cxn ang="0">
+                <a:pos x="connsiteX74" y="connsiteY74"/>
+              </a:cxn>
+              <a:cxn ang="0">
+                <a:pos x="connsiteX75" y="connsiteY75"/>
+              </a:cxn>
+              <a:cxn ang="0">
+                <a:pos x="connsiteX76" y="connsiteY76"/>
+              </a:cxn>
+              <a:cxn ang="0">
+                <a:pos x="connsiteX77" y="connsiteY77"/>
+              </a:cxn>
+              <a:cxn ang="0">
+                <a:pos x="connsiteX78" y="connsiteY78"/>
+              </a:cxn>
+              <a:cxn ang="0">
+                <a:pos x="connsiteX79" y="connsiteY79"/>
+              </a:cxn>
+              <a:cxn ang="0">
+                <a:pos x="connsiteX80" y="connsiteY80"/>
+              </a:cxn>
+              <a:cxn ang="0">
+                <a:pos x="connsiteX81" y="connsiteY81"/>
+              </a:cxn>
+            </a:cxnLst>
+            <a:rect l="l" t="t" r="r" b="b"/>
+            <a:pathLst>
+              <a:path w="4953000" h="1062037">
+                <a:moveTo>
+                  <a:pt x="4953000" y="1062037"/>
+                </a:moveTo>
+                <a:cubicBezTo>
+                  <a:pt x="4951413" y="1041400"/>
+                  <a:pt x="4952502" y="1020379"/>
+                  <a:pt x="4948238" y="1000125"/>
+                </a:cubicBezTo>
+                <a:cubicBezTo>
+                  <a:pt x="4946044" y="989704"/>
+                  <a:pt x="4939049" y="980899"/>
+                  <a:pt x="4933950" y="971550"/>
+                </a:cubicBezTo>
+                <a:cubicBezTo>
+                  <a:pt x="4923905" y="953135"/>
+                  <a:pt x="4915045" y="939467"/>
+                  <a:pt x="4900613" y="923925"/>
+                </a:cubicBezTo>
+                <a:cubicBezTo>
+                  <a:pt x="4886864" y="909118"/>
+                  <a:pt x="4873528" y="893685"/>
+                  <a:pt x="4857750" y="881062"/>
+                </a:cubicBezTo>
+                <a:cubicBezTo>
+                  <a:pt x="4849813" y="874712"/>
+                  <a:pt x="4842178" y="867963"/>
+                  <a:pt x="4833938" y="862012"/>
+                </a:cubicBezTo>
+                <a:cubicBezTo>
+                  <a:pt x="4792695" y="832226"/>
+                  <a:pt x="4777913" y="821222"/>
+                  <a:pt x="4738688" y="800100"/>
+                </a:cubicBezTo>
+                <a:cubicBezTo>
+                  <a:pt x="4729312" y="795051"/>
+                  <a:pt x="4719422" y="790984"/>
+                  <a:pt x="4710113" y="785812"/>
+                </a:cubicBezTo>
+                <a:cubicBezTo>
+                  <a:pt x="4690834" y="775102"/>
+                  <a:pt x="4674359" y="757824"/>
+                  <a:pt x="4652963" y="752475"/>
+                </a:cubicBezTo>
+                <a:cubicBezTo>
+                  <a:pt x="4637612" y="748637"/>
+                  <a:pt x="4619508" y="744628"/>
+                  <a:pt x="4605338" y="738187"/>
+                </a:cubicBezTo>
+                <a:cubicBezTo>
+                  <a:pt x="4596911" y="734357"/>
+                  <a:pt x="4589952" y="727730"/>
+                  <a:pt x="4581525" y="723900"/>
+                </a:cubicBezTo>
+                <a:cubicBezTo>
+                  <a:pt x="4572385" y="719745"/>
+                  <a:pt x="4562405" y="717752"/>
+                  <a:pt x="4552950" y="714375"/>
+                </a:cubicBezTo>
+                <a:cubicBezTo>
+                  <a:pt x="4540177" y="709813"/>
+                  <a:pt x="4528009" y="703377"/>
+                  <a:pt x="4514850" y="700087"/>
+                </a:cubicBezTo>
+                <a:cubicBezTo>
+                  <a:pt x="4496114" y="695403"/>
+                  <a:pt x="4476553" y="694752"/>
+                  <a:pt x="4457700" y="690562"/>
+                </a:cubicBezTo>
+                <a:cubicBezTo>
+                  <a:pt x="4384415" y="674276"/>
+                  <a:pt x="4443881" y="685371"/>
+                  <a:pt x="4352925" y="676275"/>
+                </a:cubicBezTo>
+                <a:cubicBezTo>
+                  <a:pt x="4319137" y="672896"/>
+                  <a:pt x="4322825" y="670992"/>
+                  <a:pt x="4291013" y="666750"/>
+                </a:cubicBezTo>
+                <a:cubicBezTo>
+                  <a:pt x="4276763" y="664850"/>
+                  <a:pt x="4262330" y="664350"/>
+                  <a:pt x="4248150" y="661987"/>
+                </a:cubicBezTo>
+                <a:cubicBezTo>
+                  <a:pt x="4201773" y="654257"/>
+                  <a:pt x="4215824" y="652301"/>
+                  <a:pt x="4176713" y="647700"/>
+                </a:cubicBezTo>
+                <a:cubicBezTo>
+                  <a:pt x="4159298" y="645651"/>
+                  <a:pt x="4141788" y="644525"/>
+                  <a:pt x="4124325" y="642937"/>
+                </a:cubicBezTo>
+                <a:cubicBezTo>
+                  <a:pt x="4110038" y="639762"/>
+                  <a:pt x="4095920" y="635695"/>
+                  <a:pt x="4081463" y="633412"/>
+                </a:cubicBezTo>
+                <a:cubicBezTo>
+                  <a:pt x="4065704" y="630924"/>
+                  <a:pt x="4049695" y="630412"/>
+                  <a:pt x="4033838" y="628650"/>
+                </a:cubicBezTo>
+                <a:cubicBezTo>
+                  <a:pt x="3949586" y="619289"/>
+                  <a:pt x="4046704" y="626569"/>
+                  <a:pt x="3905250" y="619125"/>
+                </a:cubicBezTo>
+                <a:cubicBezTo>
+                  <a:pt x="3887788" y="614362"/>
+                  <a:pt x="3870960" y="605157"/>
+                  <a:pt x="3852863" y="604837"/>
+                </a:cubicBezTo>
+                <a:cubicBezTo>
+                  <a:pt x="3450395" y="597714"/>
+                  <a:pt x="3520175" y="590466"/>
+                  <a:pt x="3328988" y="614362"/>
+                </a:cubicBezTo>
+                <a:cubicBezTo>
+                  <a:pt x="3314700" y="619125"/>
+                  <a:pt x="3300736" y="624997"/>
+                  <a:pt x="3286125" y="628650"/>
+                </a:cubicBezTo>
+                <a:cubicBezTo>
+                  <a:pt x="3261046" y="634920"/>
+                  <a:pt x="3188150" y="637452"/>
+                  <a:pt x="3176588" y="638175"/>
+                </a:cubicBezTo>
+                <a:cubicBezTo>
+                  <a:pt x="2812878" y="690127"/>
+                  <a:pt x="3070529" y="654981"/>
+                  <a:pt x="2133600" y="638175"/>
+                </a:cubicBezTo>
+                <a:cubicBezTo>
+                  <a:pt x="2115503" y="637850"/>
+                  <a:pt x="2099121" y="626521"/>
+                  <a:pt x="2081213" y="623887"/>
+                </a:cubicBezTo>
+                <a:cubicBezTo>
+                  <a:pt x="2044953" y="618554"/>
+                  <a:pt x="1971675" y="614362"/>
+                  <a:pt x="1971675" y="614362"/>
+                </a:cubicBezTo>
+                <a:cubicBezTo>
+                  <a:pt x="1951038" y="606425"/>
+                  <a:pt x="1930896" y="597053"/>
+                  <a:pt x="1909763" y="590550"/>
+                </a:cubicBezTo>
+                <a:cubicBezTo>
+                  <a:pt x="1878957" y="581071"/>
+                  <a:pt x="1828129" y="572676"/>
+                  <a:pt x="1795463" y="566737"/>
+                </a:cubicBezTo>
+                <a:cubicBezTo>
+                  <a:pt x="1778000" y="558800"/>
+                  <a:pt x="1760922" y="549956"/>
+                  <a:pt x="1743075" y="542925"/>
+                </a:cubicBezTo>
+                <a:cubicBezTo>
+                  <a:pt x="1708499" y="529304"/>
+                  <a:pt x="1672131" y="520203"/>
+                  <a:pt x="1638300" y="504825"/>
+                </a:cubicBezTo>
+                <a:cubicBezTo>
+                  <a:pt x="1620838" y="496887"/>
+                  <a:pt x="1603723" y="488136"/>
+                  <a:pt x="1585913" y="481012"/>
+                </a:cubicBezTo>
+                <a:cubicBezTo>
+                  <a:pt x="1571930" y="475419"/>
+                  <a:pt x="1556848" y="472761"/>
+                  <a:pt x="1543050" y="466725"/>
+                </a:cubicBezTo>
+                <a:cubicBezTo>
+                  <a:pt x="1531324" y="461595"/>
+                  <a:pt x="1520982" y="453743"/>
+                  <a:pt x="1509713" y="447675"/>
+                </a:cubicBezTo>
+                <a:cubicBezTo>
+                  <a:pt x="1500337" y="442626"/>
+                  <a:pt x="1490270" y="438866"/>
+                  <a:pt x="1481138" y="433387"/>
+                </a:cubicBezTo>
+                <a:cubicBezTo>
+                  <a:pt x="1474332" y="429303"/>
+                  <a:pt x="1468894" y="423184"/>
+                  <a:pt x="1462088" y="419100"/>
+                </a:cubicBezTo>
+                <a:cubicBezTo>
+                  <a:pt x="1452956" y="413621"/>
+                  <a:pt x="1442374" y="410719"/>
+                  <a:pt x="1433513" y="404812"/>
+                </a:cubicBezTo>
+                <a:cubicBezTo>
+                  <a:pt x="1418453" y="394772"/>
+                  <a:pt x="1406839" y="379570"/>
+                  <a:pt x="1390650" y="371475"/>
+                </a:cubicBezTo>
+                <a:cubicBezTo>
+                  <a:pt x="1371872" y="362086"/>
+                  <a:pt x="1369038" y="362089"/>
+                  <a:pt x="1352550" y="347662"/>
+                </a:cubicBezTo>
+                <a:cubicBezTo>
+                  <a:pt x="1345792" y="341748"/>
+                  <a:pt x="1340780" y="333870"/>
+                  <a:pt x="1333500" y="328612"/>
+                </a:cubicBezTo>
+                <a:cubicBezTo>
+                  <a:pt x="1201021" y="232933"/>
+                  <a:pt x="1313369" y="316533"/>
+                  <a:pt x="1238250" y="271462"/>
+                </a:cubicBezTo>
+                <a:cubicBezTo>
+                  <a:pt x="1215594" y="257868"/>
+                  <a:pt x="1192206" y="245105"/>
+                  <a:pt x="1171575" y="228600"/>
+                </a:cubicBezTo>
+                <a:cubicBezTo>
+                  <a:pt x="1163638" y="222250"/>
+                  <a:pt x="1156543" y="214672"/>
+                  <a:pt x="1147763" y="209550"/>
+                </a:cubicBezTo>
+                <a:cubicBezTo>
+                  <a:pt x="1137320" y="203458"/>
+                  <a:pt x="1125070" y="200994"/>
+                  <a:pt x="1114425" y="195262"/>
+                </a:cubicBezTo>
+                <a:cubicBezTo>
+                  <a:pt x="1065367" y="168846"/>
+                  <a:pt x="1106001" y="183906"/>
+                  <a:pt x="1062038" y="161925"/>
+                </a:cubicBezTo>
+                <a:cubicBezTo>
+                  <a:pt x="1054391" y="158102"/>
+                  <a:pt x="1045872" y="156223"/>
+                  <a:pt x="1038225" y="152400"/>
+                </a:cubicBezTo>
+                <a:cubicBezTo>
+                  <a:pt x="1007440" y="137007"/>
+                  <a:pt x="1041726" y="144351"/>
+                  <a:pt x="995363" y="119062"/>
+                </a:cubicBezTo>
+                <a:cubicBezTo>
+                  <a:pt x="988257" y="115186"/>
+                  <a:pt x="979488" y="115887"/>
+                  <a:pt x="971550" y="114300"/>
+                </a:cubicBezTo>
+                <a:cubicBezTo>
+                  <a:pt x="952260" y="95010"/>
+                  <a:pt x="949960" y="90219"/>
+                  <a:pt x="923925" y="76200"/>
+                </a:cubicBezTo>
+                <a:cubicBezTo>
+                  <a:pt x="913280" y="70468"/>
+                  <a:pt x="901402" y="67319"/>
+                  <a:pt x="890588" y="61912"/>
+                </a:cubicBezTo>
+                <a:cubicBezTo>
+                  <a:pt x="849395" y="41315"/>
+                  <a:pt x="884076" y="51951"/>
+                  <a:pt x="847725" y="42862"/>
+                </a:cubicBezTo>
+                <a:cubicBezTo>
+                  <a:pt x="839788" y="38100"/>
+                  <a:pt x="832472" y="32099"/>
+                  <a:pt x="823913" y="28575"/>
+                </a:cubicBezTo>
+                <a:cubicBezTo>
+                  <a:pt x="805345" y="20929"/>
+                  <a:pt x="785813" y="15875"/>
+                  <a:pt x="766763" y="9525"/>
+                </a:cubicBezTo>
+                <a:cubicBezTo>
+                  <a:pt x="762000" y="7937"/>
+                  <a:pt x="757427" y="5587"/>
+                  <a:pt x="752475" y="4762"/>
+                </a:cubicBezTo>
+                <a:lnTo>
+                  <a:pt x="723900" y="0"/>
+                </a:lnTo>
+                <a:cubicBezTo>
+                  <a:pt x="696913" y="1587"/>
+                  <a:pt x="669572" y="130"/>
+                  <a:pt x="642938" y="4762"/>
+                </a:cubicBezTo>
+                <a:cubicBezTo>
+                  <a:pt x="632446" y="6587"/>
+                  <a:pt x="624095" y="14725"/>
+                  <a:pt x="614363" y="19050"/>
+                </a:cubicBezTo>
+                <a:cubicBezTo>
+                  <a:pt x="609775" y="21089"/>
+                  <a:pt x="604776" y="22049"/>
+                  <a:pt x="600075" y="23812"/>
+                </a:cubicBezTo>
+                <a:cubicBezTo>
+                  <a:pt x="580990" y="30968"/>
+                  <a:pt x="554160" y="42207"/>
+                  <a:pt x="538163" y="52387"/>
+                </a:cubicBezTo>
+                <a:cubicBezTo>
+                  <a:pt x="520700" y="63500"/>
+                  <a:pt x="505412" y="79179"/>
+                  <a:pt x="485775" y="85725"/>
+                </a:cubicBezTo>
+                <a:lnTo>
+                  <a:pt x="457200" y="95250"/>
+                </a:lnTo>
+                <a:cubicBezTo>
+                  <a:pt x="439948" y="121127"/>
+                  <a:pt x="457865" y="101549"/>
+                  <a:pt x="423863" y="114300"/>
+                </a:cubicBezTo>
+                <a:cubicBezTo>
+                  <a:pt x="418504" y="116310"/>
+                  <a:pt x="414836" y="121570"/>
+                  <a:pt x="409575" y="123825"/>
+                </a:cubicBezTo>
+                <a:cubicBezTo>
+                  <a:pt x="403559" y="126403"/>
+                  <a:pt x="396875" y="127000"/>
+                  <a:pt x="390525" y="128587"/>
+                </a:cubicBezTo>
+                <a:cubicBezTo>
+                  <a:pt x="375639" y="138512"/>
+                  <a:pt x="369659" y="142826"/>
+                  <a:pt x="352425" y="152400"/>
+                </a:cubicBezTo>
+                <a:cubicBezTo>
+                  <a:pt x="346219" y="155848"/>
+                  <a:pt x="339581" y="158477"/>
+                  <a:pt x="333375" y="161925"/>
+                </a:cubicBezTo>
+                <a:cubicBezTo>
+                  <a:pt x="325283" y="166420"/>
+                  <a:pt x="317967" y="172333"/>
+                  <a:pt x="309563" y="176212"/>
+                </a:cubicBezTo>
+                <a:cubicBezTo>
+                  <a:pt x="297248" y="181896"/>
+                  <a:pt x="283595" y="184434"/>
+                  <a:pt x="271463" y="190500"/>
+                </a:cubicBezTo>
+                <a:cubicBezTo>
+                  <a:pt x="261224" y="195620"/>
+                  <a:pt x="252938" y="204068"/>
+                  <a:pt x="242888" y="209550"/>
+                </a:cubicBezTo>
+                <a:cubicBezTo>
+                  <a:pt x="235383" y="213644"/>
+                  <a:pt x="226580" y="214981"/>
+                  <a:pt x="219075" y="219075"/>
+                </a:cubicBezTo>
+                <a:cubicBezTo>
+                  <a:pt x="209025" y="224557"/>
+                  <a:pt x="200249" y="232125"/>
+                  <a:pt x="190500" y="238125"/>
+                </a:cubicBezTo>
+                <a:cubicBezTo>
+                  <a:pt x="179600" y="244833"/>
+                  <a:pt x="167961" y="250304"/>
+                  <a:pt x="157163" y="257175"/>
+                </a:cubicBezTo>
+                <a:cubicBezTo>
+                  <a:pt x="150467" y="261436"/>
+                  <a:pt x="145005" y="267524"/>
+                  <a:pt x="138113" y="271462"/>
+                </a:cubicBezTo>
+                <a:cubicBezTo>
+                  <a:pt x="133754" y="273953"/>
+                  <a:pt x="128315" y="273980"/>
+                  <a:pt x="123825" y="276225"/>
+                </a:cubicBezTo>
+                <a:cubicBezTo>
+                  <a:pt x="111088" y="282594"/>
+                  <a:pt x="96234" y="297794"/>
+                  <a:pt x="85725" y="304800"/>
+                </a:cubicBezTo>
+                <a:cubicBezTo>
+                  <a:pt x="79818" y="308738"/>
+                  <a:pt x="72582" y="310387"/>
+                  <a:pt x="66675" y="314325"/>
+                </a:cubicBezTo>
+                <a:cubicBezTo>
+                  <a:pt x="58217" y="319963"/>
+                  <a:pt x="51084" y="327396"/>
+                  <a:pt x="42863" y="333375"/>
+                </a:cubicBezTo>
+                <a:cubicBezTo>
+                  <a:pt x="33605" y="340108"/>
+                  <a:pt x="23324" y="345397"/>
+                  <a:pt x="14288" y="352425"/>
+                </a:cubicBezTo>
+                <a:cubicBezTo>
+                  <a:pt x="8972" y="356560"/>
+                  <a:pt x="0" y="373447"/>
+                  <a:pt x="0" y="366712"/>
+                </a:cubicBezTo>
+                <a:cubicBezTo>
+                  <a:pt x="0" y="357455"/>
+                  <a:pt x="14288" y="342900"/>
+                  <a:pt x="14288" y="342900"/>
+                </a:cubicBezTo>
+              </a:path>
+            </a:pathLst>
+          </a:custGeom>
+          <a:ln>
+            <a:solidFill>
+              <a:srgbClr val="FF0000"/>
+            </a:solidFill>
+            <a:prstDash val="sysDot"/>
+            <a:tailEnd type="triangle"/>
+          </a:ln>
+        </p:spPr>
+        <p:style>
+          <a:lnRef idx="1">
+            <a:schemeClr val="accent1"/>
+          </a:lnRef>
+          <a:fillRef idx="0">
+            <a:schemeClr val="accent1"/>
+          </a:fillRef>
+          <a:effectRef idx="0">
+            <a:schemeClr val="accent1"/>
+          </a:effectRef>
+          <a:fontRef idx="minor">
+            <a:schemeClr val="tx1"/>
+          </a:fontRef>
+        </p:style>
+        <p:txBody>
+          <a:bodyPr rtlCol="0" anchor="ctr"/>
+          <a:lstStyle/>
+          <a:p>
+            <a:pPr algn="ctr"/>
+            <a:endParaRPr lang="ko-KR" altLang="en-US"/>
+          </a:p>
+        </p:txBody>
+      </p:sp>
+    </p:spTree>
+  </p:cSld>
+  <p:clrMapOvr>
+    <a:masterClrMapping/>
+  </p:clrMapOvr>
+</p:sld>
+</file>
+
+<file path=ppt/slides/slide7.xml><?xml version="1.0" encoding="utf-8"?>
+<p:sld xmlns:a="http://schemas.openxmlformats.org/drawingml/2006/main" xmlns:r="http://schemas.openxmlformats.org/officeDocument/2006/relationships" xmlns:p="http://schemas.openxmlformats.org/presentationml/2006/main">
+  <p:cSld>
+    <p:spTree>
+      <p:nvGrpSpPr>
+        <p:cNvPr id="1" name=""/>
+        <p:cNvGrpSpPr/>
+        <p:nvPr/>
+      </p:nvGrpSpPr>
+      <p:grpSpPr>
+        <a:xfrm>
+          <a:off x="0" y="0"/>
+          <a:ext cx="0" cy="0"/>
+          <a:chOff x="0" y="0"/>
+          <a:chExt cx="0" cy="0"/>
+        </a:xfrm>
+      </p:grpSpPr>
+      <p:sp>
+        <p:nvSpPr>
+          <p:cNvPr id="4" name="TextBox 3"/>
+          <p:cNvSpPr txBox="1"/>
+          <p:nvPr/>
+        </p:nvSpPr>
+        <p:spPr>
+          <a:xfrm>
+            <a:off x="357158" y="214290"/>
+            <a:ext cx="5473678" cy="7263527"/>
+          </a:xfrm>
+          <a:prstGeom prst="rect">
+            <a:avLst/>
+          </a:prstGeom>
+          <a:noFill/>
+        </p:spPr>
+        <p:txBody>
+          <a:bodyPr wrap="none" rtlCol="0">
+            <a:spAutoFit/>
+          </a:bodyPr>
+          <a:lstStyle/>
+          <a:p>
+            <a:r>
+              <a:rPr lang="en-US" altLang="ko-KR" dirty="0" smtClean="0"/>
+              <a:t>*JCF(Java Collection Framework) </a:t>
+            </a:r>
+            <a:r>
+              <a:rPr lang="ko-KR" altLang="en-US" dirty="0" smtClean="0"/>
+              <a:t> </a:t>
+            </a:r>
+            <a:r>
+              <a:rPr lang="en-US" altLang="ko-KR" dirty="0" smtClean="0"/>
+              <a:t>Injection</a:t>
+            </a:r>
+          </a:p>
+          <a:p>
+            <a:r>
+              <a:rPr lang="en-US" altLang="ko-KR" sz="1600" dirty="0"/>
+              <a:t> </a:t>
+            </a:r>
+            <a:r>
+              <a:rPr lang="en-US" altLang="ko-KR" sz="1600" dirty="0" smtClean="0"/>
+              <a:t>- </a:t>
+            </a:r>
+            <a:r>
+              <a:rPr lang="en-US" altLang="ko-KR" sz="1600" dirty="0" err="1" smtClean="0"/>
+              <a:t>java.util.List</a:t>
+            </a:r>
+            <a:r>
+              <a:rPr lang="en-US" altLang="ko-KR" sz="1600" dirty="0" smtClean="0"/>
+              <a:t> Injection</a:t>
+            </a:r>
+          </a:p>
+          <a:p>
+            <a:endParaRPr lang="en-US" altLang="ko-KR" sz="1600" dirty="0"/>
+          </a:p>
+          <a:p>
+            <a:r>
+              <a:rPr lang="en-US" altLang="ko-KR" sz="1600" dirty="0" smtClean="0"/>
+              <a:t>&lt;bean id=“” class=“”&gt;</a:t>
+            </a:r>
+          </a:p>
+          <a:p>
+            <a:r>
+              <a:rPr lang="en-US" altLang="ko-KR" sz="1600" dirty="0"/>
+              <a:t> </a:t>
+            </a:r>
+            <a:r>
+              <a:rPr lang="en-US" altLang="ko-KR" sz="1600" dirty="0" smtClean="0"/>
+              <a:t> &lt;constructor-</a:t>
+            </a:r>
+            <a:r>
+              <a:rPr lang="en-US" altLang="ko-KR" sz="1600" dirty="0" err="1" smtClean="0"/>
+              <a:t>arg</a:t>
+            </a:r>
+            <a:r>
+              <a:rPr lang="en-US" altLang="ko-KR" sz="1600" dirty="0" smtClean="0"/>
+              <a:t>&gt;</a:t>
+            </a:r>
+          </a:p>
+          <a:p>
+            <a:r>
+              <a:rPr lang="en-US" altLang="ko-KR" sz="1600" dirty="0"/>
+              <a:t> </a:t>
+            </a:r>
+            <a:r>
+              <a:rPr lang="en-US" altLang="ko-KR" sz="1600" dirty="0" smtClean="0"/>
+              <a:t>   &lt;list</a:t>
+            </a:r>
+            <a:r>
+              <a:rPr lang="en-US" altLang="ko-KR" sz="1600" dirty="0" smtClean="0"/>
+              <a:t>&gt; </a:t>
+            </a:r>
+            <a:r>
+              <a:rPr lang="ko-KR" altLang="en-US" sz="1600" dirty="0" smtClean="0"/>
+              <a:t>또는 </a:t>
+            </a:r>
+            <a:r>
+              <a:rPr lang="en-US" altLang="ko-KR" sz="1600" dirty="0" smtClean="0"/>
+              <a:t>&lt;set&gt;</a:t>
+            </a:r>
+            <a:endParaRPr lang="en-US" altLang="ko-KR" sz="1600" dirty="0" smtClean="0"/>
+          </a:p>
+          <a:p>
+            <a:r>
+              <a:rPr lang="en-US" altLang="ko-KR" sz="1600" dirty="0"/>
+              <a:t> </a:t>
+            </a:r>
+            <a:r>
+              <a:rPr lang="en-US" altLang="ko-KR" sz="1600" dirty="0" smtClean="0"/>
+              <a:t>     &lt;value type=“</a:t>
+            </a:r>
+            <a:r>
+              <a:rPr lang="ko-KR" altLang="en-US" sz="1600" dirty="0" err="1" smtClean="0"/>
+              <a:t>데이터형</a:t>
+            </a:r>
+            <a:r>
+              <a:rPr lang="en-US" altLang="ko-KR" sz="1600" dirty="0" smtClean="0"/>
+              <a:t>”&gt;</a:t>
+            </a:r>
+            <a:r>
+              <a:rPr lang="ko-KR" altLang="en-US" sz="1600" dirty="0" smtClean="0"/>
+              <a:t>값</a:t>
+            </a:r>
+            <a:r>
+              <a:rPr lang="en-US" altLang="ko-KR" sz="1600" dirty="0" smtClean="0"/>
+              <a:t>&lt;/value&gt;</a:t>
+            </a:r>
+          </a:p>
+          <a:p>
+            <a:r>
+              <a:rPr lang="en-US" altLang="ko-KR" sz="1600" dirty="0"/>
+              <a:t> </a:t>
+            </a:r>
+            <a:r>
+              <a:rPr lang="en-US" altLang="ko-KR" sz="1600" dirty="0" smtClean="0"/>
+              <a:t>       .</a:t>
+            </a:r>
+          </a:p>
+          <a:p>
+            <a:r>
+              <a:rPr lang="en-US" altLang="ko-KR" sz="1600" dirty="0"/>
+              <a:t> </a:t>
+            </a:r>
+            <a:r>
+              <a:rPr lang="en-US" altLang="ko-KR" sz="1600" dirty="0" smtClean="0"/>
+              <a:t>      .</a:t>
+            </a:r>
+          </a:p>
+          <a:p>
+            <a:r>
+              <a:rPr lang="en-US" altLang="ko-KR" sz="1600" dirty="0"/>
+              <a:t> </a:t>
+            </a:r>
+            <a:r>
+              <a:rPr lang="en-US" altLang="ko-KR" sz="1600" dirty="0" smtClean="0"/>
+              <a:t>   &lt;/list&gt;</a:t>
+            </a:r>
+          </a:p>
+          <a:p>
+            <a:r>
+              <a:rPr lang="en-US" altLang="ko-KR" sz="1600" dirty="0"/>
+              <a:t> </a:t>
+            </a:r>
+            <a:r>
+              <a:rPr lang="en-US" altLang="ko-KR" sz="1600" dirty="0" smtClean="0"/>
+              <a:t> &lt;/</a:t>
+            </a:r>
+            <a:r>
+              <a:rPr lang="en-US" altLang="ko-KR" sz="1600" dirty="0" err="1" smtClean="0"/>
+              <a:t>constuctor-ags</a:t>
+            </a:r>
+            <a:r>
+              <a:rPr lang="en-US" altLang="ko-KR" sz="1600" dirty="0" smtClean="0"/>
+              <a:t>&gt;</a:t>
+            </a:r>
+          </a:p>
+          <a:p>
+            <a:r>
+              <a:rPr lang="en-US" altLang="ko-KR" sz="1600" dirty="0"/>
+              <a:t> </a:t>
+            </a:r>
+            <a:r>
+              <a:rPr lang="en-US" altLang="ko-KR" sz="1600" dirty="0" smtClean="0"/>
+              <a:t>&lt;/bean&gt;</a:t>
+            </a:r>
+          </a:p>
+          <a:p>
+            <a:endParaRPr lang="en-US" altLang="ko-KR" sz="1600" dirty="0"/>
+          </a:p>
+          <a:p>
+            <a:r>
+              <a:rPr lang="en-US" altLang="ko-KR" sz="1600" dirty="0" smtClean="0"/>
+              <a:t>*</a:t>
+            </a:r>
+            <a:r>
+              <a:rPr lang="en-US" altLang="ko-KR" sz="1600" dirty="0" err="1" smtClean="0"/>
+              <a:t>java.util.Map</a:t>
+            </a:r>
+            <a:r>
+              <a:rPr lang="en-US" altLang="ko-KR" sz="1600" dirty="0" smtClean="0"/>
+              <a:t> injection</a:t>
+            </a:r>
+          </a:p>
+          <a:p>
+            <a:endParaRPr lang="en-US" altLang="ko-KR" sz="1600" dirty="0"/>
+          </a:p>
+          <a:p>
+            <a:r>
+              <a:rPr lang="en-US" altLang="ko-KR" sz="1600" dirty="0" smtClean="0"/>
+              <a:t>&lt;bean id=“” class=“”&gt;</a:t>
+            </a:r>
+          </a:p>
+          <a:p>
+            <a:r>
+              <a:rPr lang="en-US" altLang="ko-KR" sz="1600" dirty="0" smtClean="0"/>
+              <a:t>  &lt;constructor-</a:t>
+            </a:r>
+            <a:r>
+              <a:rPr lang="en-US" altLang="ko-KR" sz="1600" dirty="0" err="1" smtClean="0"/>
+              <a:t>arg</a:t>
+            </a:r>
+            <a:r>
+              <a:rPr lang="en-US" altLang="ko-KR" sz="1600" dirty="0" smtClean="0"/>
+              <a:t>&gt;</a:t>
+            </a:r>
+          </a:p>
+          <a:p>
+            <a:r>
+              <a:rPr lang="en-US" altLang="ko-KR" sz="1600" dirty="0" smtClean="0"/>
+              <a:t>    &lt;map&gt;</a:t>
+            </a:r>
+          </a:p>
+          <a:p>
+            <a:r>
+              <a:rPr lang="en-US" altLang="ko-KR" sz="1600" dirty="0" smtClean="0"/>
+              <a:t>      &lt;entry&gt;</a:t>
+            </a:r>
+          </a:p>
+          <a:p>
+            <a:r>
+              <a:rPr lang="en-US" altLang="ko-KR" sz="1600" dirty="0" smtClean="0"/>
+              <a:t>        &lt;key&gt;&lt;value type=“</a:t>
+            </a:r>
+            <a:r>
+              <a:rPr lang="ko-KR" altLang="en-US" sz="1600" dirty="0" err="1" smtClean="0"/>
+              <a:t>데이터형</a:t>
+            </a:r>
+            <a:r>
+              <a:rPr lang="en-US" altLang="ko-KR" sz="1600" dirty="0" smtClean="0"/>
+              <a:t>”&gt;</a:t>
+            </a:r>
+            <a:r>
+              <a:rPr lang="ko-KR" altLang="en-US" sz="1600" dirty="0" smtClean="0"/>
+              <a:t>값</a:t>
+            </a:r>
+            <a:r>
+              <a:rPr lang="en-US" altLang="ko-KR" sz="1600" dirty="0" smtClean="0"/>
+              <a:t>&lt;/value&gt;&lt;/key&gt;</a:t>
+            </a:r>
+          </a:p>
+          <a:p>
+            <a:r>
+              <a:rPr lang="en-US" altLang="ko-KR" sz="1600" dirty="0"/>
+              <a:t> </a:t>
+            </a:r>
+            <a:r>
+              <a:rPr lang="en-US" altLang="ko-KR" sz="1600" dirty="0" smtClean="0"/>
+              <a:t>        &lt;value type=“</a:t>
+            </a:r>
+            <a:r>
+              <a:rPr lang="ko-KR" altLang="en-US" sz="1600" dirty="0" err="1" smtClean="0"/>
+              <a:t>데이터형</a:t>
+            </a:r>
+            <a:r>
+              <a:rPr lang="en-US" altLang="ko-KR" sz="1600" dirty="0" smtClean="0"/>
+              <a:t>”&gt;</a:t>
+            </a:r>
+            <a:r>
+              <a:rPr lang="ko-KR" altLang="en-US" sz="1600" dirty="0" smtClean="0"/>
+              <a:t>값 </a:t>
+            </a:r>
+            <a:r>
+              <a:rPr lang="en-US" altLang="ko-KR" sz="1600" dirty="0" smtClean="0"/>
+              <a:t>&lt;/value&gt;</a:t>
+            </a:r>
+          </a:p>
+          <a:p>
+            <a:r>
+              <a:rPr lang="en-US" altLang="ko-KR" sz="1600" dirty="0" smtClean="0"/>
+              <a:t>      &lt;/entry&gt;</a:t>
+            </a:r>
+          </a:p>
+          <a:p>
+            <a:r>
+              <a:rPr lang="en-US" altLang="ko-KR" sz="1600" dirty="0" smtClean="0"/>
+              <a:t>       .</a:t>
+            </a:r>
+          </a:p>
+          <a:p>
+            <a:r>
+              <a:rPr lang="en-US" altLang="ko-KR" sz="1600" dirty="0" smtClean="0"/>
+              <a:t>    &lt;/map&gt;</a:t>
+            </a:r>
+          </a:p>
+          <a:p>
+            <a:r>
+              <a:rPr lang="en-US" altLang="ko-KR" sz="1600" dirty="0" smtClean="0"/>
+              <a:t>  &lt;/</a:t>
+            </a:r>
+            <a:r>
+              <a:rPr lang="en-US" altLang="ko-KR" sz="1600" dirty="0" err="1" smtClean="0"/>
+              <a:t>constuctor-ags</a:t>
+            </a:r>
+            <a:r>
+              <a:rPr lang="en-US" altLang="ko-KR" sz="1600" dirty="0" smtClean="0"/>
+              <a:t>&gt;</a:t>
+            </a:r>
+          </a:p>
+          <a:p>
+            <a:r>
+              <a:rPr lang="en-US" altLang="ko-KR" sz="1600" dirty="0" smtClean="0"/>
+              <a:t> &lt;/bean&gt;</a:t>
+            </a:r>
+          </a:p>
+          <a:p>
+            <a:endParaRPr lang="en-US" altLang="ko-KR" sz="1600" dirty="0" smtClean="0"/>
+          </a:p>
+          <a:p>
+            <a:endParaRPr lang="en-US" altLang="ko-KR" sz="1600" dirty="0"/>
+          </a:p>
+          <a:p>
+            <a:endParaRPr lang="ko-KR" altLang="en-US" sz="1600" dirty="0"/>
+          </a:p>
+        </p:txBody>
+      </p:sp>
+      <p:cxnSp>
+        <p:nvCxnSpPr>
+          <p:cNvPr id="6" name="직선 연결선 5"/>
+          <p:cNvCxnSpPr/>
+          <p:nvPr/>
+        </p:nvCxnSpPr>
+        <p:spPr>
+          <a:xfrm rot="5400000">
+            <a:off x="3250397" y="2035959"/>
+            <a:ext cx="2214578" cy="1588"/>
+          </a:xfrm>
+          <a:prstGeom prst="line">
+            <a:avLst/>
+          </a:prstGeom>
+        </p:spPr>
+        <p:style>
+          <a:lnRef idx="1">
+            <a:schemeClr val="accent1"/>
+          </a:lnRef>
+          <a:fillRef idx="0">
+            <a:schemeClr val="accent1"/>
+          </a:fillRef>
+          <a:effectRef idx="0">
+            <a:schemeClr val="accent1"/>
+          </a:effectRef>
+          <a:fontRef idx="minor">
+            <a:schemeClr val="tx1"/>
+          </a:fontRef>
+        </p:style>
+      </p:cxnSp>
+      <p:sp>
+        <p:nvSpPr>
+          <p:cNvPr id="7" name="TextBox 6"/>
+          <p:cNvSpPr txBox="1"/>
+          <p:nvPr/>
+        </p:nvSpPr>
+        <p:spPr>
+          <a:xfrm>
+            <a:off x="4643438" y="857232"/>
+            <a:ext cx="3288272" cy="1815882"/>
+          </a:xfrm>
+          <a:prstGeom prst="rect">
+            <a:avLst/>
+          </a:prstGeom>
+          <a:noFill/>
+        </p:spPr>
+        <p:txBody>
+          <a:bodyPr wrap="none" rtlCol="0">
+            <a:spAutoFit/>
+          </a:bodyPr>
+          <a:lstStyle/>
+          <a:p>
+            <a:r>
+              <a:rPr lang="en-US" altLang="ko-KR" sz="1600" dirty="0" smtClean="0"/>
+              <a:t>public class Service</a:t>
+            </a:r>
+          </a:p>
+          <a:p>
+            <a:endParaRPr lang="en-US" altLang="ko-KR" sz="1600" dirty="0"/>
+          </a:p>
+          <a:p>
+            <a:r>
+              <a:rPr lang="en-US" altLang="ko-KR" sz="1600" dirty="0" smtClean="0"/>
+              <a:t>   private List&lt;String&gt; list;</a:t>
+            </a:r>
+          </a:p>
+          <a:p>
+            <a:endParaRPr lang="en-US" altLang="ko-KR" sz="1600" dirty="0"/>
+          </a:p>
+          <a:p>
+            <a:r>
+              <a:rPr lang="en-US" altLang="ko-KR" sz="1600" dirty="0" smtClean="0"/>
+              <a:t>  public Service(List&lt;String&gt; list){</a:t>
+            </a:r>
+          </a:p>
+          <a:p>
+            <a:r>
+              <a:rPr lang="en-US" altLang="ko-KR" sz="1600" dirty="0" smtClean="0"/>
+              <a:t>     </a:t>
+            </a:r>
+            <a:r>
+              <a:rPr lang="en-US" altLang="ko-KR" sz="1600" dirty="0" err="1" smtClean="0"/>
+              <a:t>this.list</a:t>
+            </a:r>
+            <a:r>
+              <a:rPr lang="en-US" altLang="ko-KR" sz="1600" dirty="0" smtClean="0"/>
+              <a:t>=list;</a:t>
+            </a:r>
+            <a:endParaRPr lang="en-US" altLang="ko-KR" sz="1600" dirty="0"/>
+          </a:p>
+          <a:p>
+            <a:r>
+              <a:rPr lang="en-US" altLang="ko-KR" sz="1600" dirty="0" smtClean="0"/>
+              <a:t>  }</a:t>
+            </a:r>
+            <a:endParaRPr lang="ko-KR" altLang="en-US" sz="1600" dirty="0"/>
+          </a:p>
+        </p:txBody>
+      </p:sp>
+      <p:sp>
+        <p:nvSpPr>
+          <p:cNvPr id="8" name="모서리가 둥근 직사각형 7"/>
+          <p:cNvSpPr/>
+          <p:nvPr/>
+        </p:nvSpPr>
+        <p:spPr>
+          <a:xfrm>
+            <a:off x="571472" y="1500174"/>
+            <a:ext cx="3714776" cy="1285884"/>
+          </a:xfrm>
+          <a:prstGeom prst="roundRect">
+            <a:avLst/>
+          </a:prstGeom>
+          <a:noFill/>
+        </p:spPr>
+        <p:style>
+          <a:lnRef idx="2">
+            <a:schemeClr val="accent1">
+              <a:shade val="50000"/>
+            </a:schemeClr>
+          </a:lnRef>
+          <a:fillRef idx="1">
+            <a:schemeClr val="accent1"/>
+          </a:fillRef>
+          <a:effectRef idx="0">
+            <a:schemeClr val="accent1"/>
+          </a:effectRef>
+          <a:fontRef idx="minor">
+            <a:schemeClr val="lt1"/>
+          </a:fontRef>
+        </p:style>
+        <p:txBody>
+          <a:bodyPr rtlCol="0" anchor="ctr"/>
+          <a:lstStyle/>
+          <a:p>
+            <a:pPr algn="ctr"/>
+            <a:endParaRPr lang="ko-KR" altLang="en-US"/>
+          </a:p>
+        </p:txBody>
+      </p:sp>
+      <p:sp>
+        <p:nvSpPr>
+          <p:cNvPr id="10" name="자유형 9"/>
+          <p:cNvSpPr/>
+          <p:nvPr/>
+        </p:nvSpPr>
+        <p:spPr>
+          <a:xfrm>
+            <a:off x="4062413" y="1390650"/>
+            <a:ext cx="2400300" cy="504825"/>
+          </a:xfrm>
+          <a:custGeom>
+            <a:avLst/>
+            <a:gdLst>
+              <a:gd name="connsiteX0" fmla="*/ 0 w 2400300"/>
+              <a:gd name="connsiteY0" fmla="*/ 76200 h 504825"/>
+              <a:gd name="connsiteX1" fmla="*/ 4762 w 2400300"/>
+              <a:gd name="connsiteY1" fmla="*/ 57150 h 504825"/>
+              <a:gd name="connsiteX2" fmla="*/ 52387 w 2400300"/>
+              <a:gd name="connsiteY2" fmla="*/ 23813 h 504825"/>
+              <a:gd name="connsiteX3" fmla="*/ 76200 w 2400300"/>
+              <a:gd name="connsiteY3" fmla="*/ 19050 h 504825"/>
+              <a:gd name="connsiteX4" fmla="*/ 95250 w 2400300"/>
+              <a:gd name="connsiteY4" fmla="*/ 9525 h 504825"/>
+              <a:gd name="connsiteX5" fmla="*/ 133350 w 2400300"/>
+              <a:gd name="connsiteY5" fmla="*/ 4763 h 504825"/>
+              <a:gd name="connsiteX6" fmla="*/ 166687 w 2400300"/>
+              <a:gd name="connsiteY6" fmla="*/ 0 h 504825"/>
+              <a:gd name="connsiteX7" fmla="*/ 452437 w 2400300"/>
+              <a:gd name="connsiteY7" fmla="*/ 9525 h 504825"/>
+              <a:gd name="connsiteX8" fmla="*/ 466725 w 2400300"/>
+              <a:gd name="connsiteY8" fmla="*/ 14288 h 504825"/>
+              <a:gd name="connsiteX9" fmla="*/ 490537 w 2400300"/>
+              <a:gd name="connsiteY9" fmla="*/ 19050 h 504825"/>
+              <a:gd name="connsiteX10" fmla="*/ 514350 w 2400300"/>
+              <a:gd name="connsiteY10" fmla="*/ 28575 h 504825"/>
+              <a:gd name="connsiteX11" fmla="*/ 571500 w 2400300"/>
+              <a:gd name="connsiteY11" fmla="*/ 47625 h 504825"/>
+              <a:gd name="connsiteX12" fmla="*/ 619125 w 2400300"/>
+              <a:gd name="connsiteY12" fmla="*/ 71438 h 504825"/>
+              <a:gd name="connsiteX13" fmla="*/ 676275 w 2400300"/>
+              <a:gd name="connsiteY13" fmla="*/ 95250 h 504825"/>
+              <a:gd name="connsiteX14" fmla="*/ 695325 w 2400300"/>
+              <a:gd name="connsiteY14" fmla="*/ 104775 h 504825"/>
+              <a:gd name="connsiteX15" fmla="*/ 719137 w 2400300"/>
+              <a:gd name="connsiteY15" fmla="*/ 114300 h 504825"/>
+              <a:gd name="connsiteX16" fmla="*/ 733425 w 2400300"/>
+              <a:gd name="connsiteY16" fmla="*/ 123825 h 504825"/>
+              <a:gd name="connsiteX17" fmla="*/ 762000 w 2400300"/>
+              <a:gd name="connsiteY17" fmla="*/ 138113 h 504825"/>
+              <a:gd name="connsiteX18" fmla="*/ 785812 w 2400300"/>
+              <a:gd name="connsiteY18" fmla="*/ 147638 h 504825"/>
+              <a:gd name="connsiteX19" fmla="*/ 852487 w 2400300"/>
+              <a:gd name="connsiteY19" fmla="*/ 185738 h 504825"/>
+              <a:gd name="connsiteX20" fmla="*/ 904875 w 2400300"/>
+              <a:gd name="connsiteY20" fmla="*/ 233363 h 504825"/>
+              <a:gd name="connsiteX21" fmla="*/ 933450 w 2400300"/>
+              <a:gd name="connsiteY21" fmla="*/ 257175 h 504825"/>
+              <a:gd name="connsiteX22" fmla="*/ 947737 w 2400300"/>
+              <a:gd name="connsiteY22" fmla="*/ 271463 h 504825"/>
+              <a:gd name="connsiteX23" fmla="*/ 966787 w 2400300"/>
+              <a:gd name="connsiteY23" fmla="*/ 285750 h 504825"/>
+              <a:gd name="connsiteX24" fmla="*/ 995362 w 2400300"/>
+              <a:gd name="connsiteY24" fmla="*/ 323850 h 504825"/>
+              <a:gd name="connsiteX25" fmla="*/ 1047750 w 2400300"/>
+              <a:gd name="connsiteY25" fmla="*/ 361950 h 504825"/>
+              <a:gd name="connsiteX26" fmla="*/ 1047750 w 2400300"/>
+              <a:gd name="connsiteY26" fmla="*/ 361950 h 504825"/>
+              <a:gd name="connsiteX27" fmla="*/ 1066800 w 2400300"/>
+              <a:gd name="connsiteY27" fmla="*/ 376238 h 504825"/>
+              <a:gd name="connsiteX28" fmla="*/ 1085850 w 2400300"/>
+              <a:gd name="connsiteY28" fmla="*/ 385763 h 504825"/>
+              <a:gd name="connsiteX29" fmla="*/ 1100137 w 2400300"/>
+              <a:gd name="connsiteY29" fmla="*/ 395288 h 504825"/>
+              <a:gd name="connsiteX30" fmla="*/ 1119187 w 2400300"/>
+              <a:gd name="connsiteY30" fmla="*/ 409575 h 504825"/>
+              <a:gd name="connsiteX31" fmla="*/ 1171575 w 2400300"/>
+              <a:gd name="connsiteY31" fmla="*/ 433388 h 504825"/>
+              <a:gd name="connsiteX32" fmla="*/ 1195387 w 2400300"/>
+              <a:gd name="connsiteY32" fmla="*/ 438150 h 504825"/>
+              <a:gd name="connsiteX33" fmla="*/ 1338262 w 2400300"/>
+              <a:gd name="connsiteY33" fmla="*/ 452438 h 504825"/>
+              <a:gd name="connsiteX34" fmla="*/ 1438275 w 2400300"/>
+              <a:gd name="connsiteY34" fmla="*/ 447675 h 504825"/>
+              <a:gd name="connsiteX35" fmla="*/ 1495425 w 2400300"/>
+              <a:gd name="connsiteY35" fmla="*/ 428625 h 504825"/>
+              <a:gd name="connsiteX36" fmla="*/ 1538287 w 2400300"/>
+              <a:gd name="connsiteY36" fmla="*/ 423863 h 504825"/>
+              <a:gd name="connsiteX37" fmla="*/ 1571625 w 2400300"/>
+              <a:gd name="connsiteY37" fmla="*/ 419100 h 504825"/>
+              <a:gd name="connsiteX38" fmla="*/ 1628775 w 2400300"/>
+              <a:gd name="connsiteY38" fmla="*/ 414338 h 504825"/>
+              <a:gd name="connsiteX39" fmla="*/ 2247900 w 2400300"/>
+              <a:gd name="connsiteY39" fmla="*/ 419100 h 504825"/>
+              <a:gd name="connsiteX40" fmla="*/ 2266950 w 2400300"/>
+              <a:gd name="connsiteY40" fmla="*/ 423863 h 504825"/>
+              <a:gd name="connsiteX41" fmla="*/ 2281237 w 2400300"/>
+              <a:gd name="connsiteY41" fmla="*/ 433388 h 504825"/>
+              <a:gd name="connsiteX42" fmla="*/ 2343150 w 2400300"/>
+              <a:gd name="connsiteY42" fmla="*/ 452438 h 504825"/>
+              <a:gd name="connsiteX43" fmla="*/ 2362200 w 2400300"/>
+              <a:gd name="connsiteY43" fmla="*/ 466725 h 504825"/>
+              <a:gd name="connsiteX44" fmla="*/ 2376487 w 2400300"/>
+              <a:gd name="connsiteY44" fmla="*/ 476250 h 504825"/>
+              <a:gd name="connsiteX45" fmla="*/ 2386012 w 2400300"/>
+              <a:gd name="connsiteY45" fmla="*/ 490538 h 504825"/>
+              <a:gd name="connsiteX46" fmla="*/ 2400300 w 2400300"/>
+              <a:gd name="connsiteY46" fmla="*/ 504825 h 504825"/>
+            </a:gdLst>
+            <a:ahLst/>
+            <a:cxnLst>
+              <a:cxn ang="0">
+                <a:pos x="connsiteX0" y="connsiteY0"/>
+              </a:cxn>
+              <a:cxn ang="0">
+                <a:pos x="connsiteX1" y="connsiteY1"/>
+              </a:cxn>
+              <a:cxn ang="0">
+                <a:pos x="connsiteX2" y="connsiteY2"/>
+              </a:cxn>
+              <a:cxn ang="0">
+                <a:pos x="connsiteX3" y="connsiteY3"/>
+              </a:cxn>
+              <a:cxn ang="0">
+                <a:pos x="connsiteX4" y="connsiteY4"/>
+              </a:cxn>
+              <a:cxn ang="0">
+                <a:pos x="connsiteX5" y="connsiteY5"/>
+              </a:cxn>
+              <a:cxn ang="0">
+                <a:pos x="connsiteX6" y="connsiteY6"/>
+              </a:cxn>
+              <a:cxn ang="0">
+                <a:pos x="connsiteX7" y="connsiteY7"/>
+              </a:cxn>
+              <a:cxn ang="0">
+                <a:pos x="connsiteX8" y="connsiteY8"/>
+              </a:cxn>
+              <a:cxn ang="0">
+                <a:pos x="connsiteX9" y="connsiteY9"/>
+              </a:cxn>
+              <a:cxn ang="0">
+                <a:pos x="connsiteX10" y="connsiteY10"/>
+              </a:cxn>
+              <a:cxn ang="0">
+                <a:pos x="connsiteX11" y="connsiteY11"/>
+              </a:cxn>
+              <a:cxn ang="0">
+                <a:pos x="connsiteX12" y="connsiteY12"/>
+              </a:cxn>
+              <a:cxn ang="0">
+                <a:pos x="connsiteX13" y="connsiteY13"/>
+              </a:cxn>
+              <a:cxn ang="0">
+                <a:pos x="connsiteX14" y="connsiteY14"/>
+              </a:cxn>
+              <a:cxn ang="0">
+                <a:pos x="connsiteX15" y="connsiteY15"/>
+              </a:cxn>
+              <a:cxn ang="0">
+                <a:pos x="connsiteX16" y="connsiteY16"/>
+              </a:cxn>
+              <a:cxn ang="0">
+                <a:pos x="connsiteX17" y="connsiteY17"/>
+              </a:cxn>
+              <a:cxn ang="0">
+                <a:pos x="connsiteX18" y="connsiteY18"/>
+              </a:cxn>
+              <a:cxn ang="0">
+                <a:pos x="connsiteX19" y="connsiteY19"/>
+              </a:cxn>
+              <a:cxn ang="0">
+                <a:pos x="connsiteX20" y="connsiteY20"/>
+              </a:cxn>
+              <a:cxn ang="0">
+                <a:pos x="connsiteX21" y="connsiteY21"/>
+              </a:cxn>
+              <a:cxn ang="0">
+                <a:pos x="connsiteX22" y="connsiteY22"/>
+              </a:cxn>
+              <a:cxn ang="0">
+                <a:pos x="connsiteX23" y="connsiteY23"/>
+              </a:cxn>
+              <a:cxn ang="0">
+                <a:pos x="connsiteX24" y="connsiteY24"/>
+              </a:cxn>
+              <a:cxn ang="0">
+                <a:pos x="connsiteX25" y="connsiteY25"/>
+              </a:cxn>
+              <a:cxn ang="0">
+                <a:pos x="connsiteX26" y="connsiteY26"/>
+              </a:cxn>
+              <a:cxn ang="0">
+                <a:pos x="connsiteX27" y="connsiteY27"/>
+              </a:cxn>
+              <a:cxn ang="0">
+                <a:pos x="connsiteX28" y="connsiteY28"/>
+              </a:cxn>
+              <a:cxn ang="0">
+                <a:pos x="connsiteX29" y="connsiteY29"/>
+              </a:cxn>
+              <a:cxn ang="0">
+                <a:pos x="connsiteX30" y="connsiteY30"/>
+              </a:cxn>
+              <a:cxn ang="0">
+                <a:pos x="connsiteX31" y="connsiteY31"/>
+              </a:cxn>
+              <a:cxn ang="0">
+                <a:pos x="connsiteX32" y="connsiteY32"/>
+              </a:cxn>
+              <a:cxn ang="0">
+                <a:pos x="connsiteX33" y="connsiteY33"/>
+              </a:cxn>
+              <a:cxn ang="0">
+                <a:pos x="connsiteX34" y="connsiteY34"/>
+              </a:cxn>
+              <a:cxn ang="0">
+                <a:pos x="connsiteX35" y="connsiteY35"/>
+              </a:cxn>
+              <a:cxn ang="0">
+                <a:pos x="connsiteX36" y="connsiteY36"/>
+              </a:cxn>
+              <a:cxn ang="0">
+                <a:pos x="connsiteX37" y="connsiteY37"/>
+              </a:cxn>
+              <a:cxn ang="0">
+                <a:pos x="connsiteX38" y="connsiteY38"/>
+              </a:cxn>
+              <a:cxn ang="0">
+                <a:pos x="connsiteX39" y="connsiteY39"/>
+              </a:cxn>
+              <a:cxn ang="0">
+                <a:pos x="connsiteX40" y="connsiteY40"/>
+              </a:cxn>
+              <a:cxn ang="0">
+                <a:pos x="connsiteX41" y="connsiteY41"/>
+              </a:cxn>
+              <a:cxn ang="0">
+                <a:pos x="connsiteX42" y="connsiteY42"/>
+              </a:cxn>
+              <a:cxn ang="0">
+                <a:pos x="connsiteX43" y="connsiteY43"/>
+              </a:cxn>
+              <a:cxn ang="0">
+                <a:pos x="connsiteX44" y="connsiteY44"/>
+              </a:cxn>
+              <a:cxn ang="0">
+                <a:pos x="connsiteX45" y="connsiteY45"/>
+              </a:cxn>
+              <a:cxn ang="0">
+                <a:pos x="connsiteX46" y="connsiteY46"/>
+              </a:cxn>
+            </a:cxnLst>
+            <a:rect l="l" t="t" r="r" b="b"/>
+            <a:pathLst>
+              <a:path w="2400300" h="504825">
+                <a:moveTo>
+                  <a:pt x="0" y="76200"/>
+                </a:moveTo>
+                <a:cubicBezTo>
+                  <a:pt x="1587" y="69850"/>
+                  <a:pt x="835" y="62386"/>
+                  <a:pt x="4762" y="57150"/>
+                </a:cubicBezTo>
+                <a:cubicBezTo>
+                  <a:pt x="10410" y="49619"/>
+                  <a:pt x="42981" y="27575"/>
+                  <a:pt x="52387" y="23813"/>
+                </a:cubicBezTo>
+                <a:cubicBezTo>
+                  <a:pt x="59903" y="20807"/>
+                  <a:pt x="68262" y="20638"/>
+                  <a:pt x="76200" y="19050"/>
+                </a:cubicBezTo>
+                <a:cubicBezTo>
+                  <a:pt x="82550" y="15875"/>
+                  <a:pt x="88362" y="11247"/>
+                  <a:pt x="95250" y="9525"/>
+                </a:cubicBezTo>
+                <a:cubicBezTo>
+                  <a:pt x="107667" y="6421"/>
+                  <a:pt x="120663" y="6455"/>
+                  <a:pt x="133350" y="4763"/>
+                </a:cubicBezTo>
+                <a:lnTo>
+                  <a:pt x="166687" y="0"/>
+                </a:lnTo>
+                <a:lnTo>
+                  <a:pt x="452437" y="9525"/>
+                </a:lnTo>
+                <a:cubicBezTo>
+                  <a:pt x="457452" y="9764"/>
+                  <a:pt x="461855" y="13070"/>
+                  <a:pt x="466725" y="14288"/>
+                </a:cubicBezTo>
+                <a:cubicBezTo>
+                  <a:pt x="474578" y="16251"/>
+                  <a:pt x="482600" y="17463"/>
+                  <a:pt x="490537" y="19050"/>
+                </a:cubicBezTo>
+                <a:cubicBezTo>
+                  <a:pt x="498475" y="22225"/>
+                  <a:pt x="506240" y="25871"/>
+                  <a:pt x="514350" y="28575"/>
+                </a:cubicBezTo>
+                <a:cubicBezTo>
+                  <a:pt x="557368" y="42915"/>
+                  <a:pt x="504872" y="18013"/>
+                  <a:pt x="571500" y="47625"/>
+                </a:cubicBezTo>
+                <a:cubicBezTo>
+                  <a:pt x="587719" y="54833"/>
+                  <a:pt x="602741" y="64612"/>
+                  <a:pt x="619125" y="71438"/>
+                </a:cubicBezTo>
+                <a:cubicBezTo>
+                  <a:pt x="638175" y="79375"/>
+                  <a:pt x="657816" y="86021"/>
+                  <a:pt x="676275" y="95250"/>
+                </a:cubicBezTo>
+                <a:cubicBezTo>
+                  <a:pt x="682625" y="98425"/>
+                  <a:pt x="688837" y="101892"/>
+                  <a:pt x="695325" y="104775"/>
+                </a:cubicBezTo>
+                <a:cubicBezTo>
+                  <a:pt x="703137" y="108247"/>
+                  <a:pt x="711491" y="110477"/>
+                  <a:pt x="719137" y="114300"/>
+                </a:cubicBezTo>
+                <a:cubicBezTo>
+                  <a:pt x="724257" y="116860"/>
+                  <a:pt x="728421" y="121045"/>
+                  <a:pt x="733425" y="123825"/>
+                </a:cubicBezTo>
+                <a:cubicBezTo>
+                  <a:pt x="742734" y="128997"/>
+                  <a:pt x="752305" y="133706"/>
+                  <a:pt x="762000" y="138113"/>
+                </a:cubicBezTo>
+                <a:cubicBezTo>
+                  <a:pt x="769782" y="141651"/>
+                  <a:pt x="778390" y="143397"/>
+                  <a:pt x="785812" y="147638"/>
+                </a:cubicBezTo>
+                <a:cubicBezTo>
+                  <a:pt x="863552" y="192061"/>
+                  <a:pt x="798910" y="164307"/>
+                  <a:pt x="852487" y="185738"/>
+                </a:cubicBezTo>
+                <a:cubicBezTo>
+                  <a:pt x="932867" y="252720"/>
+                  <a:pt x="833199" y="168204"/>
+                  <a:pt x="904875" y="233363"/>
+                </a:cubicBezTo>
+                <a:cubicBezTo>
+                  <a:pt x="914049" y="241703"/>
+                  <a:pt x="924183" y="248938"/>
+                  <a:pt x="933450" y="257175"/>
+                </a:cubicBezTo>
+                <a:cubicBezTo>
+                  <a:pt x="938484" y="261650"/>
+                  <a:pt x="942623" y="267080"/>
+                  <a:pt x="947737" y="271463"/>
+                </a:cubicBezTo>
+                <a:cubicBezTo>
+                  <a:pt x="953763" y="276629"/>
+                  <a:pt x="961448" y="279877"/>
+                  <a:pt x="966787" y="285750"/>
+                </a:cubicBezTo>
+                <a:cubicBezTo>
+                  <a:pt x="977466" y="297496"/>
+                  <a:pt x="982966" y="313933"/>
+                  <a:pt x="995362" y="323850"/>
+                </a:cubicBezTo>
+                <a:cubicBezTo>
+                  <a:pt x="1028114" y="350051"/>
+                  <a:pt x="1010717" y="337261"/>
+                  <a:pt x="1047750" y="361950"/>
+                </a:cubicBezTo>
+                <a:lnTo>
+                  <a:pt x="1047750" y="361950"/>
+                </a:lnTo>
+                <a:cubicBezTo>
+                  <a:pt x="1054100" y="366713"/>
+                  <a:pt x="1060069" y="372031"/>
+                  <a:pt x="1066800" y="376238"/>
+                </a:cubicBezTo>
+                <a:cubicBezTo>
+                  <a:pt x="1072820" y="380001"/>
+                  <a:pt x="1079686" y="382241"/>
+                  <a:pt x="1085850" y="385763"/>
+                </a:cubicBezTo>
+                <a:cubicBezTo>
+                  <a:pt x="1090820" y="388603"/>
+                  <a:pt x="1095479" y="391961"/>
+                  <a:pt x="1100137" y="395288"/>
+                </a:cubicBezTo>
+                <a:cubicBezTo>
+                  <a:pt x="1106596" y="399902"/>
+                  <a:pt x="1112331" y="405576"/>
+                  <a:pt x="1119187" y="409575"/>
+                </a:cubicBezTo>
+                <a:cubicBezTo>
+                  <a:pt x="1131497" y="416756"/>
+                  <a:pt x="1154523" y="429125"/>
+                  <a:pt x="1171575" y="433388"/>
+                </a:cubicBezTo>
+                <a:cubicBezTo>
+                  <a:pt x="1179428" y="435351"/>
+                  <a:pt x="1187450" y="436563"/>
+                  <a:pt x="1195387" y="438150"/>
+                </a:cubicBezTo>
+                <a:cubicBezTo>
+                  <a:pt x="1253331" y="461327"/>
+                  <a:pt x="1223420" y="452438"/>
+                  <a:pt x="1338262" y="452438"/>
+                </a:cubicBezTo>
+                <a:cubicBezTo>
+                  <a:pt x="1371637" y="452438"/>
+                  <a:pt x="1404937" y="449263"/>
+                  <a:pt x="1438275" y="447675"/>
+                </a:cubicBezTo>
+                <a:cubicBezTo>
+                  <a:pt x="1457325" y="441325"/>
+                  <a:pt x="1475467" y="430842"/>
+                  <a:pt x="1495425" y="428625"/>
+                </a:cubicBezTo>
+                <a:lnTo>
+                  <a:pt x="1538287" y="423863"/>
+                </a:lnTo>
+                <a:cubicBezTo>
+                  <a:pt x="1549426" y="422471"/>
+                  <a:pt x="1560461" y="420275"/>
+                  <a:pt x="1571625" y="419100"/>
+                </a:cubicBezTo>
+                <a:cubicBezTo>
+                  <a:pt x="1590636" y="417099"/>
+                  <a:pt x="1609725" y="415925"/>
+                  <a:pt x="1628775" y="414338"/>
+                </a:cubicBezTo>
+                <a:lnTo>
+                  <a:pt x="2247900" y="419100"/>
+                </a:lnTo>
+                <a:cubicBezTo>
+                  <a:pt x="2254445" y="419198"/>
+                  <a:pt x="2260934" y="421285"/>
+                  <a:pt x="2266950" y="423863"/>
+                </a:cubicBezTo>
+                <a:cubicBezTo>
+                  <a:pt x="2272211" y="426118"/>
+                  <a:pt x="2275858" y="431432"/>
+                  <a:pt x="2281237" y="433388"/>
+                </a:cubicBezTo>
+                <a:cubicBezTo>
+                  <a:pt x="2310462" y="444016"/>
+                  <a:pt x="2318394" y="438685"/>
+                  <a:pt x="2343150" y="452438"/>
+                </a:cubicBezTo>
+                <a:cubicBezTo>
+                  <a:pt x="2350089" y="456293"/>
+                  <a:pt x="2355741" y="462111"/>
+                  <a:pt x="2362200" y="466725"/>
+                </a:cubicBezTo>
+                <a:cubicBezTo>
+                  <a:pt x="2366858" y="470052"/>
+                  <a:pt x="2371725" y="473075"/>
+                  <a:pt x="2376487" y="476250"/>
+                </a:cubicBezTo>
+                <a:cubicBezTo>
+                  <a:pt x="2379662" y="481013"/>
+                  <a:pt x="2382348" y="486141"/>
+                  <a:pt x="2386012" y="490538"/>
+                </a:cubicBezTo>
+                <a:cubicBezTo>
+                  <a:pt x="2390324" y="495712"/>
+                  <a:pt x="2400300" y="504825"/>
+                  <a:pt x="2400300" y="504825"/>
+                </a:cubicBezTo>
+              </a:path>
+            </a:pathLst>
+          </a:custGeom>
+          <a:ln>
+            <a:tailEnd type="triangle"/>
+          </a:ln>
+        </p:spPr>
+        <p:style>
+          <a:lnRef idx="1">
+            <a:schemeClr val="accent1"/>
+          </a:lnRef>
+          <a:fillRef idx="0">
+            <a:schemeClr val="accent1"/>
+          </a:fillRef>
+          <a:effectRef idx="0">
+            <a:schemeClr val="accent1"/>
+          </a:effectRef>
+          <a:fontRef idx="minor">
+            <a:schemeClr val="tx1"/>
+          </a:fontRef>
+        </p:style>
+        <p:txBody>
+          <a:bodyPr rtlCol="0" anchor="ctr"/>
+          <a:lstStyle/>
+          <a:p>
+            <a:pPr algn="ctr"/>
+            <a:endParaRPr lang="ko-KR" altLang="en-US"/>
+          </a:p>
+        </p:txBody>
+      </p:sp>
+      <p:sp>
+        <p:nvSpPr>
+          <p:cNvPr id="11" name="TextBox 10"/>
+          <p:cNvSpPr txBox="1"/>
+          <p:nvPr/>
+        </p:nvSpPr>
+        <p:spPr>
+          <a:xfrm>
+            <a:off x="5712884" y="4071942"/>
+            <a:ext cx="4135556" cy="1815882"/>
+          </a:xfrm>
+          <a:prstGeom prst="rect">
+            <a:avLst/>
+          </a:prstGeom>
+          <a:noFill/>
+        </p:spPr>
+        <p:txBody>
+          <a:bodyPr wrap="none" rtlCol="0">
+            <a:spAutoFit/>
+          </a:bodyPr>
+          <a:lstStyle/>
+          <a:p>
+            <a:r>
+              <a:rPr lang="en-US" altLang="ko-KR" sz="1600" dirty="0" smtClean="0"/>
+              <a:t>public class </a:t>
+            </a:r>
+            <a:r>
+              <a:rPr lang="en-US" altLang="ko-KR" sz="1600" dirty="0" smtClean="0"/>
+              <a:t>Service{</a:t>
+            </a:r>
+            <a:endParaRPr lang="en-US" altLang="ko-KR" sz="1600" dirty="0" smtClean="0"/>
+          </a:p>
+          <a:p>
+            <a:endParaRPr lang="en-US" altLang="ko-KR" sz="1600" dirty="0"/>
+          </a:p>
+          <a:p>
+            <a:r>
+              <a:rPr lang="en-US" altLang="ko-KR" sz="1600" dirty="0" smtClean="0"/>
+              <a:t>   private Map&lt;</a:t>
+            </a:r>
+            <a:r>
+              <a:rPr lang="en-US" altLang="ko-KR" sz="1600" dirty="0" err="1" smtClean="0"/>
+              <a:t>String,String</a:t>
+            </a:r>
+            <a:r>
+              <a:rPr lang="en-US" altLang="ko-KR" sz="1600" dirty="0" smtClean="0"/>
+              <a:t>&gt; map;</a:t>
+            </a:r>
+          </a:p>
+          <a:p>
+            <a:endParaRPr lang="en-US" altLang="ko-KR" sz="1600" dirty="0"/>
+          </a:p>
+          <a:p>
+            <a:r>
+              <a:rPr lang="en-US" altLang="ko-KR" sz="1600" dirty="0" smtClean="0"/>
+              <a:t>  public Service(Map&lt;</a:t>
+            </a:r>
+            <a:r>
+              <a:rPr lang="en-US" altLang="ko-KR" sz="1600" dirty="0" err="1" smtClean="0"/>
+              <a:t>String,String</a:t>
+            </a:r>
+            <a:r>
+              <a:rPr lang="en-US" altLang="ko-KR" sz="1600" dirty="0" smtClean="0"/>
+              <a:t>&gt; map){</a:t>
+            </a:r>
+          </a:p>
+          <a:p>
+            <a:r>
+              <a:rPr lang="en-US" altLang="ko-KR" sz="1600" dirty="0" smtClean="0"/>
+              <a:t>     this.map = map;</a:t>
+            </a:r>
+            <a:endParaRPr lang="en-US" altLang="ko-KR" sz="1600" dirty="0"/>
+          </a:p>
+          <a:p>
+            <a:r>
+              <a:rPr lang="en-US" altLang="ko-KR" sz="1600" dirty="0" smtClean="0"/>
+              <a:t>  }</a:t>
+            </a:r>
+            <a:endParaRPr lang="ko-KR" altLang="en-US" sz="1600" dirty="0"/>
+          </a:p>
+        </p:txBody>
+      </p:sp>
+      <p:cxnSp>
+        <p:nvCxnSpPr>
+          <p:cNvPr id="13" name="직선 연결선 12"/>
+          <p:cNvCxnSpPr/>
+          <p:nvPr/>
+        </p:nvCxnSpPr>
+        <p:spPr>
+          <a:xfrm rot="5400000">
+            <a:off x="4392611" y="5036355"/>
+            <a:ext cx="2643206" cy="1588"/>
+          </a:xfrm>
+          <a:prstGeom prst="line">
+            <a:avLst/>
+          </a:prstGeom>
+        </p:spPr>
+        <p:style>
+          <a:lnRef idx="1">
+            <a:schemeClr val="accent1"/>
+          </a:lnRef>
+          <a:fillRef idx="0">
+            <a:schemeClr val="accent1"/>
+          </a:fillRef>
+          <a:effectRef idx="0">
+            <a:schemeClr val="accent1"/>
+          </a:effectRef>
+          <a:fontRef idx="minor">
+            <a:schemeClr val="tx1"/>
+          </a:fontRef>
+        </p:style>
+      </p:cxnSp>
+      <p:sp>
+        <p:nvSpPr>
+          <p:cNvPr id="14" name="모서리가 둥근 직사각형 13"/>
+          <p:cNvSpPr/>
+          <p:nvPr/>
+        </p:nvSpPr>
+        <p:spPr>
+          <a:xfrm>
+            <a:off x="571472" y="4500570"/>
+            <a:ext cx="5000660" cy="1714512"/>
+          </a:xfrm>
+          <a:prstGeom prst="roundRect">
+            <a:avLst/>
+          </a:prstGeom>
+          <a:noFill/>
+        </p:spPr>
+        <p:style>
+          <a:lnRef idx="2">
+            <a:schemeClr val="accent1">
+              <a:shade val="50000"/>
+            </a:schemeClr>
+          </a:lnRef>
+          <a:fillRef idx="1">
+            <a:schemeClr val="accent1"/>
+          </a:fillRef>
+          <a:effectRef idx="0">
+            <a:schemeClr val="accent1"/>
+          </a:effectRef>
+          <a:fontRef idx="minor">
+            <a:schemeClr val="lt1"/>
+          </a:fontRef>
+        </p:style>
+        <p:txBody>
+          <a:bodyPr rtlCol="0" anchor="ctr"/>
+          <a:lstStyle/>
+          <a:p>
+            <a:pPr algn="ctr"/>
+            <a:endParaRPr lang="ko-KR" altLang="en-US"/>
+          </a:p>
+        </p:txBody>
+      </p:sp>
+      <p:sp>
+        <p:nvSpPr>
+          <p:cNvPr id="15" name="자유형 14"/>
+          <p:cNvSpPr/>
+          <p:nvPr/>
+        </p:nvSpPr>
+        <p:spPr>
+          <a:xfrm>
+            <a:off x="4600575" y="4384206"/>
+            <a:ext cx="2800350" cy="749769"/>
+          </a:xfrm>
+          <a:custGeom>
+            <a:avLst/>
+            <a:gdLst>
+              <a:gd name="connsiteX0" fmla="*/ 0 w 2800350"/>
+              <a:gd name="connsiteY0" fmla="*/ 102069 h 749769"/>
+              <a:gd name="connsiteX1" fmla="*/ 33338 w 2800350"/>
+              <a:gd name="connsiteY1" fmla="*/ 87782 h 749769"/>
+              <a:gd name="connsiteX2" fmla="*/ 100013 w 2800350"/>
+              <a:gd name="connsiteY2" fmla="*/ 63969 h 749769"/>
+              <a:gd name="connsiteX3" fmla="*/ 209550 w 2800350"/>
+              <a:gd name="connsiteY3" fmla="*/ 49682 h 749769"/>
+              <a:gd name="connsiteX4" fmla="*/ 333375 w 2800350"/>
+              <a:gd name="connsiteY4" fmla="*/ 40157 h 749769"/>
+              <a:gd name="connsiteX5" fmla="*/ 704850 w 2800350"/>
+              <a:gd name="connsiteY5" fmla="*/ 49682 h 749769"/>
+              <a:gd name="connsiteX6" fmla="*/ 723900 w 2800350"/>
+              <a:gd name="connsiteY6" fmla="*/ 54444 h 749769"/>
+              <a:gd name="connsiteX7" fmla="*/ 776288 w 2800350"/>
+              <a:gd name="connsiteY7" fmla="*/ 83019 h 749769"/>
+              <a:gd name="connsiteX8" fmla="*/ 790575 w 2800350"/>
+              <a:gd name="connsiteY8" fmla="*/ 97307 h 749769"/>
+              <a:gd name="connsiteX9" fmla="*/ 838200 w 2800350"/>
+              <a:gd name="connsiteY9" fmla="*/ 121119 h 749769"/>
+              <a:gd name="connsiteX10" fmla="*/ 857250 w 2800350"/>
+              <a:gd name="connsiteY10" fmla="*/ 130644 h 749769"/>
+              <a:gd name="connsiteX11" fmla="*/ 895350 w 2800350"/>
+              <a:gd name="connsiteY11" fmla="*/ 159219 h 749769"/>
+              <a:gd name="connsiteX12" fmla="*/ 942975 w 2800350"/>
+              <a:gd name="connsiteY12" fmla="*/ 206844 h 749769"/>
+              <a:gd name="connsiteX13" fmla="*/ 985838 w 2800350"/>
+              <a:gd name="connsiteY13" fmla="*/ 240182 h 749769"/>
+              <a:gd name="connsiteX14" fmla="*/ 1033463 w 2800350"/>
+              <a:gd name="connsiteY14" fmla="*/ 268757 h 749769"/>
+              <a:gd name="connsiteX15" fmla="*/ 1095375 w 2800350"/>
+              <a:gd name="connsiteY15" fmla="*/ 316382 h 749769"/>
+              <a:gd name="connsiteX16" fmla="*/ 1138238 w 2800350"/>
+              <a:gd name="connsiteY16" fmla="*/ 344957 h 749769"/>
+              <a:gd name="connsiteX17" fmla="*/ 1152525 w 2800350"/>
+              <a:gd name="connsiteY17" fmla="*/ 354482 h 749769"/>
+              <a:gd name="connsiteX18" fmla="*/ 1166813 w 2800350"/>
+              <a:gd name="connsiteY18" fmla="*/ 359244 h 749769"/>
+              <a:gd name="connsiteX19" fmla="*/ 1204913 w 2800350"/>
+              <a:gd name="connsiteY19" fmla="*/ 378294 h 749769"/>
+              <a:gd name="connsiteX20" fmla="*/ 1228725 w 2800350"/>
+              <a:gd name="connsiteY20" fmla="*/ 392582 h 749769"/>
+              <a:gd name="connsiteX21" fmla="*/ 1257300 w 2800350"/>
+              <a:gd name="connsiteY21" fmla="*/ 402107 h 749769"/>
+              <a:gd name="connsiteX22" fmla="*/ 1281113 w 2800350"/>
+              <a:gd name="connsiteY22" fmla="*/ 416394 h 749769"/>
+              <a:gd name="connsiteX23" fmla="*/ 1295400 w 2800350"/>
+              <a:gd name="connsiteY23" fmla="*/ 421157 h 749769"/>
+              <a:gd name="connsiteX24" fmla="*/ 1319213 w 2800350"/>
+              <a:gd name="connsiteY24" fmla="*/ 435444 h 749769"/>
+              <a:gd name="connsiteX25" fmla="*/ 1333500 w 2800350"/>
+              <a:gd name="connsiteY25" fmla="*/ 440207 h 749769"/>
+              <a:gd name="connsiteX26" fmla="*/ 1347788 w 2800350"/>
+              <a:gd name="connsiteY26" fmla="*/ 449732 h 749769"/>
+              <a:gd name="connsiteX27" fmla="*/ 1366838 w 2800350"/>
+              <a:gd name="connsiteY27" fmla="*/ 454494 h 749769"/>
+              <a:gd name="connsiteX28" fmla="*/ 1409700 w 2800350"/>
+              <a:gd name="connsiteY28" fmla="*/ 473544 h 749769"/>
+              <a:gd name="connsiteX29" fmla="*/ 1428750 w 2800350"/>
+              <a:gd name="connsiteY29" fmla="*/ 483069 h 749769"/>
+              <a:gd name="connsiteX30" fmla="*/ 1447800 w 2800350"/>
+              <a:gd name="connsiteY30" fmla="*/ 487832 h 749769"/>
+              <a:gd name="connsiteX31" fmla="*/ 1476375 w 2800350"/>
+              <a:gd name="connsiteY31" fmla="*/ 497357 h 749769"/>
+              <a:gd name="connsiteX32" fmla="*/ 1490663 w 2800350"/>
+              <a:gd name="connsiteY32" fmla="*/ 502119 h 749769"/>
+              <a:gd name="connsiteX33" fmla="*/ 1519238 w 2800350"/>
+              <a:gd name="connsiteY33" fmla="*/ 506882 h 749769"/>
+              <a:gd name="connsiteX34" fmla="*/ 1533525 w 2800350"/>
+              <a:gd name="connsiteY34" fmla="*/ 516407 h 749769"/>
+              <a:gd name="connsiteX35" fmla="*/ 1585913 w 2800350"/>
+              <a:gd name="connsiteY35" fmla="*/ 525932 h 749769"/>
+              <a:gd name="connsiteX36" fmla="*/ 1614488 w 2800350"/>
+              <a:gd name="connsiteY36" fmla="*/ 530694 h 749769"/>
+              <a:gd name="connsiteX37" fmla="*/ 1647825 w 2800350"/>
+              <a:gd name="connsiteY37" fmla="*/ 535457 h 749769"/>
+              <a:gd name="connsiteX38" fmla="*/ 1671638 w 2800350"/>
+              <a:gd name="connsiteY38" fmla="*/ 540219 h 749769"/>
+              <a:gd name="connsiteX39" fmla="*/ 2371725 w 2800350"/>
+              <a:gd name="connsiteY39" fmla="*/ 544982 h 749769"/>
+              <a:gd name="connsiteX40" fmla="*/ 2405063 w 2800350"/>
+              <a:gd name="connsiteY40" fmla="*/ 549744 h 749769"/>
+              <a:gd name="connsiteX41" fmla="*/ 2428875 w 2800350"/>
+              <a:gd name="connsiteY41" fmla="*/ 554507 h 749769"/>
+              <a:gd name="connsiteX42" fmla="*/ 2466975 w 2800350"/>
+              <a:gd name="connsiteY42" fmla="*/ 559269 h 749769"/>
+              <a:gd name="connsiteX43" fmla="*/ 2500313 w 2800350"/>
+              <a:gd name="connsiteY43" fmla="*/ 564032 h 749769"/>
+              <a:gd name="connsiteX44" fmla="*/ 2533650 w 2800350"/>
+              <a:gd name="connsiteY44" fmla="*/ 573557 h 749769"/>
+              <a:gd name="connsiteX45" fmla="*/ 2562225 w 2800350"/>
+              <a:gd name="connsiteY45" fmla="*/ 583082 h 749769"/>
+              <a:gd name="connsiteX46" fmla="*/ 2595563 w 2800350"/>
+              <a:gd name="connsiteY46" fmla="*/ 597369 h 749769"/>
+              <a:gd name="connsiteX47" fmla="*/ 2609850 w 2800350"/>
+              <a:gd name="connsiteY47" fmla="*/ 606894 h 749769"/>
+              <a:gd name="connsiteX48" fmla="*/ 2624138 w 2800350"/>
+              <a:gd name="connsiteY48" fmla="*/ 621182 h 749769"/>
+              <a:gd name="connsiteX49" fmla="*/ 2647950 w 2800350"/>
+              <a:gd name="connsiteY49" fmla="*/ 635469 h 749769"/>
+              <a:gd name="connsiteX50" fmla="*/ 2700338 w 2800350"/>
+              <a:gd name="connsiteY50" fmla="*/ 664044 h 749769"/>
+              <a:gd name="connsiteX51" fmla="*/ 2743200 w 2800350"/>
+              <a:gd name="connsiteY51" fmla="*/ 687857 h 749769"/>
+              <a:gd name="connsiteX52" fmla="*/ 2786063 w 2800350"/>
+              <a:gd name="connsiteY52" fmla="*/ 711669 h 749769"/>
+              <a:gd name="connsiteX53" fmla="*/ 2800350 w 2800350"/>
+              <a:gd name="connsiteY53" fmla="*/ 740244 h 749769"/>
+              <a:gd name="connsiteX54" fmla="*/ 2795588 w 2800350"/>
+              <a:gd name="connsiteY54" fmla="*/ 749769 h 749769"/>
+            </a:gdLst>
+            <a:ahLst/>
+            <a:cxnLst>
+              <a:cxn ang="0">
+                <a:pos x="connsiteX0" y="connsiteY0"/>
+              </a:cxn>
+              <a:cxn ang="0">
+                <a:pos x="connsiteX1" y="connsiteY1"/>
+              </a:cxn>
+              <a:cxn ang="0">
+                <a:pos x="connsiteX2" y="connsiteY2"/>
+              </a:cxn>
+              <a:cxn ang="0">
+                <a:pos x="connsiteX3" y="connsiteY3"/>
+              </a:cxn>
+              <a:cxn ang="0">
+                <a:pos x="connsiteX4" y="connsiteY4"/>
+              </a:cxn>
+              <a:cxn ang="0">
+                <a:pos x="connsiteX5" y="connsiteY5"/>
+              </a:cxn>
+              <a:cxn ang="0">
+                <a:pos x="connsiteX6" y="connsiteY6"/>
+              </a:cxn>
+              <a:cxn ang="0">
+                <a:pos x="connsiteX7" y="connsiteY7"/>
+              </a:cxn>
+              <a:cxn ang="0">
+                <a:pos x="connsiteX8" y="connsiteY8"/>
+              </a:cxn>
+              <a:cxn ang="0">
+                <a:pos x="connsiteX9" y="connsiteY9"/>
+              </a:cxn>
+              <a:cxn ang="0">
+                <a:pos x="connsiteX10" y="connsiteY10"/>
+              </a:cxn>
+              <a:cxn ang="0">
+                <a:pos x="connsiteX11" y="connsiteY11"/>
+              </a:cxn>
+              <a:cxn ang="0">
+                <a:pos x="connsiteX12" y="connsiteY12"/>
+              </a:cxn>
+              <a:cxn ang="0">
+                <a:pos x="connsiteX13" y="connsiteY13"/>
+              </a:cxn>
+              <a:cxn ang="0">
+                <a:pos x="connsiteX14" y="connsiteY14"/>
+              </a:cxn>
+              <a:cxn ang="0">
+                <a:pos x="connsiteX15" y="connsiteY15"/>
+              </a:cxn>
+              <a:cxn ang="0">
+                <a:pos x="connsiteX16" y="connsiteY16"/>
+              </a:cxn>
+              <a:cxn ang="0">
+                <a:pos x="connsiteX17" y="connsiteY17"/>
+              </a:cxn>
+              <a:cxn ang="0">
+                <a:pos x="connsiteX18" y="connsiteY18"/>
+              </a:cxn>
+              <a:cxn ang="0">
+                <a:pos x="connsiteX19" y="connsiteY19"/>
+              </a:cxn>
+              <a:cxn ang="0">
+                <a:pos x="connsiteX20" y="connsiteY20"/>
+              </a:cxn>
+              <a:cxn ang="0">
+                <a:pos x="connsiteX21" y="connsiteY21"/>
+              </a:cxn>
+              <a:cxn ang="0">
+                <a:pos x="connsiteX22" y="connsiteY22"/>
+              </a:cxn>
+              <a:cxn ang="0">
+                <a:pos x="connsiteX23" y="connsiteY23"/>
+              </a:cxn>
+              <a:cxn ang="0">
+                <a:pos x="connsiteX24" y="connsiteY24"/>
+              </a:cxn>
+              <a:cxn ang="0">
+                <a:pos x="connsiteX25" y="connsiteY25"/>
+              </a:cxn>
+              <a:cxn ang="0">
+                <a:pos x="connsiteX26" y="connsiteY26"/>
+              </a:cxn>
+              <a:cxn ang="0">
+                <a:pos x="connsiteX27" y="connsiteY27"/>
+              </a:cxn>
+              <a:cxn ang="0">
+                <a:pos x="connsiteX28" y="connsiteY28"/>
+              </a:cxn>
+              <a:cxn ang="0">
+                <a:pos x="connsiteX29" y="connsiteY29"/>
+              </a:cxn>
+              <a:cxn ang="0">
+                <a:pos x="connsiteX30" y="connsiteY30"/>
+              </a:cxn>
+              <a:cxn ang="0">
+                <a:pos x="connsiteX31" y="connsiteY31"/>
+              </a:cxn>
+              <a:cxn ang="0">
+                <a:pos x="connsiteX32" y="connsiteY32"/>
+              </a:cxn>
+              <a:cxn ang="0">
+                <a:pos x="connsiteX33" y="connsiteY33"/>
+              </a:cxn>
+              <a:cxn ang="0">
+                <a:pos x="connsiteX34" y="connsiteY34"/>
+              </a:cxn>
+              <a:cxn ang="0">
+                <a:pos x="connsiteX35" y="connsiteY35"/>
+              </a:cxn>
+              <a:cxn ang="0">
+                <a:pos x="connsiteX36" y="connsiteY36"/>
+              </a:cxn>
+              <a:cxn ang="0">
+                <a:pos x="connsiteX37" y="connsiteY37"/>
+              </a:cxn>
+              <a:cxn ang="0">
+                <a:pos x="connsiteX38" y="connsiteY38"/>
+              </a:cxn>
+              <a:cxn ang="0">
+                <a:pos x="connsiteX39" y="connsiteY39"/>
+              </a:cxn>
+              <a:cxn ang="0">
+                <a:pos x="connsiteX40" y="connsiteY40"/>
+              </a:cxn>
+              <a:cxn ang="0">
+                <a:pos x="connsiteX41" y="connsiteY41"/>
+              </a:cxn>
+              <a:cxn ang="0">
+                <a:pos x="connsiteX42" y="connsiteY42"/>
+              </a:cxn>
+              <a:cxn ang="0">
+                <a:pos x="connsiteX43" y="connsiteY43"/>
+              </a:cxn>
+              <a:cxn ang="0">
+                <a:pos x="connsiteX44" y="connsiteY44"/>
+              </a:cxn>
+              <a:cxn ang="0">
+                <a:pos x="connsiteX45" y="connsiteY45"/>
+              </a:cxn>
+              <a:cxn ang="0">
+                <a:pos x="connsiteX46" y="connsiteY46"/>
+              </a:cxn>
+              <a:cxn ang="0">
+                <a:pos x="connsiteX47" y="connsiteY47"/>
+              </a:cxn>
+              <a:cxn ang="0">
+                <a:pos x="connsiteX48" y="connsiteY48"/>
+              </a:cxn>
+              <a:cxn ang="0">
+                <a:pos x="connsiteX49" y="connsiteY49"/>
+              </a:cxn>
+              <a:cxn ang="0">
+                <a:pos x="connsiteX50" y="connsiteY50"/>
+              </a:cxn>
+              <a:cxn ang="0">
+                <a:pos x="connsiteX51" y="connsiteY51"/>
+              </a:cxn>
+              <a:cxn ang="0">
+                <a:pos x="connsiteX52" y="connsiteY52"/>
+              </a:cxn>
+              <a:cxn ang="0">
+                <a:pos x="connsiteX53" y="connsiteY53"/>
+              </a:cxn>
+              <a:cxn ang="0">
+                <a:pos x="connsiteX54" y="connsiteY54"/>
+              </a:cxn>
+            </a:cxnLst>
+            <a:rect l="l" t="t" r="r" b="b"/>
+            <a:pathLst>
+              <a:path w="2800350" h="749769">
+                <a:moveTo>
+                  <a:pt x="0" y="102069"/>
+                </a:moveTo>
+                <a:cubicBezTo>
+                  <a:pt x="39642" y="92160"/>
+                  <a:pt x="452" y="104225"/>
+                  <a:pt x="33338" y="87782"/>
+                </a:cubicBezTo>
+                <a:cubicBezTo>
+                  <a:pt x="55246" y="76828"/>
+                  <a:pt x="76130" y="69276"/>
+                  <a:pt x="100013" y="63969"/>
+                </a:cubicBezTo>
+                <a:cubicBezTo>
+                  <a:pt x="148350" y="53227"/>
+                  <a:pt x="159332" y="53545"/>
+                  <a:pt x="209550" y="49682"/>
+                </a:cubicBezTo>
+                <a:cubicBezTo>
+                  <a:pt x="368786" y="37433"/>
+                  <a:pt x="190968" y="52023"/>
+                  <a:pt x="333375" y="40157"/>
+                </a:cubicBezTo>
+                <a:lnTo>
+                  <a:pt x="704850" y="49682"/>
+                </a:lnTo>
+                <a:cubicBezTo>
+                  <a:pt x="711391" y="49921"/>
+                  <a:pt x="718046" y="51517"/>
+                  <a:pt x="723900" y="54444"/>
+                </a:cubicBezTo>
+                <a:cubicBezTo>
+                  <a:pt x="853129" y="119059"/>
+                  <a:pt x="582567" y="0"/>
+                  <a:pt x="776288" y="83019"/>
+                </a:cubicBezTo>
+                <a:cubicBezTo>
+                  <a:pt x="781050" y="87782"/>
+                  <a:pt x="784839" y="93777"/>
+                  <a:pt x="790575" y="97307"/>
+                </a:cubicBezTo>
+                <a:cubicBezTo>
+                  <a:pt x="805691" y="106609"/>
+                  <a:pt x="822325" y="113182"/>
+                  <a:pt x="838200" y="121119"/>
+                </a:cubicBezTo>
+                <a:cubicBezTo>
+                  <a:pt x="844550" y="124294"/>
+                  <a:pt x="851570" y="126384"/>
+                  <a:pt x="857250" y="130644"/>
+                </a:cubicBezTo>
+                <a:cubicBezTo>
+                  <a:pt x="869950" y="140169"/>
+                  <a:pt x="884125" y="147994"/>
+                  <a:pt x="895350" y="159219"/>
+                </a:cubicBezTo>
+                <a:cubicBezTo>
+                  <a:pt x="911225" y="175094"/>
+                  <a:pt x="925254" y="193061"/>
+                  <a:pt x="942975" y="206844"/>
+                </a:cubicBezTo>
+                <a:cubicBezTo>
+                  <a:pt x="957263" y="217957"/>
+                  <a:pt x="970317" y="230869"/>
+                  <a:pt x="985838" y="240182"/>
+                </a:cubicBezTo>
+                <a:lnTo>
+                  <a:pt x="1033463" y="268757"/>
+                </a:lnTo>
+                <a:cubicBezTo>
+                  <a:pt x="1064857" y="310617"/>
+                  <a:pt x="1026951" y="265066"/>
+                  <a:pt x="1095375" y="316382"/>
+                </a:cubicBezTo>
+                <a:cubicBezTo>
+                  <a:pt x="1127084" y="340163"/>
+                  <a:pt x="1101492" y="321990"/>
+                  <a:pt x="1138238" y="344957"/>
+                </a:cubicBezTo>
+                <a:cubicBezTo>
+                  <a:pt x="1143092" y="347991"/>
+                  <a:pt x="1147406" y="351922"/>
+                  <a:pt x="1152525" y="354482"/>
+                </a:cubicBezTo>
+                <a:cubicBezTo>
+                  <a:pt x="1157015" y="356727"/>
+                  <a:pt x="1162243" y="357167"/>
+                  <a:pt x="1166813" y="359244"/>
+                </a:cubicBezTo>
+                <a:cubicBezTo>
+                  <a:pt x="1179739" y="365119"/>
+                  <a:pt x="1192738" y="370988"/>
+                  <a:pt x="1204913" y="378294"/>
+                </a:cubicBezTo>
+                <a:cubicBezTo>
+                  <a:pt x="1212850" y="383057"/>
+                  <a:pt x="1220298" y="388752"/>
+                  <a:pt x="1228725" y="392582"/>
+                </a:cubicBezTo>
+                <a:cubicBezTo>
+                  <a:pt x="1237865" y="396737"/>
+                  <a:pt x="1248690" y="396942"/>
+                  <a:pt x="1257300" y="402107"/>
+                </a:cubicBezTo>
+                <a:cubicBezTo>
+                  <a:pt x="1265238" y="406869"/>
+                  <a:pt x="1272834" y="412254"/>
+                  <a:pt x="1281113" y="416394"/>
+                </a:cubicBezTo>
+                <a:cubicBezTo>
+                  <a:pt x="1285603" y="418639"/>
+                  <a:pt x="1290910" y="418912"/>
+                  <a:pt x="1295400" y="421157"/>
+                </a:cubicBezTo>
+                <a:cubicBezTo>
+                  <a:pt x="1303679" y="425297"/>
+                  <a:pt x="1310934" y="431304"/>
+                  <a:pt x="1319213" y="435444"/>
+                </a:cubicBezTo>
+                <a:cubicBezTo>
+                  <a:pt x="1323703" y="437689"/>
+                  <a:pt x="1329010" y="437962"/>
+                  <a:pt x="1333500" y="440207"/>
+                </a:cubicBezTo>
+                <a:cubicBezTo>
+                  <a:pt x="1338620" y="442767"/>
+                  <a:pt x="1342527" y="447477"/>
+                  <a:pt x="1347788" y="449732"/>
+                </a:cubicBezTo>
+                <a:cubicBezTo>
+                  <a:pt x="1353804" y="452310"/>
+                  <a:pt x="1360488" y="452907"/>
+                  <a:pt x="1366838" y="454494"/>
+                </a:cubicBezTo>
+                <a:cubicBezTo>
+                  <a:pt x="1418283" y="485363"/>
+                  <a:pt x="1366099" y="457194"/>
+                  <a:pt x="1409700" y="473544"/>
+                </a:cubicBezTo>
+                <a:cubicBezTo>
+                  <a:pt x="1416348" y="476037"/>
+                  <a:pt x="1422103" y="480576"/>
+                  <a:pt x="1428750" y="483069"/>
+                </a:cubicBezTo>
+                <a:cubicBezTo>
+                  <a:pt x="1434879" y="485367"/>
+                  <a:pt x="1441531" y="485951"/>
+                  <a:pt x="1447800" y="487832"/>
+                </a:cubicBezTo>
+                <a:cubicBezTo>
+                  <a:pt x="1457417" y="490717"/>
+                  <a:pt x="1466850" y="494182"/>
+                  <a:pt x="1476375" y="497357"/>
+                </a:cubicBezTo>
+                <a:cubicBezTo>
+                  <a:pt x="1481138" y="498944"/>
+                  <a:pt x="1485711" y="501294"/>
+                  <a:pt x="1490663" y="502119"/>
+                </a:cubicBezTo>
+                <a:lnTo>
+                  <a:pt x="1519238" y="506882"/>
+                </a:lnTo>
+                <a:cubicBezTo>
+                  <a:pt x="1524000" y="510057"/>
+                  <a:pt x="1528406" y="513847"/>
+                  <a:pt x="1533525" y="516407"/>
+                </a:cubicBezTo>
+                <a:cubicBezTo>
+                  <a:pt x="1548463" y="523876"/>
+                  <a:pt x="1572131" y="523963"/>
+                  <a:pt x="1585913" y="525932"/>
+                </a:cubicBezTo>
+                <a:cubicBezTo>
+                  <a:pt x="1595472" y="527298"/>
+                  <a:pt x="1604944" y="529226"/>
+                  <a:pt x="1614488" y="530694"/>
+                </a:cubicBezTo>
+                <a:cubicBezTo>
+                  <a:pt x="1625583" y="532401"/>
+                  <a:pt x="1636753" y="533612"/>
+                  <a:pt x="1647825" y="535457"/>
+                </a:cubicBezTo>
+                <a:cubicBezTo>
+                  <a:pt x="1655810" y="536788"/>
+                  <a:pt x="1663544" y="540112"/>
+                  <a:pt x="1671638" y="540219"/>
+                </a:cubicBezTo>
+                <a:lnTo>
+                  <a:pt x="2371725" y="544982"/>
+                </a:lnTo>
+                <a:cubicBezTo>
+                  <a:pt x="2382838" y="546569"/>
+                  <a:pt x="2393990" y="547899"/>
+                  <a:pt x="2405063" y="549744"/>
+                </a:cubicBezTo>
+                <a:cubicBezTo>
+                  <a:pt x="2413047" y="551075"/>
+                  <a:pt x="2420875" y="553276"/>
+                  <a:pt x="2428875" y="554507"/>
+                </a:cubicBezTo>
+                <a:cubicBezTo>
+                  <a:pt x="2441525" y="556453"/>
+                  <a:pt x="2454288" y="557577"/>
+                  <a:pt x="2466975" y="559269"/>
+                </a:cubicBezTo>
+                <a:lnTo>
+                  <a:pt x="2500313" y="564032"/>
+                </a:lnTo>
+                <a:cubicBezTo>
+                  <a:pt x="2548346" y="580042"/>
+                  <a:pt x="2473825" y="555609"/>
+                  <a:pt x="2533650" y="573557"/>
+                </a:cubicBezTo>
+                <a:cubicBezTo>
+                  <a:pt x="2543267" y="576442"/>
+                  <a:pt x="2553871" y="577513"/>
+                  <a:pt x="2562225" y="583082"/>
+                </a:cubicBezTo>
+                <a:cubicBezTo>
+                  <a:pt x="2581959" y="596238"/>
+                  <a:pt x="2570960" y="591219"/>
+                  <a:pt x="2595563" y="597369"/>
+                </a:cubicBezTo>
+                <a:cubicBezTo>
+                  <a:pt x="2600325" y="600544"/>
+                  <a:pt x="2605453" y="603230"/>
+                  <a:pt x="2609850" y="606894"/>
+                </a:cubicBezTo>
+                <a:cubicBezTo>
+                  <a:pt x="2615024" y="611206"/>
+                  <a:pt x="2618750" y="617141"/>
+                  <a:pt x="2624138" y="621182"/>
+                </a:cubicBezTo>
+                <a:cubicBezTo>
+                  <a:pt x="2631543" y="626736"/>
+                  <a:pt x="2640248" y="630334"/>
+                  <a:pt x="2647950" y="635469"/>
+                </a:cubicBezTo>
+                <a:cubicBezTo>
+                  <a:pt x="2691033" y="664191"/>
+                  <a:pt x="2665921" y="655441"/>
+                  <a:pt x="2700338" y="664044"/>
+                </a:cubicBezTo>
+                <a:cubicBezTo>
+                  <a:pt x="2714625" y="671982"/>
+                  <a:pt x="2728581" y="680548"/>
+                  <a:pt x="2743200" y="687857"/>
+                </a:cubicBezTo>
+                <a:cubicBezTo>
+                  <a:pt x="2786859" y="709687"/>
+                  <a:pt x="2748590" y="683565"/>
+                  <a:pt x="2786063" y="711669"/>
+                </a:cubicBezTo>
+                <a:cubicBezTo>
+                  <a:pt x="2790879" y="718893"/>
+                  <a:pt x="2800350" y="730385"/>
+                  <a:pt x="2800350" y="740244"/>
+                </a:cubicBezTo>
+                <a:cubicBezTo>
+                  <a:pt x="2800350" y="743794"/>
+                  <a:pt x="2797175" y="746594"/>
+                  <a:pt x="2795588" y="749769"/>
+                </a:cubicBezTo>
+              </a:path>
+            </a:pathLst>
+          </a:custGeom>
+          <a:ln>
+            <a:tailEnd type="triangle"/>
+          </a:ln>
+        </p:spPr>
+        <p:style>
+          <a:lnRef idx="1">
+            <a:schemeClr val="accent1"/>
+          </a:lnRef>
+          <a:fillRef idx="0">
+            <a:schemeClr val="accent1"/>
+          </a:fillRef>
+          <a:effectRef idx="0">
+            <a:schemeClr val="accent1"/>
+          </a:effectRef>
+          <a:fontRef idx="minor">
+            <a:schemeClr val="tx1"/>
+          </a:fontRef>
+        </p:style>
+        <p:txBody>
+          <a:bodyPr rtlCol="0" anchor="ctr"/>
+          <a:lstStyle/>
+          <a:p>
+            <a:pPr algn="ctr"/>
+            <a:endParaRPr lang="ko-KR" altLang="en-US"/>
+          </a:p>
+        </p:txBody>
+      </p:sp>
+    </p:spTree>
+  </p:cSld>
+  <p:clrMapOvr>
+    <a:masterClrMapping/>
+  </p:clrMapOvr>
+</p:sld>
+</file>
+
+<file path=ppt/slides/slide8.xml><?xml version="1.0" encoding="utf-8"?>
+<p:sld xmlns:a="http://schemas.openxmlformats.org/drawingml/2006/main" xmlns:r="http://schemas.openxmlformats.org/officeDocument/2006/relationships" xmlns:p="http://schemas.openxmlformats.org/presentationml/2006/main">
+  <p:cSld>
+    <p:spTree>
+      <p:nvGrpSpPr>
+        <p:cNvPr id="1" name=""/>
+        <p:cNvGrpSpPr/>
+        <p:nvPr/>
+      </p:nvGrpSpPr>
+      <p:grpSpPr>
+        <a:xfrm>
+          <a:off x="0" y="0"/>
+          <a:ext cx="0" cy="0"/>
+          <a:chOff x="0" y="0"/>
+          <a:chExt cx="0" cy="0"/>
+        </a:xfrm>
+      </p:grpSpPr>
+      <p:sp>
+        <p:nvSpPr>
+          <p:cNvPr id="4" name="TextBox 3"/>
+          <p:cNvSpPr txBox="1"/>
+          <p:nvPr/>
+        </p:nvSpPr>
+        <p:spPr>
+          <a:xfrm>
+            <a:off x="285720" y="214290"/>
+            <a:ext cx="5112746" cy="615553"/>
+          </a:xfrm>
+          <a:prstGeom prst="rect">
+            <a:avLst/>
+          </a:prstGeom>
+          <a:noFill/>
+        </p:spPr>
+        <p:txBody>
+          <a:bodyPr wrap="none" rtlCol="0">
+            <a:spAutoFit/>
+          </a:bodyPr>
+          <a:lstStyle/>
+          <a:p>
+            <a:r>
+              <a:rPr lang="en-US" altLang="ko-KR" dirty="0" smtClean="0"/>
+              <a:t>*Singleton pattern</a:t>
+            </a:r>
+            <a:r>
+              <a:rPr lang="ko-KR" altLang="en-US" dirty="0" smtClean="0"/>
+              <a:t>으로 </a:t>
+            </a:r>
+            <a:r>
+              <a:rPr lang="ko-KR" altLang="en-US" dirty="0" smtClean="0"/>
+              <a:t>구현된 </a:t>
+            </a:r>
+            <a:r>
+              <a:rPr lang="ko-KR" altLang="en-US" dirty="0" smtClean="0"/>
+              <a:t>클래스를 객체화</a:t>
+            </a:r>
+            <a:endParaRPr lang="en-US" altLang="ko-KR" dirty="0" smtClean="0"/>
+          </a:p>
+          <a:p>
+            <a:r>
+              <a:rPr lang="en-US" altLang="ko-KR" sz="1600" dirty="0" smtClean="0"/>
+              <a:t> -factory-method=“method</a:t>
+            </a:r>
+            <a:r>
+              <a:rPr lang="ko-KR" altLang="en-US" sz="1600" dirty="0" smtClean="0"/>
+              <a:t>명</a:t>
+            </a:r>
+            <a:r>
+              <a:rPr lang="en-US" altLang="ko-KR" sz="1600" dirty="0" smtClean="0"/>
+              <a:t>”</a:t>
+            </a:r>
+            <a:endParaRPr lang="ko-KR" altLang="en-US" sz="1600" dirty="0"/>
+          </a:p>
+        </p:txBody>
+      </p:sp>
+      <p:sp>
+        <p:nvSpPr>
+          <p:cNvPr id="5" name="TextBox 4"/>
+          <p:cNvSpPr txBox="1"/>
+          <p:nvPr/>
+        </p:nvSpPr>
+        <p:spPr>
+          <a:xfrm>
+            <a:off x="293568" y="970176"/>
+            <a:ext cx="3519810" cy="2800767"/>
+          </a:xfrm>
+          <a:prstGeom prst="rect">
+            <a:avLst/>
+          </a:prstGeom>
+          <a:noFill/>
+        </p:spPr>
+        <p:txBody>
+          <a:bodyPr wrap="none" rtlCol="0">
+            <a:spAutoFit/>
+          </a:bodyPr>
+          <a:lstStyle/>
+          <a:p>
+            <a:r>
+              <a:rPr lang="en-US" altLang="ko-KR" sz="1600" dirty="0" smtClean="0"/>
+              <a:t>public class </a:t>
+            </a:r>
+            <a:r>
+              <a:rPr lang="en-US" altLang="ko-KR" sz="1600" dirty="0" smtClean="0"/>
+              <a:t>Service{</a:t>
+            </a:r>
+            <a:endParaRPr lang="en-US" altLang="ko-KR" sz="1600" dirty="0" smtClean="0"/>
+          </a:p>
+          <a:p>
+            <a:endParaRPr lang="en-US" altLang="ko-KR" sz="1600" dirty="0"/>
+          </a:p>
+          <a:p>
+            <a:r>
+              <a:rPr lang="en-US" altLang="ko-KR" sz="1600" dirty="0" smtClean="0"/>
+              <a:t>   private static Service </a:t>
+            </a:r>
+            <a:r>
+              <a:rPr lang="en-US" altLang="ko-KR" sz="1600" dirty="0" err="1" smtClean="0"/>
+              <a:t>service</a:t>
+            </a:r>
+            <a:r>
+              <a:rPr lang="en-US" altLang="ko-KR" sz="1600" dirty="0" smtClean="0"/>
+              <a:t>;</a:t>
+            </a:r>
+          </a:p>
+          <a:p>
+            <a:endParaRPr lang="en-US" altLang="ko-KR" sz="1600" dirty="0"/>
+          </a:p>
+          <a:p>
+            <a:r>
+              <a:rPr lang="en-US" altLang="ko-KR" sz="1600" dirty="0" smtClean="0"/>
+              <a:t>   private Service(){</a:t>
+            </a:r>
+          </a:p>
+          <a:p>
+            <a:r>
+              <a:rPr lang="en-US" altLang="ko-KR" sz="1600" dirty="0"/>
+              <a:t> </a:t>
+            </a:r>
+            <a:r>
+              <a:rPr lang="en-US" altLang="ko-KR" sz="1600" dirty="0" smtClean="0"/>
+              <a:t>  }</a:t>
+            </a:r>
+          </a:p>
+          <a:p>
+            <a:endParaRPr lang="en-US" altLang="ko-KR" sz="1600" dirty="0"/>
+          </a:p>
+          <a:p>
+            <a:r>
+              <a:rPr lang="en-US" altLang="ko-KR" sz="1600" dirty="0" smtClean="0"/>
+              <a:t>  public static Service </a:t>
+            </a:r>
+            <a:r>
+              <a:rPr lang="en-US" altLang="ko-KR" sz="1600" dirty="0" err="1" smtClean="0"/>
+              <a:t>getInstance</a:t>
+            </a:r>
+            <a:r>
+              <a:rPr lang="en-US" altLang="ko-KR" sz="1600" dirty="0" smtClean="0"/>
+              <a:t>(){</a:t>
+            </a:r>
+          </a:p>
+          <a:p>
+            <a:r>
+              <a:rPr lang="en-US" altLang="ko-KR" sz="1600" dirty="0" smtClean="0"/>
+              <a:t>      </a:t>
+            </a:r>
+          </a:p>
+          <a:p>
+            <a:r>
+              <a:rPr lang="en-US" altLang="ko-KR" sz="1600" dirty="0" smtClean="0"/>
+              <a:t>    return </a:t>
+            </a:r>
+            <a:r>
+              <a:rPr lang="en-US" altLang="ko-KR" sz="1600" dirty="0" err="1" smtClean="0"/>
+              <a:t>serivce</a:t>
+            </a:r>
+            <a:r>
+              <a:rPr lang="en-US" altLang="ko-KR" sz="1600" dirty="0" smtClean="0"/>
+              <a:t>;</a:t>
+            </a:r>
+            <a:endParaRPr lang="en-US" altLang="ko-KR" sz="1600" dirty="0"/>
+          </a:p>
+          <a:p>
+            <a:r>
+              <a:rPr lang="en-US" altLang="ko-KR" sz="1600" dirty="0" smtClean="0"/>
+              <a:t>  }</a:t>
+            </a:r>
+            <a:endParaRPr lang="ko-KR" altLang="en-US" sz="1600" dirty="0"/>
+          </a:p>
+        </p:txBody>
+      </p:sp>
+      <p:cxnSp>
+        <p:nvCxnSpPr>
+          <p:cNvPr id="7" name="직선 연결선 6"/>
+          <p:cNvCxnSpPr/>
+          <p:nvPr/>
+        </p:nvCxnSpPr>
+        <p:spPr>
+          <a:xfrm rot="16200000" flipH="1">
+            <a:off x="2559844" y="2350294"/>
+            <a:ext cx="2819400" cy="23812"/>
+          </a:xfrm>
+          <a:prstGeom prst="line">
+            <a:avLst/>
+          </a:prstGeom>
+        </p:spPr>
+        <p:style>
+          <a:lnRef idx="1">
+            <a:schemeClr val="accent1"/>
+          </a:lnRef>
+          <a:fillRef idx="0">
+            <a:schemeClr val="accent1"/>
+          </a:fillRef>
+          <a:effectRef idx="0">
+            <a:schemeClr val="accent1"/>
+          </a:effectRef>
+          <a:fontRef idx="minor">
+            <a:schemeClr val="tx1"/>
+          </a:fontRef>
+        </p:style>
+      </p:cxnSp>
+      <p:sp>
+        <p:nvSpPr>
+          <p:cNvPr id="10" name="TextBox 9"/>
+          <p:cNvSpPr txBox="1"/>
+          <p:nvPr/>
+        </p:nvSpPr>
+        <p:spPr>
+          <a:xfrm>
+            <a:off x="4286248" y="928670"/>
+            <a:ext cx="5056834" cy="584775"/>
+          </a:xfrm>
+          <a:prstGeom prst="rect">
+            <a:avLst/>
+          </a:prstGeom>
+          <a:noFill/>
+        </p:spPr>
+        <p:txBody>
+          <a:bodyPr wrap="none" rtlCol="0">
+            <a:spAutoFit/>
+          </a:bodyPr>
+          <a:lstStyle/>
+          <a:p>
+            <a:r>
+              <a:rPr lang="en-US" altLang="ko-KR" sz="1600" dirty="0" smtClean="0"/>
+              <a:t>private </a:t>
+            </a:r>
+            <a:r>
+              <a:rPr lang="ko-KR" altLang="en-US" sz="1600" dirty="0" smtClean="0"/>
+              <a:t>접근 지정자가 붙은 </a:t>
+            </a:r>
+            <a:r>
+              <a:rPr lang="ko-KR" altLang="en-US" sz="1600" dirty="0" err="1" smtClean="0"/>
+              <a:t>생성자도</a:t>
+            </a:r>
+            <a:r>
+              <a:rPr lang="ko-KR" altLang="en-US" sz="1600" dirty="0" smtClean="0"/>
+              <a:t> 사용할 수 있다</a:t>
+            </a:r>
+            <a:r>
+              <a:rPr lang="en-US" altLang="ko-KR" sz="1600" dirty="0" smtClean="0"/>
+              <a:t>.</a:t>
+            </a:r>
+            <a:endParaRPr lang="en-US" altLang="ko-KR" sz="1600" dirty="0" smtClean="0"/>
+          </a:p>
+          <a:p>
+            <a:r>
+              <a:rPr lang="en-US" altLang="ko-KR" sz="1600" dirty="0" smtClean="0"/>
+              <a:t>&lt;</a:t>
+            </a:r>
+            <a:r>
+              <a:rPr lang="en-US" altLang="ko-KR" sz="1600" dirty="0" smtClean="0"/>
+              <a:t>bean id=“” class=“”/&gt;</a:t>
+            </a:r>
+            <a:endParaRPr lang="ko-KR" altLang="en-US" sz="1600" dirty="0"/>
+          </a:p>
+        </p:txBody>
+      </p:sp>
+      <p:cxnSp>
+        <p:nvCxnSpPr>
+          <p:cNvPr id="12" name="직선 화살표 연결선 11"/>
+          <p:cNvCxnSpPr/>
+          <p:nvPr/>
+        </p:nvCxnSpPr>
+        <p:spPr>
+          <a:xfrm rot="10800000" flipV="1">
+            <a:off x="2214546" y="1071545"/>
+            <a:ext cx="2214578" cy="1071569"/>
+          </a:xfrm>
+          <a:prstGeom prst="straightConnector1">
+            <a:avLst/>
+          </a:prstGeom>
+          <a:ln>
+            <a:tailEnd type="arrow"/>
+          </a:ln>
+        </p:spPr>
+        <p:style>
+          <a:lnRef idx="1">
+            <a:schemeClr val="accent1"/>
+          </a:lnRef>
+          <a:fillRef idx="0">
+            <a:schemeClr val="accent1"/>
+          </a:fillRef>
+          <a:effectRef idx="0">
+            <a:schemeClr val="accent1"/>
+          </a:effectRef>
+          <a:fontRef idx="minor">
+            <a:schemeClr val="tx1"/>
+          </a:fontRef>
+        </p:style>
+      </p:cxnSp>
+      <p:sp>
+        <p:nvSpPr>
+          <p:cNvPr id="13" name="TextBox 12"/>
+          <p:cNvSpPr txBox="1"/>
+          <p:nvPr/>
+        </p:nvSpPr>
+        <p:spPr>
+          <a:xfrm>
+            <a:off x="4367210" y="1785926"/>
+            <a:ext cx="4192173" cy="1323439"/>
+          </a:xfrm>
+          <a:prstGeom prst="rect">
+            <a:avLst/>
+          </a:prstGeom>
+          <a:noFill/>
+        </p:spPr>
+        <p:txBody>
+          <a:bodyPr wrap="none" rtlCol="0">
+            <a:spAutoFit/>
+          </a:bodyPr>
+          <a:lstStyle/>
+          <a:p>
+            <a:r>
+              <a:rPr lang="en-US" altLang="ko-KR" sz="1600" dirty="0" smtClean="0"/>
+              <a:t>&lt;bean id=“” class=“”</a:t>
+            </a:r>
+          </a:p>
+          <a:p>
+            <a:r>
+              <a:rPr lang="en-US" altLang="ko-KR" sz="1600" dirty="0"/>
+              <a:t> </a:t>
+            </a:r>
+            <a:r>
+              <a:rPr lang="en-US" altLang="ko-KR" sz="1600" dirty="0" smtClean="0"/>
+              <a:t> </a:t>
+            </a:r>
+            <a:r>
+              <a:rPr lang="en-US" altLang="ko-KR" sz="1600" b="1" dirty="0" smtClean="0"/>
+              <a:t>factory-method</a:t>
+            </a:r>
+            <a:r>
+              <a:rPr lang="en-US" altLang="ko-KR" sz="1600" dirty="0" smtClean="0"/>
+              <a:t>=“</a:t>
+            </a:r>
+            <a:r>
+              <a:rPr lang="en-US" altLang="ko-KR" sz="1600" dirty="0" err="1" smtClean="0"/>
+              <a:t>getInstance</a:t>
+            </a:r>
+            <a:r>
+              <a:rPr lang="en-US" altLang="ko-KR" sz="1600" dirty="0" smtClean="0"/>
+              <a:t>”/&gt;</a:t>
+            </a:r>
+          </a:p>
+          <a:p>
+            <a:endParaRPr lang="en-US" altLang="ko-KR" sz="1600" dirty="0" smtClean="0"/>
+          </a:p>
+          <a:p>
+            <a:r>
+              <a:rPr lang="ko-KR" altLang="en-US" sz="1600" dirty="0" smtClean="0"/>
+              <a:t>객체를 </a:t>
+            </a:r>
+            <a:r>
+              <a:rPr lang="en-US" altLang="ko-KR" sz="1600" dirty="0" err="1" smtClean="0"/>
+              <a:t>getInstance</a:t>
+            </a:r>
+            <a:r>
+              <a:rPr lang="en-US" altLang="ko-KR" sz="1600" dirty="0" smtClean="0"/>
+              <a:t> </a:t>
+            </a:r>
+            <a:r>
+              <a:rPr lang="en-US" altLang="ko-KR" sz="1600" dirty="0" smtClean="0"/>
+              <a:t>method</a:t>
+            </a:r>
+            <a:r>
+              <a:rPr lang="ko-KR" altLang="en-US" sz="1600" dirty="0" smtClean="0"/>
+              <a:t>가 생성한 것을 </a:t>
+            </a:r>
+            <a:endParaRPr lang="en-US" altLang="ko-KR" sz="1600" dirty="0" smtClean="0"/>
+          </a:p>
+          <a:p>
+            <a:r>
+              <a:rPr lang="en-US" altLang="ko-KR" sz="1600" dirty="0" smtClean="0"/>
+              <a:t>id</a:t>
+            </a:r>
+            <a:r>
+              <a:rPr lang="ko-KR" altLang="en-US" sz="1600" dirty="0" smtClean="0"/>
+              <a:t>로 저장하여 사용한다</a:t>
+            </a:r>
+            <a:r>
+              <a:rPr lang="en-US" altLang="ko-KR" sz="1600" dirty="0" smtClean="0"/>
+              <a:t>.</a:t>
+            </a:r>
+            <a:endParaRPr lang="ko-KR" altLang="en-US" sz="1600" dirty="0"/>
+          </a:p>
+        </p:txBody>
+      </p:sp>
+      <p:sp>
+        <p:nvSpPr>
+          <p:cNvPr id="14" name="자유형 13"/>
+          <p:cNvSpPr/>
+          <p:nvPr/>
+        </p:nvSpPr>
+        <p:spPr>
+          <a:xfrm>
+            <a:off x="3271215" y="1664858"/>
+            <a:ext cx="3396778" cy="1107062"/>
+          </a:xfrm>
+          <a:custGeom>
+            <a:avLst/>
+            <a:gdLst>
+              <a:gd name="connsiteX0" fmla="*/ 3386760 w 3396778"/>
+              <a:gd name="connsiteY0" fmla="*/ 540180 h 1107062"/>
+              <a:gd name="connsiteX1" fmla="*/ 3377235 w 3396778"/>
+              <a:gd name="connsiteY1" fmla="*/ 383017 h 1107062"/>
+              <a:gd name="connsiteX2" fmla="*/ 3358185 w 3396778"/>
+              <a:gd name="connsiteY2" fmla="*/ 335392 h 1107062"/>
+              <a:gd name="connsiteX3" fmla="*/ 3343898 w 3396778"/>
+              <a:gd name="connsiteY3" fmla="*/ 321105 h 1107062"/>
+              <a:gd name="connsiteX4" fmla="*/ 3329610 w 3396778"/>
+              <a:gd name="connsiteY4" fmla="*/ 287767 h 1107062"/>
+              <a:gd name="connsiteX5" fmla="*/ 3315323 w 3396778"/>
+              <a:gd name="connsiteY5" fmla="*/ 273480 h 1107062"/>
+              <a:gd name="connsiteX6" fmla="*/ 3296273 w 3396778"/>
+              <a:gd name="connsiteY6" fmla="*/ 244905 h 1107062"/>
+              <a:gd name="connsiteX7" fmla="*/ 3258173 w 3396778"/>
+              <a:gd name="connsiteY7" fmla="*/ 202042 h 1107062"/>
+              <a:gd name="connsiteX8" fmla="*/ 3220073 w 3396778"/>
+              <a:gd name="connsiteY8" fmla="*/ 173467 h 1107062"/>
+              <a:gd name="connsiteX9" fmla="*/ 3177210 w 3396778"/>
+              <a:gd name="connsiteY9" fmla="*/ 140130 h 1107062"/>
+              <a:gd name="connsiteX10" fmla="*/ 3153398 w 3396778"/>
+              <a:gd name="connsiteY10" fmla="*/ 121080 h 1107062"/>
+              <a:gd name="connsiteX11" fmla="*/ 3124823 w 3396778"/>
+              <a:gd name="connsiteY11" fmla="*/ 102030 h 1107062"/>
+              <a:gd name="connsiteX12" fmla="*/ 3105773 w 3396778"/>
+              <a:gd name="connsiteY12" fmla="*/ 87742 h 1107062"/>
+              <a:gd name="connsiteX13" fmla="*/ 3081960 w 3396778"/>
+              <a:gd name="connsiteY13" fmla="*/ 82980 h 1107062"/>
+              <a:gd name="connsiteX14" fmla="*/ 3062910 w 3396778"/>
+              <a:gd name="connsiteY14" fmla="*/ 78217 h 1107062"/>
+              <a:gd name="connsiteX15" fmla="*/ 3029573 w 3396778"/>
+              <a:gd name="connsiteY15" fmla="*/ 59167 h 1107062"/>
+              <a:gd name="connsiteX16" fmla="*/ 3010523 w 3396778"/>
+              <a:gd name="connsiteY16" fmla="*/ 54405 h 1107062"/>
+              <a:gd name="connsiteX17" fmla="*/ 2986710 w 3396778"/>
+              <a:gd name="connsiteY17" fmla="*/ 49642 h 1107062"/>
+              <a:gd name="connsiteX18" fmla="*/ 2891460 w 3396778"/>
+              <a:gd name="connsiteY18" fmla="*/ 40117 h 1107062"/>
+              <a:gd name="connsiteX19" fmla="*/ 2867648 w 3396778"/>
+              <a:gd name="connsiteY19" fmla="*/ 30592 h 1107062"/>
+              <a:gd name="connsiteX20" fmla="*/ 2834310 w 3396778"/>
+              <a:gd name="connsiteY20" fmla="*/ 25830 h 1107062"/>
+              <a:gd name="connsiteX21" fmla="*/ 2791448 w 3396778"/>
+              <a:gd name="connsiteY21" fmla="*/ 21067 h 1107062"/>
+              <a:gd name="connsiteX22" fmla="*/ 2743823 w 3396778"/>
+              <a:gd name="connsiteY22" fmla="*/ 16305 h 1107062"/>
+              <a:gd name="connsiteX23" fmla="*/ 2591423 w 3396778"/>
+              <a:gd name="connsiteY23" fmla="*/ 2017 h 1107062"/>
+              <a:gd name="connsiteX24" fmla="*/ 1848473 w 3396778"/>
+              <a:gd name="connsiteY24" fmla="*/ 6780 h 1107062"/>
+              <a:gd name="connsiteX25" fmla="*/ 1815135 w 3396778"/>
+              <a:gd name="connsiteY25" fmla="*/ 11542 h 1107062"/>
+              <a:gd name="connsiteX26" fmla="*/ 1734173 w 3396778"/>
+              <a:gd name="connsiteY26" fmla="*/ 25830 h 1107062"/>
+              <a:gd name="connsiteX27" fmla="*/ 1700835 w 3396778"/>
+              <a:gd name="connsiteY27" fmla="*/ 30592 h 1107062"/>
+              <a:gd name="connsiteX28" fmla="*/ 1596060 w 3396778"/>
+              <a:gd name="connsiteY28" fmla="*/ 40117 h 1107062"/>
+              <a:gd name="connsiteX29" fmla="*/ 1553198 w 3396778"/>
+              <a:gd name="connsiteY29" fmla="*/ 59167 h 1107062"/>
+              <a:gd name="connsiteX30" fmla="*/ 1534148 w 3396778"/>
+              <a:gd name="connsiteY30" fmla="*/ 63930 h 1107062"/>
+              <a:gd name="connsiteX31" fmla="*/ 1510335 w 3396778"/>
+              <a:gd name="connsiteY31" fmla="*/ 73455 h 1107062"/>
+              <a:gd name="connsiteX32" fmla="*/ 1481760 w 3396778"/>
+              <a:gd name="connsiteY32" fmla="*/ 82980 h 1107062"/>
+              <a:gd name="connsiteX33" fmla="*/ 1429373 w 3396778"/>
+              <a:gd name="connsiteY33" fmla="*/ 102030 h 1107062"/>
+              <a:gd name="connsiteX34" fmla="*/ 1353173 w 3396778"/>
+              <a:gd name="connsiteY34" fmla="*/ 135367 h 1107062"/>
+              <a:gd name="connsiteX35" fmla="*/ 1334123 w 3396778"/>
+              <a:gd name="connsiteY35" fmla="*/ 144892 h 1107062"/>
+              <a:gd name="connsiteX36" fmla="*/ 1300785 w 3396778"/>
+              <a:gd name="connsiteY36" fmla="*/ 154417 h 1107062"/>
+              <a:gd name="connsiteX37" fmla="*/ 1262685 w 3396778"/>
+              <a:gd name="connsiteY37" fmla="*/ 173467 h 1107062"/>
+              <a:gd name="connsiteX38" fmla="*/ 1248398 w 3396778"/>
+              <a:gd name="connsiteY38" fmla="*/ 178230 h 1107062"/>
+              <a:gd name="connsiteX39" fmla="*/ 1224585 w 3396778"/>
+              <a:gd name="connsiteY39" fmla="*/ 192517 h 1107062"/>
+              <a:gd name="connsiteX40" fmla="*/ 1200773 w 3396778"/>
+              <a:gd name="connsiteY40" fmla="*/ 202042 h 1107062"/>
+              <a:gd name="connsiteX41" fmla="*/ 1176960 w 3396778"/>
+              <a:gd name="connsiteY41" fmla="*/ 221092 h 1107062"/>
+              <a:gd name="connsiteX42" fmla="*/ 1124573 w 3396778"/>
+              <a:gd name="connsiteY42" fmla="*/ 244905 h 1107062"/>
+              <a:gd name="connsiteX43" fmla="*/ 1062660 w 3396778"/>
+              <a:gd name="connsiteY43" fmla="*/ 287767 h 1107062"/>
+              <a:gd name="connsiteX44" fmla="*/ 1038848 w 3396778"/>
+              <a:gd name="connsiteY44" fmla="*/ 292530 h 1107062"/>
+              <a:gd name="connsiteX45" fmla="*/ 991223 w 3396778"/>
+              <a:gd name="connsiteY45" fmla="*/ 330630 h 1107062"/>
+              <a:gd name="connsiteX46" fmla="*/ 943598 w 3396778"/>
+              <a:gd name="connsiteY46" fmla="*/ 359205 h 1107062"/>
+              <a:gd name="connsiteX47" fmla="*/ 900735 w 3396778"/>
+              <a:gd name="connsiteY47" fmla="*/ 387780 h 1107062"/>
+              <a:gd name="connsiteX48" fmla="*/ 881685 w 3396778"/>
+              <a:gd name="connsiteY48" fmla="*/ 397305 h 1107062"/>
+              <a:gd name="connsiteX49" fmla="*/ 862635 w 3396778"/>
+              <a:gd name="connsiteY49" fmla="*/ 411592 h 1107062"/>
+              <a:gd name="connsiteX50" fmla="*/ 838823 w 3396778"/>
+              <a:gd name="connsiteY50" fmla="*/ 425880 h 1107062"/>
+              <a:gd name="connsiteX51" fmla="*/ 815010 w 3396778"/>
+              <a:gd name="connsiteY51" fmla="*/ 444930 h 1107062"/>
+              <a:gd name="connsiteX52" fmla="*/ 795960 w 3396778"/>
+              <a:gd name="connsiteY52" fmla="*/ 449692 h 1107062"/>
+              <a:gd name="connsiteX53" fmla="*/ 776910 w 3396778"/>
+              <a:gd name="connsiteY53" fmla="*/ 463980 h 1107062"/>
+              <a:gd name="connsiteX54" fmla="*/ 757860 w 3396778"/>
+              <a:gd name="connsiteY54" fmla="*/ 483030 h 1107062"/>
+              <a:gd name="connsiteX55" fmla="*/ 734048 w 3396778"/>
+              <a:gd name="connsiteY55" fmla="*/ 497317 h 1107062"/>
+              <a:gd name="connsiteX56" fmla="*/ 710235 w 3396778"/>
+              <a:gd name="connsiteY56" fmla="*/ 516367 h 1107062"/>
+              <a:gd name="connsiteX57" fmla="*/ 648323 w 3396778"/>
+              <a:gd name="connsiteY57" fmla="*/ 549705 h 1107062"/>
+              <a:gd name="connsiteX58" fmla="*/ 624510 w 3396778"/>
+              <a:gd name="connsiteY58" fmla="*/ 559230 h 1107062"/>
+              <a:gd name="connsiteX59" fmla="*/ 591173 w 3396778"/>
+              <a:gd name="connsiteY59" fmla="*/ 583042 h 1107062"/>
+              <a:gd name="connsiteX60" fmla="*/ 548310 w 3396778"/>
+              <a:gd name="connsiteY60" fmla="*/ 606855 h 1107062"/>
+              <a:gd name="connsiteX61" fmla="*/ 519735 w 3396778"/>
+              <a:gd name="connsiteY61" fmla="*/ 625905 h 1107062"/>
+              <a:gd name="connsiteX62" fmla="*/ 500685 w 3396778"/>
+              <a:gd name="connsiteY62" fmla="*/ 644955 h 1107062"/>
+              <a:gd name="connsiteX63" fmla="*/ 476873 w 3396778"/>
+              <a:gd name="connsiteY63" fmla="*/ 659242 h 1107062"/>
+              <a:gd name="connsiteX64" fmla="*/ 448298 w 3396778"/>
+              <a:gd name="connsiteY64" fmla="*/ 678292 h 1107062"/>
+              <a:gd name="connsiteX65" fmla="*/ 429248 w 3396778"/>
+              <a:gd name="connsiteY65" fmla="*/ 697342 h 1107062"/>
+              <a:gd name="connsiteX66" fmla="*/ 405435 w 3396778"/>
+              <a:gd name="connsiteY66" fmla="*/ 711630 h 1107062"/>
+              <a:gd name="connsiteX67" fmla="*/ 376860 w 3396778"/>
+              <a:gd name="connsiteY67" fmla="*/ 735442 h 1107062"/>
+              <a:gd name="connsiteX68" fmla="*/ 353048 w 3396778"/>
+              <a:gd name="connsiteY68" fmla="*/ 749730 h 1107062"/>
+              <a:gd name="connsiteX69" fmla="*/ 319710 w 3396778"/>
+              <a:gd name="connsiteY69" fmla="*/ 783067 h 1107062"/>
+              <a:gd name="connsiteX70" fmla="*/ 305423 w 3396778"/>
+              <a:gd name="connsiteY70" fmla="*/ 792592 h 1107062"/>
+              <a:gd name="connsiteX71" fmla="*/ 276848 w 3396778"/>
+              <a:gd name="connsiteY71" fmla="*/ 816405 h 1107062"/>
+              <a:gd name="connsiteX72" fmla="*/ 229223 w 3396778"/>
+              <a:gd name="connsiteY72" fmla="*/ 878317 h 1107062"/>
+              <a:gd name="connsiteX73" fmla="*/ 210173 w 3396778"/>
+              <a:gd name="connsiteY73" fmla="*/ 897367 h 1107062"/>
+              <a:gd name="connsiteX74" fmla="*/ 195885 w 3396778"/>
+              <a:gd name="connsiteY74" fmla="*/ 911655 h 1107062"/>
+              <a:gd name="connsiteX75" fmla="*/ 181598 w 3396778"/>
+              <a:gd name="connsiteY75" fmla="*/ 921180 h 1107062"/>
+              <a:gd name="connsiteX76" fmla="*/ 167310 w 3396778"/>
+              <a:gd name="connsiteY76" fmla="*/ 935467 h 1107062"/>
+              <a:gd name="connsiteX77" fmla="*/ 148260 w 3396778"/>
+              <a:gd name="connsiteY77" fmla="*/ 944992 h 1107062"/>
+              <a:gd name="connsiteX78" fmla="*/ 95873 w 3396778"/>
+              <a:gd name="connsiteY78" fmla="*/ 978330 h 1107062"/>
+              <a:gd name="connsiteX79" fmla="*/ 67298 w 3396778"/>
+              <a:gd name="connsiteY79" fmla="*/ 1006905 h 1107062"/>
+              <a:gd name="connsiteX80" fmla="*/ 48248 w 3396778"/>
+              <a:gd name="connsiteY80" fmla="*/ 1025955 h 1107062"/>
+              <a:gd name="connsiteX81" fmla="*/ 29198 w 3396778"/>
+              <a:gd name="connsiteY81" fmla="*/ 1040242 h 1107062"/>
+              <a:gd name="connsiteX82" fmla="*/ 19673 w 3396778"/>
+              <a:gd name="connsiteY82" fmla="*/ 1054530 h 1107062"/>
+              <a:gd name="connsiteX83" fmla="*/ 5385 w 3396778"/>
+              <a:gd name="connsiteY83" fmla="*/ 1068817 h 1107062"/>
+              <a:gd name="connsiteX84" fmla="*/ 623 w 3396778"/>
+              <a:gd name="connsiteY84" fmla="*/ 1083105 h 1107062"/>
+            </a:gdLst>
+            <a:ahLst/>
+            <a:cxnLst>
+              <a:cxn ang="0">
+                <a:pos x="connsiteX0" y="connsiteY0"/>
+              </a:cxn>
+              <a:cxn ang="0">
+                <a:pos x="connsiteX1" y="connsiteY1"/>
+              </a:cxn>
+              <a:cxn ang="0">
+                <a:pos x="connsiteX2" y="connsiteY2"/>
+              </a:cxn>
+              <a:cxn ang="0">
+                <a:pos x="connsiteX3" y="connsiteY3"/>
+              </a:cxn>
+              <a:cxn ang="0">
+                <a:pos x="connsiteX4" y="connsiteY4"/>
+              </a:cxn>
+              <a:cxn ang="0">
+                <a:pos x="connsiteX5" y="connsiteY5"/>
+              </a:cxn>
+              <a:cxn ang="0">
+                <a:pos x="connsiteX6" y="connsiteY6"/>
+              </a:cxn>
+              <a:cxn ang="0">
+                <a:pos x="connsiteX7" y="connsiteY7"/>
+              </a:cxn>
+              <a:cxn ang="0">
+                <a:pos x="connsiteX8" y="connsiteY8"/>
+              </a:cxn>
+              <a:cxn ang="0">
+                <a:pos x="connsiteX9" y="connsiteY9"/>
+              </a:cxn>
+              <a:cxn ang="0">
+                <a:pos x="connsiteX10" y="connsiteY10"/>
+              </a:cxn>
+              <a:cxn ang="0">
+                <a:pos x="connsiteX11" y="connsiteY11"/>
+              </a:cxn>
+              <a:cxn ang="0">
+                <a:pos x="connsiteX12" y="connsiteY12"/>
+              </a:cxn>
+              <a:cxn ang="0">
+                <a:pos x="connsiteX13" y="connsiteY13"/>
+              </a:cxn>
+              <a:cxn ang="0">
+                <a:pos x="connsiteX14" y="connsiteY14"/>
+              </a:cxn>
+              <a:cxn ang="0">
+                <a:pos x="connsiteX15" y="connsiteY15"/>
+              </a:cxn>
+              <a:cxn ang="0">
+                <a:pos x="connsiteX16" y="connsiteY16"/>
+              </a:cxn>
+              <a:cxn ang="0">
+                <a:pos x="connsiteX17" y="connsiteY17"/>
+              </a:cxn>
+              <a:cxn ang="0">
+                <a:pos x="connsiteX18" y="connsiteY18"/>
+              </a:cxn>
+              <a:cxn ang="0">
+                <a:pos x="connsiteX19" y="connsiteY19"/>
+              </a:cxn>
+              <a:cxn ang="0">
+                <a:pos x="connsiteX20" y="connsiteY20"/>
+              </a:cxn>
+              <a:cxn ang="0">
+                <a:pos x="connsiteX21" y="connsiteY21"/>
+              </a:cxn>
+              <a:cxn ang="0">
+                <a:pos x="connsiteX22" y="connsiteY22"/>
+              </a:cxn>
+              <a:cxn ang="0">
+                <a:pos x="connsiteX23" y="connsiteY23"/>
+              </a:cxn>
+              <a:cxn ang="0">
+                <a:pos x="connsiteX24" y="connsiteY24"/>
+              </a:cxn>
+              <a:cxn ang="0">
+                <a:pos x="connsiteX25" y="connsiteY25"/>
+              </a:cxn>
+              <a:cxn ang="0">
+                <a:pos x="connsiteX26" y="connsiteY26"/>
+              </a:cxn>
+              <a:cxn ang="0">
+                <a:pos x="connsiteX27" y="connsiteY27"/>
+              </a:cxn>
+              <a:cxn ang="0">
+                <a:pos x="connsiteX28" y="connsiteY28"/>
+              </a:cxn>
+              <a:cxn ang="0">
+                <a:pos x="connsiteX29" y="connsiteY29"/>
+              </a:cxn>
+              <a:cxn ang="0">
+                <a:pos x="connsiteX30" y="connsiteY30"/>
+              </a:cxn>
+              <a:cxn ang="0">
+                <a:pos x="connsiteX31" y="connsiteY31"/>
+              </a:cxn>
+              <a:cxn ang="0">
+                <a:pos x="connsiteX32" y="connsiteY32"/>
+              </a:cxn>
+              <a:cxn ang="0">
+                <a:pos x="connsiteX33" y="connsiteY33"/>
+              </a:cxn>
+              <a:cxn ang="0">
+                <a:pos x="connsiteX34" y="connsiteY34"/>
+              </a:cxn>
+              <a:cxn ang="0">
+                <a:pos x="connsiteX35" y="connsiteY35"/>
+              </a:cxn>
+              <a:cxn ang="0">
+                <a:pos x="connsiteX36" y="connsiteY36"/>
+              </a:cxn>
+              <a:cxn ang="0">
+                <a:pos x="connsiteX37" y="connsiteY37"/>
+              </a:cxn>
+              <a:cxn ang="0">
+                <a:pos x="connsiteX38" y="connsiteY38"/>
+              </a:cxn>
+              <a:cxn ang="0">
+                <a:pos x="connsiteX39" y="connsiteY39"/>
+              </a:cxn>
+              <a:cxn ang="0">
+                <a:pos x="connsiteX40" y="connsiteY40"/>
+              </a:cxn>
+              <a:cxn ang="0">
+                <a:pos x="connsiteX41" y="connsiteY41"/>
+              </a:cxn>
+              <a:cxn ang="0">
+                <a:pos x="connsiteX42" y="connsiteY42"/>
+              </a:cxn>
+              <a:cxn ang="0">
+                <a:pos x="connsiteX43" y="connsiteY43"/>
+              </a:cxn>
+              <a:cxn ang="0">
+                <a:pos x="connsiteX44" y="connsiteY44"/>
+              </a:cxn>
+              <a:cxn ang="0">
+                <a:pos x="connsiteX45" y="connsiteY45"/>
+              </a:cxn>
+              <a:cxn ang="0">
+                <a:pos x="connsiteX46" y="connsiteY46"/>
+              </a:cxn>
+              <a:cxn ang="0">
+                <a:pos x="connsiteX47" y="connsiteY47"/>
+              </a:cxn>
+              <a:cxn ang="0">
+                <a:pos x="connsiteX48" y="connsiteY48"/>
+              </a:cxn>
+              <a:cxn ang="0">
+                <a:pos x="connsiteX49" y="connsiteY49"/>
+              </a:cxn>
+              <a:cxn ang="0">
+                <a:pos x="connsiteX50" y="connsiteY50"/>
+              </a:cxn>
+              <a:cxn ang="0">
+                <a:pos x="connsiteX51" y="connsiteY51"/>
+              </a:cxn>
+              <a:cxn ang="0">
+                <a:pos x="connsiteX52" y="connsiteY52"/>
+              </a:cxn>
+              <a:cxn ang="0">
+                <a:pos x="connsiteX53" y="connsiteY53"/>
+              </a:cxn>
+              <a:cxn ang="0">
+                <a:pos x="connsiteX54" y="connsiteY54"/>
+              </a:cxn>
+              <a:cxn ang="0">
+                <a:pos x="connsiteX55" y="connsiteY55"/>
+              </a:cxn>
+              <a:cxn ang="0">
+                <a:pos x="connsiteX56" y="connsiteY56"/>
+              </a:cxn>
+              <a:cxn ang="0">
+                <a:pos x="connsiteX57" y="connsiteY57"/>
+              </a:cxn>
+              <a:cxn ang="0">
+                <a:pos x="connsiteX58" y="connsiteY58"/>
+              </a:cxn>
+              <a:cxn ang="0">
+                <a:pos x="connsiteX59" y="connsiteY59"/>
+              </a:cxn>
+              <a:cxn ang="0">
+                <a:pos x="connsiteX60" y="connsiteY60"/>
+              </a:cxn>
+              <a:cxn ang="0">
+                <a:pos x="connsiteX61" y="connsiteY61"/>
+              </a:cxn>
+              <a:cxn ang="0">
+                <a:pos x="connsiteX62" y="connsiteY62"/>
+              </a:cxn>
+              <a:cxn ang="0">
+                <a:pos x="connsiteX63" y="connsiteY63"/>
+              </a:cxn>
+              <a:cxn ang="0">
+                <a:pos x="connsiteX64" y="connsiteY64"/>
+              </a:cxn>
+              <a:cxn ang="0">
+                <a:pos x="connsiteX65" y="connsiteY65"/>
+              </a:cxn>
+              <a:cxn ang="0">
+                <a:pos x="connsiteX66" y="connsiteY66"/>
+              </a:cxn>
+              <a:cxn ang="0">
+                <a:pos x="connsiteX67" y="connsiteY67"/>
+              </a:cxn>
+              <a:cxn ang="0">
+                <a:pos x="connsiteX68" y="connsiteY68"/>
+              </a:cxn>
+              <a:cxn ang="0">
+                <a:pos x="connsiteX69" y="connsiteY69"/>
+              </a:cxn>
+              <a:cxn ang="0">
+                <a:pos x="connsiteX70" y="connsiteY70"/>
+              </a:cxn>
+              <a:cxn ang="0">
+                <a:pos x="connsiteX71" y="connsiteY71"/>
+              </a:cxn>
+              <a:cxn ang="0">
+                <a:pos x="connsiteX72" y="connsiteY72"/>
+              </a:cxn>
+              <a:cxn ang="0">
+                <a:pos x="connsiteX73" y="connsiteY73"/>
+              </a:cxn>
+              <a:cxn ang="0">
+                <a:pos x="connsiteX74" y="connsiteY74"/>
+              </a:cxn>
+              <a:cxn ang="0">
+                <a:pos x="connsiteX75" y="connsiteY75"/>
+              </a:cxn>
+              <a:cxn ang="0">
+                <a:pos x="connsiteX76" y="connsiteY76"/>
+              </a:cxn>
+              <a:cxn ang="0">
+                <a:pos x="connsiteX77" y="connsiteY77"/>
+              </a:cxn>
+              <a:cxn ang="0">
+                <a:pos x="connsiteX78" y="connsiteY78"/>
+              </a:cxn>
+              <a:cxn ang="0">
+                <a:pos x="connsiteX79" y="connsiteY79"/>
+              </a:cxn>
+              <a:cxn ang="0">
+                <a:pos x="connsiteX80" y="connsiteY80"/>
+              </a:cxn>
+              <a:cxn ang="0">
+                <a:pos x="connsiteX81" y="connsiteY81"/>
+              </a:cxn>
+              <a:cxn ang="0">
+                <a:pos x="connsiteX82" y="connsiteY82"/>
+              </a:cxn>
+              <a:cxn ang="0">
+                <a:pos x="connsiteX83" y="connsiteY83"/>
+              </a:cxn>
+              <a:cxn ang="0">
+                <a:pos x="connsiteX84" y="connsiteY84"/>
+              </a:cxn>
+            </a:cxnLst>
+            <a:rect l="l" t="t" r="r" b="b"/>
+            <a:pathLst>
+              <a:path w="3396778" h="1107062">
+                <a:moveTo>
+                  <a:pt x="3386760" y="540180"/>
+                </a:moveTo>
+                <a:cubicBezTo>
+                  <a:pt x="3384577" y="474694"/>
+                  <a:pt x="3396778" y="433829"/>
+                  <a:pt x="3377235" y="383017"/>
+                </a:cubicBezTo>
+                <a:cubicBezTo>
+                  <a:pt x="3371097" y="367059"/>
+                  <a:pt x="3370275" y="347482"/>
+                  <a:pt x="3358185" y="335392"/>
+                </a:cubicBezTo>
+                <a:lnTo>
+                  <a:pt x="3343898" y="321105"/>
+                </a:lnTo>
+                <a:cubicBezTo>
+                  <a:pt x="3340011" y="309446"/>
+                  <a:pt x="3336966" y="298065"/>
+                  <a:pt x="3329610" y="287767"/>
+                </a:cubicBezTo>
+                <a:cubicBezTo>
+                  <a:pt x="3325695" y="282287"/>
+                  <a:pt x="3319458" y="278796"/>
+                  <a:pt x="3315323" y="273480"/>
+                </a:cubicBezTo>
+                <a:cubicBezTo>
+                  <a:pt x="3308295" y="264444"/>
+                  <a:pt x="3303006" y="254163"/>
+                  <a:pt x="3296273" y="244905"/>
+                </a:cubicBezTo>
+                <a:cubicBezTo>
+                  <a:pt x="3269094" y="207533"/>
+                  <a:pt x="3286636" y="234063"/>
+                  <a:pt x="3258173" y="202042"/>
+                </a:cubicBezTo>
+                <a:cubicBezTo>
+                  <a:pt x="3231729" y="172292"/>
+                  <a:pt x="3251113" y="181228"/>
+                  <a:pt x="3220073" y="173467"/>
+                </a:cubicBezTo>
+                <a:lnTo>
+                  <a:pt x="3177210" y="140130"/>
+                </a:lnTo>
+                <a:cubicBezTo>
+                  <a:pt x="3169217" y="133850"/>
+                  <a:pt x="3161856" y="126718"/>
+                  <a:pt x="3153398" y="121080"/>
+                </a:cubicBezTo>
+                <a:cubicBezTo>
+                  <a:pt x="3143873" y="114730"/>
+                  <a:pt x="3134201" y="108595"/>
+                  <a:pt x="3124823" y="102030"/>
+                </a:cubicBezTo>
+                <a:cubicBezTo>
+                  <a:pt x="3118320" y="97478"/>
+                  <a:pt x="3113026" y="90966"/>
+                  <a:pt x="3105773" y="87742"/>
+                </a:cubicBezTo>
+                <a:cubicBezTo>
+                  <a:pt x="3098376" y="84454"/>
+                  <a:pt x="3089862" y="84736"/>
+                  <a:pt x="3081960" y="82980"/>
+                </a:cubicBezTo>
+                <a:cubicBezTo>
+                  <a:pt x="3075570" y="81560"/>
+                  <a:pt x="3069039" y="80515"/>
+                  <a:pt x="3062910" y="78217"/>
+                </a:cubicBezTo>
+                <a:cubicBezTo>
+                  <a:pt x="2983767" y="48537"/>
+                  <a:pt x="3094087" y="86815"/>
+                  <a:pt x="3029573" y="59167"/>
+                </a:cubicBezTo>
+                <a:cubicBezTo>
+                  <a:pt x="3023557" y="56589"/>
+                  <a:pt x="3016913" y="55825"/>
+                  <a:pt x="3010523" y="54405"/>
+                </a:cubicBezTo>
+                <a:cubicBezTo>
+                  <a:pt x="3002621" y="52649"/>
+                  <a:pt x="2994747" y="50606"/>
+                  <a:pt x="2986710" y="49642"/>
+                </a:cubicBezTo>
+                <a:cubicBezTo>
+                  <a:pt x="2955029" y="45840"/>
+                  <a:pt x="2891460" y="40117"/>
+                  <a:pt x="2891460" y="40117"/>
+                </a:cubicBezTo>
+                <a:cubicBezTo>
+                  <a:pt x="2883523" y="36942"/>
+                  <a:pt x="2875942" y="32665"/>
+                  <a:pt x="2867648" y="30592"/>
+                </a:cubicBezTo>
+                <a:cubicBezTo>
+                  <a:pt x="2856758" y="27870"/>
+                  <a:pt x="2845449" y="27222"/>
+                  <a:pt x="2834310" y="25830"/>
+                </a:cubicBezTo>
+                <a:cubicBezTo>
+                  <a:pt x="2820046" y="24047"/>
+                  <a:pt x="2805744" y="22572"/>
+                  <a:pt x="2791448" y="21067"/>
+                </a:cubicBezTo>
+                <a:cubicBezTo>
+                  <a:pt x="2775582" y="19397"/>
+                  <a:pt x="2759631" y="18461"/>
+                  <a:pt x="2743823" y="16305"/>
+                </a:cubicBezTo>
+                <a:cubicBezTo>
+                  <a:pt x="2624252" y="0"/>
+                  <a:pt x="2757094" y="10301"/>
+                  <a:pt x="2591423" y="2017"/>
+                </a:cubicBezTo>
+                <a:lnTo>
+                  <a:pt x="1848473" y="6780"/>
+                </a:lnTo>
+                <a:cubicBezTo>
+                  <a:pt x="1837248" y="6918"/>
+                  <a:pt x="1826262" y="10058"/>
+                  <a:pt x="1815135" y="11542"/>
+                </a:cubicBezTo>
+                <a:cubicBezTo>
+                  <a:pt x="1723387" y="23775"/>
+                  <a:pt x="1834270" y="7062"/>
+                  <a:pt x="1734173" y="25830"/>
+                </a:cubicBezTo>
+                <a:cubicBezTo>
+                  <a:pt x="1723140" y="27899"/>
+                  <a:pt x="1711962" y="29108"/>
+                  <a:pt x="1700835" y="30592"/>
+                </a:cubicBezTo>
+                <a:cubicBezTo>
+                  <a:pt x="1648716" y="37541"/>
+                  <a:pt x="1661416" y="35449"/>
+                  <a:pt x="1596060" y="40117"/>
+                </a:cubicBezTo>
+                <a:cubicBezTo>
+                  <a:pt x="1579463" y="48415"/>
+                  <a:pt x="1571440" y="53086"/>
+                  <a:pt x="1553198" y="59167"/>
+                </a:cubicBezTo>
+                <a:cubicBezTo>
+                  <a:pt x="1546988" y="61237"/>
+                  <a:pt x="1540358" y="61860"/>
+                  <a:pt x="1534148" y="63930"/>
+                </a:cubicBezTo>
+                <a:cubicBezTo>
+                  <a:pt x="1526038" y="66634"/>
+                  <a:pt x="1518369" y="70533"/>
+                  <a:pt x="1510335" y="73455"/>
+                </a:cubicBezTo>
+                <a:cubicBezTo>
+                  <a:pt x="1500899" y="76886"/>
+                  <a:pt x="1490900" y="78825"/>
+                  <a:pt x="1481760" y="82980"/>
+                </a:cubicBezTo>
+                <a:cubicBezTo>
+                  <a:pt x="1433452" y="104938"/>
+                  <a:pt x="1483995" y="92925"/>
+                  <a:pt x="1429373" y="102030"/>
+                </a:cubicBezTo>
+                <a:cubicBezTo>
+                  <a:pt x="1403973" y="113142"/>
+                  <a:pt x="1377970" y="122968"/>
+                  <a:pt x="1353173" y="135367"/>
+                </a:cubicBezTo>
+                <a:cubicBezTo>
+                  <a:pt x="1346823" y="138542"/>
+                  <a:pt x="1340795" y="142466"/>
+                  <a:pt x="1334123" y="144892"/>
+                </a:cubicBezTo>
+                <a:cubicBezTo>
+                  <a:pt x="1323261" y="148842"/>
+                  <a:pt x="1311516" y="150125"/>
+                  <a:pt x="1300785" y="154417"/>
+                </a:cubicBezTo>
+                <a:cubicBezTo>
+                  <a:pt x="1287602" y="159690"/>
+                  <a:pt x="1275611" y="167591"/>
+                  <a:pt x="1262685" y="173467"/>
+                </a:cubicBezTo>
+                <a:cubicBezTo>
+                  <a:pt x="1258115" y="175544"/>
+                  <a:pt x="1252888" y="175985"/>
+                  <a:pt x="1248398" y="178230"/>
+                </a:cubicBezTo>
+                <a:cubicBezTo>
+                  <a:pt x="1240119" y="182370"/>
+                  <a:pt x="1232864" y="188377"/>
+                  <a:pt x="1224585" y="192517"/>
+                </a:cubicBezTo>
+                <a:cubicBezTo>
+                  <a:pt x="1216939" y="196340"/>
+                  <a:pt x="1208104" y="197644"/>
+                  <a:pt x="1200773" y="202042"/>
+                </a:cubicBezTo>
+                <a:cubicBezTo>
+                  <a:pt x="1192057" y="207272"/>
+                  <a:pt x="1185288" y="215263"/>
+                  <a:pt x="1176960" y="221092"/>
+                </a:cubicBezTo>
+                <a:cubicBezTo>
+                  <a:pt x="1153379" y="237599"/>
+                  <a:pt x="1152341" y="235649"/>
+                  <a:pt x="1124573" y="244905"/>
+                </a:cubicBezTo>
+                <a:cubicBezTo>
+                  <a:pt x="1104380" y="261059"/>
+                  <a:pt x="1086817" y="276617"/>
+                  <a:pt x="1062660" y="287767"/>
+                </a:cubicBezTo>
+                <a:cubicBezTo>
+                  <a:pt x="1055310" y="291159"/>
+                  <a:pt x="1046785" y="290942"/>
+                  <a:pt x="1038848" y="292530"/>
+                </a:cubicBezTo>
+                <a:cubicBezTo>
+                  <a:pt x="950897" y="351164"/>
+                  <a:pt x="1059085" y="276341"/>
+                  <a:pt x="991223" y="330630"/>
+                </a:cubicBezTo>
+                <a:cubicBezTo>
+                  <a:pt x="952129" y="361905"/>
+                  <a:pt x="975747" y="339421"/>
+                  <a:pt x="943598" y="359205"/>
+                </a:cubicBezTo>
+                <a:cubicBezTo>
+                  <a:pt x="928974" y="368205"/>
+                  <a:pt x="916094" y="380101"/>
+                  <a:pt x="900735" y="387780"/>
+                </a:cubicBezTo>
+                <a:cubicBezTo>
+                  <a:pt x="894385" y="390955"/>
+                  <a:pt x="887705" y="393542"/>
+                  <a:pt x="881685" y="397305"/>
+                </a:cubicBezTo>
+                <a:cubicBezTo>
+                  <a:pt x="874954" y="401512"/>
+                  <a:pt x="869239" y="407189"/>
+                  <a:pt x="862635" y="411592"/>
+                </a:cubicBezTo>
+                <a:cubicBezTo>
+                  <a:pt x="854933" y="416727"/>
+                  <a:pt x="846406" y="420572"/>
+                  <a:pt x="838823" y="425880"/>
+                </a:cubicBezTo>
+                <a:cubicBezTo>
+                  <a:pt x="830495" y="431709"/>
+                  <a:pt x="823896" y="439994"/>
+                  <a:pt x="815010" y="444930"/>
+                </a:cubicBezTo>
+                <a:cubicBezTo>
+                  <a:pt x="809288" y="448109"/>
+                  <a:pt x="802310" y="448105"/>
+                  <a:pt x="795960" y="449692"/>
+                </a:cubicBezTo>
+                <a:cubicBezTo>
+                  <a:pt x="789610" y="454455"/>
+                  <a:pt x="782884" y="458753"/>
+                  <a:pt x="776910" y="463980"/>
+                </a:cubicBezTo>
+                <a:cubicBezTo>
+                  <a:pt x="770152" y="469894"/>
+                  <a:pt x="764949" y="477517"/>
+                  <a:pt x="757860" y="483030"/>
+                </a:cubicBezTo>
+                <a:cubicBezTo>
+                  <a:pt x="750553" y="488713"/>
+                  <a:pt x="741631" y="492009"/>
+                  <a:pt x="734048" y="497317"/>
+                </a:cubicBezTo>
+                <a:cubicBezTo>
+                  <a:pt x="725720" y="503146"/>
+                  <a:pt x="718693" y="510728"/>
+                  <a:pt x="710235" y="516367"/>
+                </a:cubicBezTo>
+                <a:cubicBezTo>
+                  <a:pt x="697080" y="525137"/>
+                  <a:pt x="663859" y="542643"/>
+                  <a:pt x="648323" y="549705"/>
+                </a:cubicBezTo>
+                <a:cubicBezTo>
+                  <a:pt x="640540" y="553243"/>
+                  <a:pt x="631895" y="554922"/>
+                  <a:pt x="624510" y="559230"/>
+                </a:cubicBezTo>
+                <a:cubicBezTo>
+                  <a:pt x="612714" y="566111"/>
+                  <a:pt x="602535" y="575467"/>
+                  <a:pt x="591173" y="583042"/>
+                </a:cubicBezTo>
+                <a:cubicBezTo>
+                  <a:pt x="537718" y="618679"/>
+                  <a:pt x="593705" y="579618"/>
+                  <a:pt x="548310" y="606855"/>
+                </a:cubicBezTo>
+                <a:cubicBezTo>
+                  <a:pt x="538494" y="612745"/>
+                  <a:pt x="528674" y="618754"/>
+                  <a:pt x="519735" y="625905"/>
+                </a:cubicBezTo>
+                <a:cubicBezTo>
+                  <a:pt x="512723" y="631515"/>
+                  <a:pt x="507774" y="639442"/>
+                  <a:pt x="500685" y="644955"/>
+                </a:cubicBezTo>
+                <a:cubicBezTo>
+                  <a:pt x="493378" y="650638"/>
+                  <a:pt x="484682" y="654272"/>
+                  <a:pt x="476873" y="659242"/>
+                </a:cubicBezTo>
+                <a:cubicBezTo>
+                  <a:pt x="467215" y="665388"/>
+                  <a:pt x="457237" y="671141"/>
+                  <a:pt x="448298" y="678292"/>
+                </a:cubicBezTo>
+                <a:cubicBezTo>
+                  <a:pt x="441286" y="683902"/>
+                  <a:pt x="436337" y="691829"/>
+                  <a:pt x="429248" y="697342"/>
+                </a:cubicBezTo>
+                <a:cubicBezTo>
+                  <a:pt x="421941" y="703025"/>
+                  <a:pt x="412921" y="706185"/>
+                  <a:pt x="405435" y="711630"/>
+                </a:cubicBezTo>
+                <a:cubicBezTo>
+                  <a:pt x="395408" y="718922"/>
+                  <a:pt x="386887" y="728149"/>
+                  <a:pt x="376860" y="735442"/>
+                </a:cubicBezTo>
+                <a:cubicBezTo>
+                  <a:pt x="369374" y="740886"/>
+                  <a:pt x="360159" y="743804"/>
+                  <a:pt x="353048" y="749730"/>
+                </a:cubicBezTo>
+                <a:cubicBezTo>
+                  <a:pt x="340975" y="759791"/>
+                  <a:pt x="332786" y="774349"/>
+                  <a:pt x="319710" y="783067"/>
+                </a:cubicBezTo>
+                <a:cubicBezTo>
+                  <a:pt x="314948" y="786242"/>
+                  <a:pt x="309820" y="788928"/>
+                  <a:pt x="305423" y="792592"/>
+                </a:cubicBezTo>
+                <a:cubicBezTo>
+                  <a:pt x="268754" y="823150"/>
+                  <a:pt x="312319" y="792757"/>
+                  <a:pt x="276848" y="816405"/>
+                </a:cubicBezTo>
+                <a:cubicBezTo>
+                  <a:pt x="260653" y="856893"/>
+                  <a:pt x="273368" y="834172"/>
+                  <a:pt x="229223" y="878317"/>
+                </a:cubicBezTo>
+                <a:lnTo>
+                  <a:pt x="210173" y="897367"/>
+                </a:lnTo>
+                <a:cubicBezTo>
+                  <a:pt x="205410" y="902130"/>
+                  <a:pt x="201489" y="907919"/>
+                  <a:pt x="195885" y="911655"/>
+                </a:cubicBezTo>
+                <a:cubicBezTo>
+                  <a:pt x="191123" y="914830"/>
+                  <a:pt x="185995" y="917516"/>
+                  <a:pt x="181598" y="921180"/>
+                </a:cubicBezTo>
+                <a:cubicBezTo>
+                  <a:pt x="176424" y="925492"/>
+                  <a:pt x="172791" y="931552"/>
+                  <a:pt x="167310" y="935467"/>
+                </a:cubicBezTo>
+                <a:cubicBezTo>
+                  <a:pt x="161533" y="939593"/>
+                  <a:pt x="154466" y="941544"/>
+                  <a:pt x="148260" y="944992"/>
+                </a:cubicBezTo>
+                <a:cubicBezTo>
+                  <a:pt x="139997" y="949583"/>
+                  <a:pt x="100781" y="973422"/>
+                  <a:pt x="95873" y="978330"/>
+                </a:cubicBezTo>
+                <a:lnTo>
+                  <a:pt x="67298" y="1006905"/>
+                </a:lnTo>
+                <a:cubicBezTo>
+                  <a:pt x="60948" y="1013255"/>
+                  <a:pt x="55432" y="1020567"/>
+                  <a:pt x="48248" y="1025955"/>
+                </a:cubicBezTo>
+                <a:lnTo>
+                  <a:pt x="29198" y="1040242"/>
+                </a:lnTo>
+                <a:cubicBezTo>
+                  <a:pt x="26023" y="1045005"/>
+                  <a:pt x="23337" y="1050133"/>
+                  <a:pt x="19673" y="1054530"/>
+                </a:cubicBezTo>
+                <a:cubicBezTo>
+                  <a:pt x="15361" y="1059704"/>
+                  <a:pt x="8397" y="1062793"/>
+                  <a:pt x="5385" y="1068817"/>
+                </a:cubicBezTo>
+                <a:cubicBezTo>
+                  <a:pt x="0" y="1079586"/>
+                  <a:pt x="623" y="1107062"/>
+                  <a:pt x="623" y="1083105"/>
                 </a:cubicBezTo>
               </a:path>
             </a:pathLst>
